--- a/Doc/Terminologies/PPT/originCalc.pptx
+++ b/Doc/Terminologies/PPT/originCalc.pptx
@@ -5,7 +5,7 @@
     <p:sldMasterId id="2147483648" r:id="rId4"/>
   </p:sldMasterIdLst>
   <p:sldIdLst>
-    <p:sldId id="257" r:id="rId5"/>
+    <p:sldId id="265" r:id="rId5"/>
   </p:sldIdLst>
   <p:sldSz cx="12192000" cy="6858000"/>
   <p:notesSz cx="6858000" cy="9144000"/>
@@ -104,6 +104,11 @@
       </a:defRPr>
     </a:lvl9pPr>
   </p:defaultTextStyle>
+  <p:extLst>
+    <p:ext uri="{EFAFB233-063F-42B5-8137-9DF3F51BA10A}">
+      <p15:sldGuideLst xmlns:p15="http://schemas.microsoft.com/office/powerpoint/2012/main"/>
+    </p:ext>
+  </p:extLst>
 </p:presentation>
 </file>
 
@@ -254,7 +259,7 @@
           <a:p>
             <a:fld id="{EF6B11C9-5FE6-4C75-AE00-B3A78B4DA156}" type="datetimeFigureOut">
               <a:rPr lang="ko-KR" altLang="en-US" smtClean="0"/>
-              <a:t>2022-03-04</a:t>
+              <a:t>2022-03-15</a:t>
             </a:fld>
             <a:endParaRPr lang="ko-KR" altLang="en-US"/>
           </a:p>
@@ -452,7 +457,7 @@
           <a:p>
             <a:fld id="{EF6B11C9-5FE6-4C75-AE00-B3A78B4DA156}" type="datetimeFigureOut">
               <a:rPr lang="ko-KR" altLang="en-US" smtClean="0"/>
-              <a:t>2022-03-04</a:t>
+              <a:t>2022-03-15</a:t>
             </a:fld>
             <a:endParaRPr lang="ko-KR" altLang="en-US"/>
           </a:p>
@@ -660,7 +665,7 @@
           <a:p>
             <a:fld id="{EF6B11C9-5FE6-4C75-AE00-B3A78B4DA156}" type="datetimeFigureOut">
               <a:rPr lang="ko-KR" altLang="en-US" smtClean="0"/>
-              <a:t>2022-03-04</a:t>
+              <a:t>2022-03-15</a:t>
             </a:fld>
             <a:endParaRPr lang="ko-KR" altLang="en-US"/>
           </a:p>
@@ -858,7 +863,7 @@
           <a:p>
             <a:fld id="{EF6B11C9-5FE6-4C75-AE00-B3A78B4DA156}" type="datetimeFigureOut">
               <a:rPr lang="ko-KR" altLang="en-US" smtClean="0"/>
-              <a:t>2022-03-04</a:t>
+              <a:t>2022-03-15</a:t>
             </a:fld>
             <a:endParaRPr lang="ko-KR" altLang="en-US"/>
           </a:p>
@@ -1133,7 +1138,7 @@
           <a:p>
             <a:fld id="{EF6B11C9-5FE6-4C75-AE00-B3A78B4DA156}" type="datetimeFigureOut">
               <a:rPr lang="ko-KR" altLang="en-US" smtClean="0"/>
-              <a:t>2022-03-04</a:t>
+              <a:t>2022-03-15</a:t>
             </a:fld>
             <a:endParaRPr lang="ko-KR" altLang="en-US"/>
           </a:p>
@@ -1398,7 +1403,7 @@
           <a:p>
             <a:fld id="{EF6B11C9-5FE6-4C75-AE00-B3A78B4DA156}" type="datetimeFigureOut">
               <a:rPr lang="ko-KR" altLang="en-US" smtClean="0"/>
-              <a:t>2022-03-04</a:t>
+              <a:t>2022-03-15</a:t>
             </a:fld>
             <a:endParaRPr lang="ko-KR" altLang="en-US"/>
           </a:p>
@@ -1810,7 +1815,7 @@
           <a:p>
             <a:fld id="{EF6B11C9-5FE6-4C75-AE00-B3A78B4DA156}" type="datetimeFigureOut">
               <a:rPr lang="ko-KR" altLang="en-US" smtClean="0"/>
-              <a:t>2022-03-04</a:t>
+              <a:t>2022-03-15</a:t>
             </a:fld>
             <a:endParaRPr lang="ko-KR" altLang="en-US"/>
           </a:p>
@@ -1951,7 +1956,7 @@
           <a:p>
             <a:fld id="{EF6B11C9-5FE6-4C75-AE00-B3A78B4DA156}" type="datetimeFigureOut">
               <a:rPr lang="ko-KR" altLang="en-US" smtClean="0"/>
-              <a:t>2022-03-04</a:t>
+              <a:t>2022-03-15</a:t>
             </a:fld>
             <a:endParaRPr lang="ko-KR" altLang="en-US"/>
           </a:p>
@@ -2064,7 +2069,7 @@
           <a:p>
             <a:fld id="{EF6B11C9-5FE6-4C75-AE00-B3A78B4DA156}" type="datetimeFigureOut">
               <a:rPr lang="ko-KR" altLang="en-US" smtClean="0"/>
-              <a:t>2022-03-04</a:t>
+              <a:t>2022-03-15</a:t>
             </a:fld>
             <a:endParaRPr lang="ko-KR" altLang="en-US"/>
           </a:p>
@@ -2375,7 +2380,7 @@
           <a:p>
             <a:fld id="{EF6B11C9-5FE6-4C75-AE00-B3A78B4DA156}" type="datetimeFigureOut">
               <a:rPr lang="ko-KR" altLang="en-US" smtClean="0"/>
-              <a:t>2022-03-04</a:t>
+              <a:t>2022-03-15</a:t>
             </a:fld>
             <a:endParaRPr lang="ko-KR" altLang="en-US"/>
           </a:p>
@@ -2663,7 +2668,7 @@
           <a:p>
             <a:fld id="{EF6B11C9-5FE6-4C75-AE00-B3A78B4DA156}" type="datetimeFigureOut">
               <a:rPr lang="ko-KR" altLang="en-US" smtClean="0"/>
-              <a:t>2022-03-04</a:t>
+              <a:t>2022-03-15</a:t>
             </a:fld>
             <a:endParaRPr lang="ko-KR" altLang="en-US"/>
           </a:p>
@@ -2904,7 +2909,7 @@
           <a:p>
             <a:fld id="{EF6B11C9-5FE6-4C75-AE00-B3A78B4DA156}" type="datetimeFigureOut">
               <a:rPr lang="ko-KR" altLang="en-US" smtClean="0"/>
-              <a:t>2022-03-04</a:t>
+              <a:t>2022-03-15</a:t>
             </a:fld>
             <a:endParaRPr lang="ko-KR" altLang="en-US"/>
           </a:p>
@@ -3321,1391 +3326,3792 @@
           <a:chExt cx="0" cy="0"/>
         </a:xfrm>
       </p:grpSpPr>
-      <p:sp>
-        <p:nvSpPr>
-          <p:cNvPr id="4" name="타원 3">
+      <mc:AlternateContent xmlns:mc="http://schemas.openxmlformats.org/markup-compatibility/2006" xmlns:a14="http://schemas.microsoft.com/office/drawing/2010/main">
+        <mc:Choice Requires="a14">
+          <p:sp>
+            <p:nvSpPr>
+              <p:cNvPr id="4" name="제목 3">
+                <a:extLst>
+                  <a:ext uri="{FF2B5EF4-FFF2-40B4-BE49-F238E27FC236}">
+                    <a16:creationId xmlns:a16="http://schemas.microsoft.com/office/drawing/2014/main" id="{DBDD1F29-34A5-4D9F-B471-9BEF0A3C440C}"/>
+                  </a:ext>
+                </a:extLst>
+              </p:cNvPr>
+              <p:cNvSpPr>
+                <a:spLocks noGrp="1"/>
+              </p:cNvSpPr>
+              <p:nvPr>
+                <p:ph type="title"/>
+              </p:nvPr>
+            </p:nvSpPr>
+            <p:spPr/>
+            <p:txBody>
+              <a:bodyPr>
+                <a:normAutofit/>
+              </a:bodyPr>
+              <a:lstStyle/>
+              <a:p>
+                <a:r>
+                  <a:rPr lang="ko-KR" altLang="en-US" sz="2000" dirty="0"/>
+                  <a:t>행위는 복수개의 시작점을 가질 수 있다</a:t>
+                </a:r>
+                <a:r>
+                  <a:rPr lang="en-US" altLang="ko-KR" sz="2000" dirty="0"/>
+                  <a:t>. </a:t>
+                </a:r>
+                <a:br>
+                  <a:rPr lang="en-US" altLang="ko-KR" sz="2000" i="1" dirty="0">
+                    <a:latin typeface="Cambria Math" panose="02040503050406030204" pitchFamily="18" charset="0"/>
+                  </a:rPr>
+                </a:br>
+                <a14:m>
+                  <m:oMath xmlns:m="http://schemas.openxmlformats.org/officeDocument/2006/math">
+                    <m:sSup>
+                      <m:sSupPr>
+                        <m:ctrlPr>
+                          <a:rPr lang="en-US" altLang="ko-KR" sz="2000" i="1" dirty="0" smtClean="0">
+                            <a:latin typeface="Cambria Math" panose="02040503050406030204" pitchFamily="18" charset="0"/>
+                          </a:rPr>
+                        </m:ctrlPr>
+                      </m:sSupPr>
+                      <m:e>
+                        <m:r>
+                          <m:rPr>
+                            <m:nor/>
+                          </m:rPr>
+                          <a:rPr lang="en-US" altLang="ko-KR" sz="2000" dirty="0"/>
+                          <m:t>Segment</m:t>
+                        </m:r>
+                      </m:e>
+                      <m:sup>
+                        <m:r>
+                          <m:rPr>
+                            <m:nor/>
+                          </m:rPr>
+                          <a:rPr lang="ko-KR" altLang="en-US" sz="2000" dirty="0"/>
+                          <m:t>𝜑</m:t>
+                        </m:r>
+                      </m:sup>
+                    </m:sSup>
+                  </m:oMath>
+                </a14:m>
+                <a:r>
+                  <a:rPr lang="en-US" altLang="ko-KR" sz="2000" dirty="0"/>
+                  <a:t> = {</a:t>
+                </a:r>
+                <a14:m>
+                  <m:oMath xmlns:m="http://schemas.openxmlformats.org/officeDocument/2006/math">
+                    <m:sSub>
+                      <m:sSubPr>
+                        <m:ctrlPr>
+                          <a:rPr lang="en-US" altLang="ko-KR" sz="2000" i="1" smtClean="0">
+                            <a:latin typeface="Cambria Math" panose="02040503050406030204" pitchFamily="18" charset="0"/>
+                          </a:rPr>
+                        </m:ctrlPr>
+                      </m:sSubPr>
+                      <m:e>
+                        <m:r>
+                          <m:rPr>
+                            <m:nor/>
+                          </m:rPr>
+                          <a:rPr lang="ko-KR" altLang="en-US" sz="2000" dirty="0"/>
+                          <m:t>𝜑</m:t>
+                        </m:r>
+                      </m:e>
+                      <m:sub>
+                        <m:r>
+                          <a:rPr lang="en-US" altLang="ko-KR" sz="2000" b="0" i="1" smtClean="0">
+                            <a:latin typeface="Cambria Math" panose="02040503050406030204" pitchFamily="18" charset="0"/>
+                          </a:rPr>
+                          <m:t>1</m:t>
+                        </m:r>
+                      </m:sub>
+                    </m:sSub>
+                  </m:oMath>
+                </a14:m>
+                <a:r>
+                  <a:rPr lang="en-US" altLang="ko-KR" sz="2000" dirty="0"/>
+                  <a:t>, </a:t>
+                </a:r>
+                <a14:m>
+                  <m:oMath xmlns:m="http://schemas.openxmlformats.org/officeDocument/2006/math">
+                    <m:sSub>
+                      <m:sSubPr>
+                        <m:ctrlPr>
+                          <a:rPr lang="en-US" altLang="ko-KR" sz="2000" i="1">
+                            <a:latin typeface="Cambria Math" panose="02040503050406030204" pitchFamily="18" charset="0"/>
+                          </a:rPr>
+                        </m:ctrlPr>
+                      </m:sSubPr>
+                      <m:e>
+                        <m:r>
+                          <m:rPr>
+                            <m:nor/>
+                          </m:rPr>
+                          <a:rPr lang="ko-KR" altLang="en-US" sz="2000" dirty="0"/>
+                          <m:t>𝜑</m:t>
+                        </m:r>
+                      </m:e>
+                      <m:sub>
+                        <m:r>
+                          <a:rPr lang="en-US" altLang="ko-KR" sz="2000" b="0" i="1" smtClean="0">
+                            <a:latin typeface="Cambria Math" panose="02040503050406030204" pitchFamily="18" charset="0"/>
+                          </a:rPr>
+                          <m:t>2</m:t>
+                        </m:r>
+                      </m:sub>
+                    </m:sSub>
+                  </m:oMath>
+                </a14:m>
+                <a:r>
+                  <a:rPr lang="en-US" altLang="ko-KR" sz="2000" dirty="0"/>
+                  <a:t>, …, </a:t>
+                </a:r>
+                <a14:m>
+                  <m:oMath xmlns:m="http://schemas.openxmlformats.org/officeDocument/2006/math">
+                    <m:sSub>
+                      <m:sSubPr>
+                        <m:ctrlPr>
+                          <a:rPr lang="en-US" altLang="ko-KR" sz="2000" i="1" smtClean="0">
+                            <a:latin typeface="Cambria Math" panose="02040503050406030204" pitchFamily="18" charset="0"/>
+                          </a:rPr>
+                        </m:ctrlPr>
+                      </m:sSubPr>
+                      <m:e>
+                        <m:r>
+                          <m:rPr>
+                            <m:nor/>
+                          </m:rPr>
+                          <a:rPr lang="ko-KR" altLang="en-US" sz="2000" dirty="0"/>
+                          <m:t>𝜑</m:t>
+                        </m:r>
+                      </m:e>
+                      <m:sub>
+                        <m:r>
+                          <a:rPr lang="en-US" altLang="ko-KR" sz="2000" b="0" i="1" smtClean="0">
+                            <a:latin typeface="Cambria Math" panose="02040503050406030204" pitchFamily="18" charset="0"/>
+                          </a:rPr>
+                          <m:t>𝑘</m:t>
+                        </m:r>
+                      </m:sub>
+                    </m:sSub>
+                  </m:oMath>
+                </a14:m>
+                <a:r>
+                  <a:rPr lang="en-US" altLang="ko-KR" sz="2000" dirty="0"/>
+                  <a:t>}</a:t>
+                </a:r>
+                <a:endParaRPr lang="ko-KR" altLang="en-US" sz="2000" dirty="0"/>
+              </a:p>
+            </p:txBody>
+          </p:sp>
+        </mc:Choice>
+        <mc:Fallback xmlns="">
+          <p:sp>
+            <p:nvSpPr>
+              <p:cNvPr id="4" name="제목 3">
+                <a:extLst>
+                  <a:ext uri="{FF2B5EF4-FFF2-40B4-BE49-F238E27FC236}">
+                    <a16:creationId xmlns:a16="http://schemas.microsoft.com/office/drawing/2014/main" id="{DBDD1F29-34A5-4D9F-B471-9BEF0A3C440C}"/>
+                  </a:ext>
+                </a:extLst>
+              </p:cNvPr>
+              <p:cNvSpPr>
+                <a:spLocks noGrp="1" noRot="1" noChangeAspect="1" noMove="1" noResize="1" noEditPoints="1" noAdjustHandles="1" noChangeArrowheads="1" noChangeShapeType="1" noTextEdit="1"/>
+              </p:cNvSpPr>
+              <p:nvPr>
+                <p:ph type="title"/>
+              </p:nvPr>
+            </p:nvSpPr>
+            <p:spPr>
+              <a:blipFill>
+                <a:blip r:embed="rId2"/>
+                <a:stretch>
+                  <a:fillRect l="-662"/>
+                </a:stretch>
+              </a:blipFill>
+            </p:spPr>
+            <p:txBody>
+              <a:bodyPr/>
+              <a:lstStyle/>
+              <a:p>
+                <a:r>
+                  <a:rPr lang="ko-KR" altLang="en-US">
+                    <a:noFill/>
+                  </a:rPr>
+                  <a:t> </a:t>
+                </a:r>
+              </a:p>
+            </p:txBody>
+          </p:sp>
+        </mc:Fallback>
+      </mc:AlternateContent>
+      <mc:AlternateContent xmlns:mc="http://schemas.openxmlformats.org/markup-compatibility/2006" xmlns:a14="http://schemas.microsoft.com/office/drawing/2010/main">
+        <mc:Choice Requires="a14">
+          <p:sp>
+            <p:nvSpPr>
+              <p:cNvPr id="5" name="TextBox 4">
+                <a:extLst>
+                  <a:ext uri="{FF2B5EF4-FFF2-40B4-BE49-F238E27FC236}">
+                    <a16:creationId xmlns:a16="http://schemas.microsoft.com/office/drawing/2014/main" id="{5EAED1BD-17DF-4F19-9600-97FF48DC1C7A}"/>
+                  </a:ext>
+                </a:extLst>
+              </p:cNvPr>
+              <p:cNvSpPr txBox="1"/>
+              <p:nvPr/>
+            </p:nvSpPr>
+            <p:spPr>
+              <a:xfrm>
+                <a:off x="394447" y="2209932"/>
+                <a:ext cx="9777506" cy="2366545"/>
+              </a:xfrm>
+              <a:prstGeom prst="rect">
+                <a:avLst/>
+              </a:prstGeom>
+              <a:noFill/>
+            </p:spPr>
+            <p:txBody>
+              <a:bodyPr wrap="square">
+                <a:spAutoFit/>
+              </a:bodyPr>
+              <a:lstStyle/>
+              <a:p>
+                <a:pPr marL="0" indent="0">
+                  <a:buNone/>
+                </a:pPr>
+                <a:r>
+                  <a:rPr lang="en-US" altLang="ko-KR" sz="1400" dirty="0"/>
+                  <a:t>1. </a:t>
+                </a:r>
+                <a:r>
+                  <a:rPr lang="ko-KR" altLang="en-US" sz="1400" dirty="0"/>
+                  <a:t>시작 가능 경우의 수</a:t>
+                </a:r>
+                <a:r>
+                  <a:rPr lang="en-US" altLang="ko-KR" sz="1400" dirty="0"/>
+                  <a:t>: Number</a:t>
+                </a:r>
+                <a:r>
+                  <a:rPr lang="ko-KR" altLang="en-US" sz="1400" dirty="0"/>
+                  <a:t> </a:t>
+                </a:r>
+                <a:r>
+                  <a:rPr lang="en-US" altLang="ko-KR" sz="1400" dirty="0"/>
+                  <a:t>of start point = </a:t>
+                </a:r>
+                <a14:m>
+                  <m:oMath xmlns:m="http://schemas.openxmlformats.org/officeDocument/2006/math">
+                    <m:sSup>
+                      <m:sSupPr>
+                        <m:ctrlPr>
+                          <a:rPr lang="en-US" altLang="ko-KR" sz="1400" i="1">
+                            <a:latin typeface="Cambria Math" panose="02040503050406030204" pitchFamily="18" charset="0"/>
+                          </a:rPr>
+                        </m:ctrlPr>
+                      </m:sSupPr>
+                      <m:e>
+                        <m:r>
+                          <a:rPr lang="en-US" altLang="ko-KR" sz="1400" i="1">
+                            <a:latin typeface="Cambria Math" panose="02040503050406030204" pitchFamily="18" charset="0"/>
+                          </a:rPr>
+                          <m:t>2</m:t>
+                        </m:r>
+                      </m:e>
+                      <m:sup>
+                        <m:r>
+                          <a:rPr lang="en-US" altLang="ko-KR" sz="1400" i="1">
+                            <a:latin typeface="Cambria Math" panose="02040503050406030204" pitchFamily="18" charset="0"/>
+                          </a:rPr>
+                          <m:t>𝑛</m:t>
+                        </m:r>
+                        <m:r>
+                          <a:rPr lang="en-US" altLang="ko-KR" sz="1400" b="0" i="1" smtClean="0">
+                            <a:latin typeface="Cambria Math" panose="02040503050406030204" pitchFamily="18" charset="0"/>
+                          </a:rPr>
+                          <m:t>−</m:t>
+                        </m:r>
+                        <m:r>
+                          <a:rPr lang="en-US" altLang="ko-KR" sz="1400" b="0" i="1" smtClean="0">
+                            <a:latin typeface="Cambria Math" panose="02040503050406030204" pitchFamily="18" charset="0"/>
+                          </a:rPr>
+                          <m:t>𝑟</m:t>
+                        </m:r>
+                      </m:sup>
+                    </m:sSup>
+                  </m:oMath>
+                </a14:m>
+                <a:endParaRPr lang="en-US" altLang="ko-KR" sz="1400" dirty="0"/>
+              </a:p>
+              <a:p>
+                <a:pPr marL="0" indent="0">
+                  <a:buNone/>
+                </a:pPr>
+                <a:r>
+                  <a:rPr lang="en-US" altLang="ko-KR" sz="1000" i="1" dirty="0">
+                    <a:latin typeface="Cambria Math" panose="02040503050406030204" pitchFamily="18" charset="0"/>
+                  </a:rPr>
+                  <a:t>(n = number of children ,  r = number of value fixed children)</a:t>
+                </a:r>
+              </a:p>
+              <a:p>
+                <a:pPr marL="0" indent="0">
+                  <a:buNone/>
+                </a:pPr>
+                <a:endParaRPr lang="en-US" altLang="ko-KR" sz="1000" i="1" dirty="0">
+                  <a:latin typeface="Cambria Math" panose="02040503050406030204" pitchFamily="18" charset="0"/>
+                </a:endParaRPr>
+              </a:p>
+              <a:p>
+                <a:pPr marL="285750" indent="-285750">
+                  <a:buFont typeface="Arial" panose="020B0604020202020204" pitchFamily="34" charset="0"/>
+                  <a:buChar char="•"/>
+                </a:pPr>
+                <a14:m>
+                  <m:oMath xmlns:m="http://schemas.openxmlformats.org/officeDocument/2006/math">
+                    <m:r>
+                      <m:rPr>
+                        <m:nor/>
+                      </m:rPr>
+                      <a:rPr lang="ko-KR" altLang="en-US" sz="1400" dirty="0"/>
+                      <m:t>시작점</m:t>
+                    </m:r>
+                    <m:r>
+                      <a:rPr lang="en-US" altLang="ko-KR" sz="1400" b="0" i="1" dirty="0" smtClean="0">
+                        <a:latin typeface="Cambria Math" panose="02040503050406030204" pitchFamily="18" charset="0"/>
+                      </a:rPr>
+                      <m:t> </m:t>
+                    </m:r>
+                    <m:r>
+                      <a:rPr lang="ko-KR" altLang="en-US" sz="1400" i="1">
+                        <a:latin typeface="Cambria Math" panose="02040503050406030204" pitchFamily="18" charset="0"/>
+                      </a:rPr>
+                      <m:t>값</m:t>
+                    </m:r>
+                    <m:r>
+                      <a:rPr lang="en-US" altLang="ko-KR" sz="1400" b="0" i="1" smtClean="0">
+                        <a:latin typeface="Cambria Math" panose="02040503050406030204" pitchFamily="18" charset="0"/>
+                      </a:rPr>
+                      <m:t> </m:t>
+                    </m:r>
+                    <m:r>
+                      <a:rPr lang="ko-KR" altLang="en-US" sz="1400" i="1">
+                        <a:latin typeface="Cambria Math" panose="02040503050406030204" pitchFamily="18" charset="0"/>
+                      </a:rPr>
+                      <m:t>구</m:t>
+                    </m:r>
+                    <m:r>
+                      <a:rPr lang="ko-KR" altLang="en-US" sz="1400" i="1" smtClean="0">
+                        <a:latin typeface="Cambria Math" panose="02040503050406030204" pitchFamily="18" charset="0"/>
+                      </a:rPr>
+                      <m:t>하</m:t>
+                    </m:r>
+                    <m:r>
+                      <a:rPr lang="ko-KR" altLang="en-US" sz="1400" i="1">
+                        <a:latin typeface="Cambria Math" panose="02040503050406030204" pitchFamily="18" charset="0"/>
+                      </a:rPr>
+                      <m:t>기</m:t>
+                    </m:r>
+                    <m:r>
+                      <a:rPr lang="en-US" altLang="ko-KR" sz="1400" b="0" i="1" smtClean="0">
+                        <a:latin typeface="Cambria Math" panose="02040503050406030204" pitchFamily="18" charset="0"/>
+                      </a:rPr>
+                      <m:t> (</m:t>
+                    </m:r>
+                    <m:r>
+                      <a:rPr lang="ko-KR" altLang="en-US" sz="1400" i="1">
+                        <a:latin typeface="Cambria Math" panose="02040503050406030204" pitchFamily="18" charset="0"/>
+                      </a:rPr>
+                      <m:t>각</m:t>
+                    </m:r>
+                    <m:r>
+                      <a:rPr lang="ko-KR" altLang="en-US" sz="1400" i="1" smtClean="0">
+                        <a:latin typeface="Cambria Math" panose="02040503050406030204" pitchFamily="18" charset="0"/>
+                      </a:rPr>
+                      <m:t>도</m:t>
+                    </m:r>
+                    <m:r>
+                      <a:rPr lang="ko-KR" altLang="en-US" sz="1400" i="1">
+                        <a:latin typeface="Cambria Math" panose="02040503050406030204" pitchFamily="18" charset="0"/>
+                      </a:rPr>
+                      <m:t>법</m:t>
+                    </m:r>
+                    <m:r>
+                      <a:rPr lang="en-US" altLang="ko-KR" sz="1400" b="0" i="1" smtClean="0">
+                        <a:latin typeface="Cambria Math" panose="02040503050406030204" pitchFamily="18" charset="0"/>
+                      </a:rPr>
+                      <m:t>)</m:t>
+                    </m:r>
+                    <m:sSub>
+                      <m:sSubPr>
+                        <m:ctrlPr>
+                          <a:rPr lang="en-US" altLang="ko-KR" sz="1400" i="1" smtClean="0">
+                            <a:latin typeface="Cambria Math" panose="02040503050406030204" pitchFamily="18" charset="0"/>
+                          </a:rPr>
+                        </m:ctrlPr>
+                      </m:sSubPr>
+                      <m:e>
+                        <m:r>
+                          <m:rPr>
+                            <m:nor/>
+                          </m:rPr>
+                          <a:rPr lang="ko-KR" altLang="en-US" sz="1400" dirty="0"/>
+                          <m:t>𝜑</m:t>
+                        </m:r>
+                      </m:e>
+                      <m:sub>
+                        <m:r>
+                          <a:rPr lang="en-US" altLang="ko-KR" sz="1400" b="0" i="1" smtClean="0">
+                            <a:latin typeface="Cambria Math" panose="02040503050406030204" pitchFamily="18" charset="0"/>
+                          </a:rPr>
+                          <m:t>𝑘</m:t>
+                        </m:r>
+                      </m:sub>
+                    </m:sSub>
+                  </m:oMath>
+                </a14:m>
+                <a:r>
+                  <a:rPr lang="ko-KR" altLang="en-US" sz="1400" dirty="0"/>
+                  <a:t> </a:t>
+                </a:r>
+                <a14:m>
+                  <m:oMath xmlns:m="http://schemas.openxmlformats.org/officeDocument/2006/math">
+                    <m:r>
+                      <a:rPr lang="en-US" altLang="ko-KR" sz="1400" i="1" dirty="0">
+                        <a:latin typeface="Cambria Math" panose="02040503050406030204" pitchFamily="18" charset="0"/>
+                        <a:ea typeface="Cambria Math" panose="02040503050406030204" pitchFamily="18" charset="0"/>
+                      </a:rPr>
+                      <m:t>°</m:t>
+                    </m:r>
+                  </m:oMath>
+                </a14:m>
+                <a:r>
+                  <a:rPr lang="en-US" altLang="ko-KR" sz="1400" dirty="0"/>
+                  <a:t> = </a:t>
+                </a:r>
+                <a14:m>
+                  <m:oMath xmlns:m="http://schemas.openxmlformats.org/officeDocument/2006/math">
+                    <m:sSub>
+                      <m:sSubPr>
+                        <m:ctrlPr>
+                          <a:rPr lang="en-US" altLang="ko-KR" sz="1400" i="1" smtClean="0">
+                            <a:latin typeface="Cambria Math" panose="02040503050406030204" pitchFamily="18" charset="0"/>
+                          </a:rPr>
+                        </m:ctrlPr>
+                      </m:sSubPr>
+                      <m:e>
+                        <m:r>
+                          <m:rPr>
+                            <m:nor/>
+                          </m:rPr>
+                          <a:rPr lang="en-US" altLang="ko-KR" sz="1400" dirty="0"/>
+                          <m:t>(</m:t>
+                        </m:r>
+                        <m:r>
+                          <a:rPr lang="en-US" altLang="ko-KR" sz="1400" i="1" dirty="0" smtClean="0">
+                            <a:latin typeface="Cambria Math" panose="02040503050406030204" pitchFamily="18" charset="0"/>
+                          </a:rPr>
+                          <m:t>0</m:t>
+                        </m:r>
+                        <m:r>
+                          <a:rPr lang="en-US" altLang="ko-KR" sz="1400" b="0" i="1" dirty="0" smtClean="0">
+                            <a:latin typeface="Cambria Math" panose="02040503050406030204" pitchFamily="18" charset="0"/>
+                          </a:rPr>
+                          <m:t>1010111…</m:t>
+                        </m:r>
+                        <m:r>
+                          <m:rPr>
+                            <m:nor/>
+                          </m:rPr>
+                          <a:rPr lang="en-US" altLang="ko-KR" sz="1400" b="0" i="0" dirty="0" smtClean="0">
+                            <a:latin typeface="Cambria Math" panose="02040503050406030204" pitchFamily="18" charset="0"/>
+                          </a:rPr>
+                          <m:t>n</m:t>
+                        </m:r>
+                        <m:r>
+                          <m:rPr>
+                            <m:nor/>
+                          </m:rPr>
+                          <a:rPr lang="en-US" altLang="ko-KR" sz="1400" dirty="0"/>
+                          <m:t>)</m:t>
+                        </m:r>
+                      </m:e>
+                      <m:sub>
+                        <m:r>
+                          <a:rPr lang="en-US" altLang="ko-KR" sz="1400" b="0" i="1" smtClean="0">
+                            <a:latin typeface="Cambria Math" panose="02040503050406030204" pitchFamily="18" charset="0"/>
+                          </a:rPr>
+                          <m:t>2</m:t>
+                        </m:r>
+                      </m:sub>
+                    </m:sSub>
+                  </m:oMath>
+                </a14:m>
+                <a:r>
+                  <a:rPr lang="ko-KR" altLang="en-US" sz="1400" dirty="0"/>
+                  <a:t> </a:t>
+                </a:r>
+                <a:r>
+                  <a:rPr lang="en-US" altLang="ko-KR" sz="1400" dirty="0"/>
+                  <a:t>/ </a:t>
+                </a:r>
+                <a14:m>
+                  <m:oMath xmlns:m="http://schemas.openxmlformats.org/officeDocument/2006/math">
+                    <m:sSup>
+                      <m:sSupPr>
+                        <m:ctrlPr>
+                          <a:rPr lang="en-US" altLang="ko-KR" sz="1400" i="1">
+                            <a:latin typeface="Cambria Math" panose="02040503050406030204" pitchFamily="18" charset="0"/>
+                          </a:rPr>
+                        </m:ctrlPr>
+                      </m:sSupPr>
+                      <m:e>
+                        <m:r>
+                          <a:rPr lang="en-US" altLang="ko-KR" sz="1400" i="1">
+                            <a:latin typeface="Cambria Math" panose="02040503050406030204" pitchFamily="18" charset="0"/>
+                          </a:rPr>
+                          <m:t>2</m:t>
+                        </m:r>
+                      </m:e>
+                      <m:sup>
+                        <m:r>
+                          <a:rPr lang="en-US" altLang="ko-KR" sz="1400" i="1">
+                            <a:latin typeface="Cambria Math" panose="02040503050406030204" pitchFamily="18" charset="0"/>
+                          </a:rPr>
+                          <m:t>𝑛</m:t>
+                        </m:r>
+                      </m:sup>
+                    </m:sSup>
+                  </m:oMath>
+                </a14:m>
+                <a:r>
+                  <a:rPr lang="en-US" altLang="ko-KR" sz="1400" dirty="0"/>
+                  <a:t>  x </a:t>
+                </a:r>
+                <a14:m>
+                  <m:oMath xmlns:m="http://schemas.openxmlformats.org/officeDocument/2006/math">
+                    <m:r>
+                      <a:rPr lang="en-US" altLang="ko-KR" sz="1400" b="0" i="1" dirty="0" smtClean="0">
+                        <a:latin typeface="Cambria Math" panose="02040503050406030204" pitchFamily="18" charset="0"/>
+                      </a:rPr>
+                      <m:t>360</m:t>
+                    </m:r>
+                    <m:r>
+                      <a:rPr lang="en-US" altLang="ko-KR" sz="1400" b="0" i="1" dirty="0" smtClean="0">
+                        <a:latin typeface="Cambria Math" panose="02040503050406030204" pitchFamily="18" charset="0"/>
+                        <a:ea typeface="Cambria Math" panose="02040503050406030204" pitchFamily="18" charset="0"/>
+                      </a:rPr>
+                      <m:t>°</m:t>
+                    </m:r>
+                  </m:oMath>
+                </a14:m>
+                <a:endParaRPr lang="en-US" altLang="ko-KR" sz="1400" b="0" i="1" dirty="0">
+                  <a:latin typeface="Cambria Math" panose="02040503050406030204" pitchFamily="18" charset="0"/>
+                  <a:ea typeface="Cambria Math" panose="02040503050406030204" pitchFamily="18" charset="0"/>
+                </a:endParaRPr>
+              </a:p>
+              <a:p>
+                <a:pPr marL="285750" indent="-285750">
+                  <a:buFont typeface="Arial" panose="020B0604020202020204" pitchFamily="34" charset="0"/>
+                  <a:buChar char="•"/>
+                </a:pPr>
+                <a14:m>
+                  <m:oMath xmlns:m="http://schemas.openxmlformats.org/officeDocument/2006/math">
+                    <m:r>
+                      <m:rPr>
+                        <m:nor/>
+                      </m:rPr>
+                      <a:rPr lang="ko-KR" altLang="en-US" sz="1400" dirty="0"/>
+                      <m:t>시작점</m:t>
+                    </m:r>
+                    <m:r>
+                      <a:rPr lang="en-US" altLang="ko-KR" sz="1400" b="0" i="1" dirty="0" smtClean="0">
+                        <a:latin typeface="Cambria Math" panose="02040503050406030204" pitchFamily="18" charset="0"/>
+                      </a:rPr>
+                      <m:t> </m:t>
+                    </m:r>
+                    <m:r>
+                      <a:rPr lang="ko-KR" altLang="en-US" sz="1400" i="1">
+                        <a:latin typeface="Cambria Math" panose="02040503050406030204" pitchFamily="18" charset="0"/>
+                      </a:rPr>
+                      <m:t>값</m:t>
+                    </m:r>
+                    <m:r>
+                      <a:rPr lang="en-US" altLang="ko-KR" sz="1400" b="0" i="1" smtClean="0">
+                        <a:latin typeface="Cambria Math" panose="02040503050406030204" pitchFamily="18" charset="0"/>
+                      </a:rPr>
+                      <m:t> </m:t>
+                    </m:r>
+                    <m:r>
+                      <a:rPr lang="ko-KR" altLang="en-US" sz="1400" i="1">
+                        <a:latin typeface="Cambria Math" panose="02040503050406030204" pitchFamily="18" charset="0"/>
+                      </a:rPr>
+                      <m:t>구</m:t>
+                    </m:r>
+                    <m:r>
+                      <a:rPr lang="ko-KR" altLang="en-US" sz="1400" i="1" smtClean="0">
+                        <a:latin typeface="Cambria Math" panose="02040503050406030204" pitchFamily="18" charset="0"/>
+                      </a:rPr>
+                      <m:t>하</m:t>
+                    </m:r>
+                    <m:r>
+                      <a:rPr lang="ko-KR" altLang="en-US" sz="1400" i="1">
+                        <a:latin typeface="Cambria Math" panose="02040503050406030204" pitchFamily="18" charset="0"/>
+                      </a:rPr>
+                      <m:t>기</m:t>
+                    </m:r>
+                    <m:r>
+                      <a:rPr lang="en-US" altLang="ko-KR" sz="1400" b="0" i="1" smtClean="0">
+                        <a:latin typeface="Cambria Math" panose="02040503050406030204" pitchFamily="18" charset="0"/>
+                      </a:rPr>
+                      <m:t> (</m:t>
+                    </m:r>
+                    <m:r>
+                      <a:rPr lang="ko-KR" altLang="en-US" sz="1400" i="1">
+                        <a:latin typeface="Cambria Math" panose="02040503050406030204" pitchFamily="18" charset="0"/>
+                      </a:rPr>
+                      <m:t>호</m:t>
+                    </m:r>
+                    <m:r>
+                      <a:rPr lang="ko-KR" altLang="en-US" sz="1400" i="1" smtClean="0">
+                        <a:latin typeface="Cambria Math" panose="02040503050406030204" pitchFamily="18" charset="0"/>
+                      </a:rPr>
+                      <m:t>도</m:t>
+                    </m:r>
+                    <m:r>
+                      <a:rPr lang="ko-KR" altLang="en-US" sz="1400" i="1">
+                        <a:latin typeface="Cambria Math" panose="02040503050406030204" pitchFamily="18" charset="0"/>
+                      </a:rPr>
+                      <m:t>법</m:t>
+                    </m:r>
+                    <m:r>
+                      <a:rPr lang="en-US" altLang="ko-KR" sz="1400" b="0" i="1" smtClean="0">
+                        <a:latin typeface="Cambria Math" panose="02040503050406030204" pitchFamily="18" charset="0"/>
+                      </a:rPr>
+                      <m:t>)</m:t>
+                    </m:r>
+                    <m:sSub>
+                      <m:sSubPr>
+                        <m:ctrlPr>
+                          <a:rPr lang="en-US" altLang="ko-KR" sz="1400" i="1">
+                            <a:latin typeface="Cambria Math" panose="02040503050406030204" pitchFamily="18" charset="0"/>
+                          </a:rPr>
+                        </m:ctrlPr>
+                      </m:sSubPr>
+                      <m:e>
+                        <m:r>
+                          <m:rPr>
+                            <m:nor/>
+                          </m:rPr>
+                          <a:rPr lang="ko-KR" altLang="en-US" sz="1400" dirty="0"/>
+                          <m:t>𝜑</m:t>
+                        </m:r>
+                      </m:e>
+                      <m:sub>
+                        <m:r>
+                          <a:rPr lang="en-US" altLang="ko-KR" sz="1400" i="1">
+                            <a:latin typeface="Cambria Math" panose="02040503050406030204" pitchFamily="18" charset="0"/>
+                          </a:rPr>
+                          <m:t>𝑘</m:t>
+                        </m:r>
+                      </m:sub>
+                    </m:sSub>
+                    <m:r>
+                      <m:rPr>
+                        <m:nor/>
+                      </m:rPr>
+                      <a:rPr lang="en-US" altLang="ko-KR" sz="1400" dirty="0"/>
+                      <m:t>rad</m:t>
+                    </m:r>
+                    <m:r>
+                      <m:rPr>
+                        <m:nor/>
+                      </m:rPr>
+                      <a:rPr lang="en-US" altLang="ko-KR" sz="1400" dirty="0"/>
+                      <m:t>= </m:t>
+                    </m:r>
+                    <m:sSub>
+                      <m:sSubPr>
+                        <m:ctrlPr>
+                          <a:rPr lang="en-US" altLang="ko-KR" sz="1400" i="1">
+                            <a:latin typeface="Cambria Math" panose="02040503050406030204" pitchFamily="18" charset="0"/>
+                          </a:rPr>
+                        </m:ctrlPr>
+                      </m:sSubPr>
+                      <m:e>
+                        <m:r>
+                          <m:rPr>
+                            <m:nor/>
+                          </m:rPr>
+                          <a:rPr lang="en-US" altLang="ko-KR" sz="1400" dirty="0"/>
+                          <m:t>(</m:t>
+                        </m:r>
+                        <m:r>
+                          <a:rPr lang="en-US" altLang="ko-KR" sz="1400" i="1" dirty="0">
+                            <a:latin typeface="Cambria Math" panose="02040503050406030204" pitchFamily="18" charset="0"/>
+                          </a:rPr>
+                          <m:t>01010111…</m:t>
+                        </m:r>
+                        <m:r>
+                          <m:rPr>
+                            <m:nor/>
+                          </m:rPr>
+                          <a:rPr lang="en-US" altLang="ko-KR" sz="1400" dirty="0">
+                            <a:latin typeface="Cambria Math" panose="02040503050406030204" pitchFamily="18" charset="0"/>
+                          </a:rPr>
+                          <m:t>n</m:t>
+                        </m:r>
+                        <m:r>
+                          <m:rPr>
+                            <m:nor/>
+                          </m:rPr>
+                          <a:rPr lang="en-US" altLang="ko-KR" sz="1400" dirty="0"/>
+                          <m:t>)</m:t>
+                        </m:r>
+                      </m:e>
+                      <m:sub>
+                        <m:r>
+                          <a:rPr lang="en-US" altLang="ko-KR" sz="1400" i="1">
+                            <a:latin typeface="Cambria Math" panose="02040503050406030204" pitchFamily="18" charset="0"/>
+                          </a:rPr>
+                          <m:t>2</m:t>
+                        </m:r>
+                      </m:sub>
+                    </m:sSub>
+                    <m:r>
+                      <m:rPr>
+                        <m:nor/>
+                      </m:rPr>
+                      <a:rPr lang="ko-KR" altLang="en-US" sz="1400" dirty="0"/>
+                      <m:t> </m:t>
+                    </m:r>
+                    <m:r>
+                      <m:rPr>
+                        <m:nor/>
+                      </m:rPr>
+                      <a:rPr lang="en-US" altLang="ko-KR" sz="1400" dirty="0"/>
+                      <m:t>/ </m:t>
+                    </m:r>
+                    <m:sSup>
+                      <m:sSupPr>
+                        <m:ctrlPr>
+                          <a:rPr lang="en-US" altLang="ko-KR" sz="1400" i="1">
+                            <a:latin typeface="Cambria Math" panose="02040503050406030204" pitchFamily="18" charset="0"/>
+                          </a:rPr>
+                        </m:ctrlPr>
+                      </m:sSupPr>
+                      <m:e>
+                        <m:r>
+                          <a:rPr lang="en-US" altLang="ko-KR" sz="1400" i="1">
+                            <a:latin typeface="Cambria Math" panose="02040503050406030204" pitchFamily="18" charset="0"/>
+                          </a:rPr>
+                          <m:t>2</m:t>
+                        </m:r>
+                      </m:e>
+                      <m:sup>
+                        <m:r>
+                          <a:rPr lang="en-US" altLang="ko-KR" sz="1400" i="1">
+                            <a:latin typeface="Cambria Math" panose="02040503050406030204" pitchFamily="18" charset="0"/>
+                          </a:rPr>
+                          <m:t>𝑛</m:t>
+                        </m:r>
+                      </m:sup>
+                    </m:sSup>
+                    <m:r>
+                      <m:rPr>
+                        <m:nor/>
+                      </m:rPr>
+                      <a:rPr lang="en-US" altLang="ko-KR" sz="1400" dirty="0"/>
+                      <m:t>  </m:t>
+                    </m:r>
+                    <m:r>
+                      <m:rPr>
+                        <m:nor/>
+                      </m:rPr>
+                      <a:rPr lang="en-US" altLang="ko-KR" sz="1400" dirty="0"/>
+                      <m:t>x</m:t>
+                    </m:r>
+                    <m:r>
+                      <m:rPr>
+                        <m:nor/>
+                      </m:rPr>
+                      <a:rPr lang="en-US" altLang="ko-KR" sz="1400" dirty="0"/>
+                      <m:t> </m:t>
+                    </m:r>
+                    <m:r>
+                      <m:rPr>
+                        <m:nor/>
+                      </m:rPr>
+                      <a:rPr lang="en-US" altLang="ko-KR" sz="1400" dirty="0"/>
+                      <m:t>radian</m:t>
+                    </m:r>
+                  </m:oMath>
+                </a14:m>
+                <a:endParaRPr lang="en-US" altLang="ko-KR" sz="1400" b="0" dirty="0">
+                  <a:ea typeface="Cambria Math" panose="02040503050406030204" pitchFamily="18" charset="0"/>
+                </a:endParaRPr>
+              </a:p>
+              <a:p>
+                <a:pPr marL="0" indent="0">
+                  <a:buNone/>
+                </a:pPr>
+                <a:endParaRPr lang="en-US" altLang="ko-KR" sz="1400" b="0" dirty="0">
+                  <a:ea typeface="Cambria Math" panose="02040503050406030204" pitchFamily="18" charset="0"/>
+                </a:endParaRPr>
+              </a:p>
+              <a:p>
+                <a:pPr marL="0" indent="0">
+                  <a:buNone/>
+                </a:pPr>
+                <a:r>
+                  <a:rPr lang="en-US" altLang="ko-KR" sz="1400" dirty="0"/>
+                  <a:t>2. </a:t>
+                </a:r>
+                <a14:m>
+                  <m:oMath xmlns:m="http://schemas.openxmlformats.org/officeDocument/2006/math">
+                    <m:sSup>
+                      <m:sSupPr>
+                        <m:ctrlPr>
+                          <a:rPr lang="en-US" altLang="ko-KR" sz="1400" i="1" dirty="0">
+                            <a:latin typeface="Cambria Math" panose="02040503050406030204" pitchFamily="18" charset="0"/>
+                          </a:rPr>
+                        </m:ctrlPr>
+                      </m:sSupPr>
+                      <m:e>
+                        <m:r>
+                          <m:rPr>
+                            <m:nor/>
+                          </m:rPr>
+                          <a:rPr lang="en-US" altLang="ko-KR" sz="1400" dirty="0"/>
+                          <m:t>Segment</m:t>
+                        </m:r>
+                      </m:e>
+                      <m:sup>
+                        <m:r>
+                          <m:rPr>
+                            <m:nor/>
+                          </m:rPr>
+                          <a:rPr lang="ko-KR" altLang="en-US" sz="1400" dirty="0"/>
+                          <m:t>𝜑</m:t>
+                        </m:r>
+                      </m:sup>
+                    </m:sSup>
+                    <m:r>
+                      <a:rPr lang="en-US" altLang="ko-KR" sz="1400" b="0" i="1" smtClean="0">
+                        <a:latin typeface="Cambria Math" panose="02040503050406030204" pitchFamily="18" charset="0"/>
+                      </a:rPr>
+                      <m:t> </m:t>
+                    </m:r>
+                    <m:r>
+                      <a:rPr lang="ko-KR" altLang="en-US" sz="1400" i="1">
+                        <a:latin typeface="Cambria Math" panose="02040503050406030204" pitchFamily="18" charset="0"/>
+                      </a:rPr>
+                      <m:t>값</m:t>
+                    </m:r>
+                    <m:r>
+                      <m:rPr>
+                        <m:nor/>
+                      </m:rPr>
+                      <a:rPr lang="en-US" altLang="ko-KR" sz="1400" b="0" i="0" smtClean="0">
+                        <a:latin typeface="Cambria Math" panose="02040503050406030204" pitchFamily="18" charset="0"/>
+                      </a:rPr>
+                      <m:t> </m:t>
+                    </m:r>
+                    <m:r>
+                      <m:rPr>
+                        <m:nor/>
+                      </m:rPr>
+                      <a:rPr lang="en-US" altLang="ko-KR" sz="1400" b="0" i="0" dirty="0" smtClean="0"/>
+                      <m:t>Start</m:t>
+                    </m:r>
+                    <m:r>
+                      <m:rPr>
+                        <m:nor/>
+                      </m:rPr>
+                      <a:rPr lang="en-US" altLang="ko-KR" sz="1400" b="0" i="0" dirty="0" smtClean="0"/>
+                      <m:t> </m:t>
+                    </m:r>
+                    <m:r>
+                      <m:rPr>
+                        <m:nor/>
+                      </m:rPr>
+                      <a:rPr lang="en-US" altLang="ko-KR" sz="1400" b="0" i="0" dirty="0" smtClean="0"/>
+                      <m:t>Point</m:t>
+                    </m:r>
+                    <m:r>
+                      <a:rPr lang="en-US" altLang="ko-KR" sz="1400" b="0" i="1" dirty="0" smtClean="0">
+                        <a:latin typeface="Cambria Math" panose="02040503050406030204" pitchFamily="18" charset="0"/>
+                      </a:rPr>
+                      <m:t> </m:t>
+                    </m:r>
+                    <m:r>
+                      <a:rPr lang="ko-KR" altLang="en-US" sz="1400" i="1">
+                        <a:latin typeface="Cambria Math" panose="02040503050406030204" pitchFamily="18" charset="0"/>
+                      </a:rPr>
+                      <m:t>공</m:t>
+                    </m:r>
+                    <m:r>
+                      <a:rPr lang="ko-KR" altLang="en-US" sz="1400" i="1" smtClean="0">
+                        <a:latin typeface="Cambria Math" panose="02040503050406030204" pitchFamily="18" charset="0"/>
+                      </a:rPr>
+                      <m:t>식</m:t>
+                    </m:r>
+                    <m:r>
+                      <a:rPr lang="en-US" altLang="ko-KR" sz="1400" b="0" i="1" smtClean="0">
+                        <a:latin typeface="Cambria Math" panose="02040503050406030204" pitchFamily="18" charset="0"/>
+                      </a:rPr>
+                      <m:t> :</m:t>
+                    </m:r>
+                    <m:sSub>
+                      <m:sSubPr>
+                        <m:ctrlPr>
+                          <a:rPr lang="en-US" altLang="ko-KR" sz="1400" i="1" smtClean="0">
+                            <a:latin typeface="Cambria Math" panose="02040503050406030204" pitchFamily="18" charset="0"/>
+                          </a:rPr>
+                        </m:ctrlPr>
+                      </m:sSubPr>
+                      <m:e>
+                        <m:r>
+                          <m:rPr>
+                            <m:nor/>
+                          </m:rPr>
+                          <a:rPr lang="ko-KR" altLang="en-US" sz="1400" dirty="0"/>
+                          <m:t>𝜑</m:t>
+                        </m:r>
+                      </m:e>
+                      <m:sub>
+                        <m:r>
+                          <a:rPr lang="en-US" altLang="ko-KR" sz="1400" b="0" i="1" smtClean="0">
+                            <a:latin typeface="Cambria Math" panose="02040503050406030204" pitchFamily="18" charset="0"/>
+                          </a:rPr>
+                          <m:t>𝑘</m:t>
+                        </m:r>
+                      </m:sub>
+                    </m:sSub>
+                  </m:oMath>
+                </a14:m>
+                <a:r>
+                  <a:rPr lang="en-US" altLang="ko-KR" sz="1400" dirty="0"/>
+                  <a:t>= </a:t>
+                </a:r>
+                <a14:m>
+                  <m:oMath xmlns:m="http://schemas.openxmlformats.org/officeDocument/2006/math">
+                    <m:nary>
+                      <m:naryPr>
+                        <m:chr m:val="∑"/>
+                        <m:ctrlPr>
+                          <a:rPr lang="ko-KR" altLang="en-US" sz="1400" i="1" dirty="0" smtClean="0">
+                            <a:latin typeface="Cambria Math" panose="02040503050406030204" pitchFamily="18" charset="0"/>
+                          </a:rPr>
+                        </m:ctrlPr>
+                      </m:naryPr>
+                      <m:sub>
+                        <m:r>
+                          <m:rPr>
+                            <m:brk m:alnAt="23"/>
+                          </m:rPr>
+                          <a:rPr lang="en-US" altLang="ko-KR" sz="1400" b="0" i="1" dirty="0" smtClean="0">
+                            <a:latin typeface="Cambria Math" panose="02040503050406030204" pitchFamily="18" charset="0"/>
+                          </a:rPr>
+                          <m:t>𝑖</m:t>
+                        </m:r>
+                        <m:r>
+                          <a:rPr lang="en-US" altLang="ko-KR" sz="1400" b="0" i="1" dirty="0" smtClean="0">
+                            <a:latin typeface="Cambria Math" panose="02040503050406030204" pitchFamily="18" charset="0"/>
+                          </a:rPr>
+                          <m:t>=1</m:t>
+                        </m:r>
+                      </m:sub>
+                      <m:sup>
+                        <m:r>
+                          <a:rPr lang="en-US" altLang="ko-KR" sz="1400" b="0" i="1" dirty="0" smtClean="0">
+                            <a:latin typeface="Cambria Math" panose="02040503050406030204" pitchFamily="18" charset="0"/>
+                          </a:rPr>
+                          <m:t>𝑛</m:t>
+                        </m:r>
+                      </m:sup>
+                      <m:e>
+                        <m:r>
+                          <a:rPr lang="en-US" altLang="ko-KR" sz="1400" b="0" i="1" dirty="0" smtClean="0">
+                            <a:latin typeface="Cambria Math" panose="02040503050406030204" pitchFamily="18" charset="0"/>
+                          </a:rPr>
+                          <m:t>(</m:t>
+                        </m:r>
+                        <m:sSup>
+                          <m:sSupPr>
+                            <m:ctrlPr>
+                              <a:rPr lang="en-US" altLang="ko-KR" sz="1400" b="0" i="1" dirty="0" smtClean="0">
+                                <a:latin typeface="Cambria Math" panose="02040503050406030204" pitchFamily="18" charset="0"/>
+                              </a:rPr>
+                            </m:ctrlPr>
+                          </m:sSupPr>
+                          <m:e>
+                            <m:r>
+                              <a:rPr lang="en-US" altLang="ko-KR" sz="1400" b="0" i="1" dirty="0" smtClean="0">
+                                <a:latin typeface="Cambria Math" panose="02040503050406030204" pitchFamily="18" charset="0"/>
+                              </a:rPr>
+                              <m:t>2</m:t>
+                            </m:r>
+                          </m:e>
+                          <m:sup>
+                            <m:r>
+                              <a:rPr lang="en-US" altLang="ko-KR" sz="1400" b="0" i="1" dirty="0" smtClean="0">
+                                <a:latin typeface="Cambria Math" panose="02040503050406030204" pitchFamily="18" charset="0"/>
+                              </a:rPr>
+                              <m:t>𝑖</m:t>
+                            </m:r>
+                            <m:r>
+                              <a:rPr lang="en-US" altLang="ko-KR" sz="1400" b="0" i="1" dirty="0" smtClean="0">
+                                <a:latin typeface="Cambria Math" panose="02040503050406030204" pitchFamily="18" charset="0"/>
+                              </a:rPr>
+                              <m:t>−1</m:t>
+                            </m:r>
+                          </m:sup>
+                        </m:sSup>
+                        <m:sSub>
+                          <m:sSubPr>
+                            <m:ctrlPr>
+                              <a:rPr lang="en-US" altLang="ko-KR" sz="1400" b="0" i="1" dirty="0" smtClean="0">
+                                <a:latin typeface="Cambria Math" panose="02040503050406030204" pitchFamily="18" charset="0"/>
+                              </a:rPr>
+                            </m:ctrlPr>
+                          </m:sSubPr>
+                          <m:e>
+                            <m:r>
+                              <a:rPr lang="en-US" altLang="ko-KR" sz="1400" b="0" i="1" dirty="0" smtClean="0">
+                                <a:latin typeface="Cambria Math" panose="02040503050406030204" pitchFamily="18" charset="0"/>
+                              </a:rPr>
+                              <m:t>𝑉</m:t>
+                            </m:r>
+                          </m:e>
+                          <m:sub>
+                            <m:r>
+                              <a:rPr lang="en-US" altLang="ko-KR" sz="1400" b="0" i="1" dirty="0" smtClean="0">
+                                <a:latin typeface="Cambria Math" panose="02040503050406030204" pitchFamily="18" charset="0"/>
+                              </a:rPr>
+                              <m:t>𝑖</m:t>
+                            </m:r>
+                          </m:sub>
+                        </m:sSub>
+                        <m:r>
+                          <a:rPr lang="en-US" altLang="ko-KR" sz="1400" b="0" i="1" dirty="0" smtClean="0">
+                            <a:latin typeface="Cambria Math" panose="02040503050406030204" pitchFamily="18" charset="0"/>
+                          </a:rPr>
+                          <m:t>)</m:t>
+                        </m:r>
+                      </m:e>
+                    </m:nary>
+                  </m:oMath>
+                </a14:m>
+                <a:r>
+                  <a:rPr lang="en-US" altLang="ko-KR" sz="1400" dirty="0"/>
+                  <a:t>/ </a:t>
+                </a:r>
+                <a14:m>
+                  <m:oMath xmlns:m="http://schemas.openxmlformats.org/officeDocument/2006/math">
+                    <m:sSup>
+                      <m:sSupPr>
+                        <m:ctrlPr>
+                          <a:rPr lang="en-US" altLang="ko-KR" sz="1400" i="1">
+                            <a:latin typeface="Cambria Math" panose="02040503050406030204" pitchFamily="18" charset="0"/>
+                          </a:rPr>
+                        </m:ctrlPr>
+                      </m:sSupPr>
+                      <m:e>
+                        <m:r>
+                          <a:rPr lang="en-US" altLang="ko-KR" sz="1400" i="1">
+                            <a:latin typeface="Cambria Math" panose="02040503050406030204" pitchFamily="18" charset="0"/>
+                          </a:rPr>
+                          <m:t>2</m:t>
+                        </m:r>
+                      </m:e>
+                      <m:sup>
+                        <m:r>
+                          <a:rPr lang="en-US" altLang="ko-KR" sz="1400" i="1">
+                            <a:latin typeface="Cambria Math" panose="02040503050406030204" pitchFamily="18" charset="0"/>
+                          </a:rPr>
+                          <m:t>𝑛</m:t>
+                        </m:r>
+                      </m:sup>
+                    </m:sSup>
+                  </m:oMath>
+                </a14:m>
+                <a:r>
+                  <a:rPr lang="en-US" altLang="ko-KR" sz="1400" dirty="0"/>
+                  <a:t>  x </a:t>
+                </a:r>
+                <a14:m>
+                  <m:oMath xmlns:m="http://schemas.openxmlformats.org/officeDocument/2006/math">
+                    <m:r>
+                      <a:rPr lang="en-US" altLang="ko-KR" sz="1400" dirty="0">
+                        <a:latin typeface="Cambria Math" panose="02040503050406030204" pitchFamily="18" charset="0"/>
+                      </a:rPr>
+                      <m:t>2</m:t>
+                    </m:r>
+                    <m:r>
+                      <a:rPr lang="ko-KR" altLang="en-US" sz="1400" i="1" dirty="0">
+                        <a:latin typeface="Cambria Math" panose="02040503050406030204" pitchFamily="18" charset="0"/>
+                      </a:rPr>
+                      <m:t>𝜋</m:t>
+                    </m:r>
+                  </m:oMath>
+                </a14:m>
+                <a:r>
+                  <a:rPr lang="en-US" altLang="ko-KR" sz="1400" dirty="0"/>
+                  <a:t> </a:t>
+                </a:r>
+              </a:p>
+              <a:p>
+                <a:r>
+                  <a:rPr lang="en-US" altLang="ko-KR" sz="1000" i="1" dirty="0">
+                    <a:latin typeface="Cambria Math" panose="02040503050406030204" pitchFamily="18" charset="0"/>
+                  </a:rPr>
+                  <a:t> (</a:t>
+                </a:r>
+                <a14:m>
+                  <m:oMath xmlns:m="http://schemas.openxmlformats.org/officeDocument/2006/math">
+                    <m:sSub>
+                      <m:sSubPr>
+                        <m:ctrlPr>
+                          <a:rPr lang="en-US" altLang="ko-KR" sz="1000" i="1" dirty="0">
+                            <a:latin typeface="Cambria Math" panose="02040503050406030204" pitchFamily="18" charset="0"/>
+                          </a:rPr>
+                        </m:ctrlPr>
+                      </m:sSubPr>
+                      <m:e>
+                        <m:r>
+                          <a:rPr lang="en-US" altLang="ko-KR" sz="1000" i="1" dirty="0">
+                            <a:latin typeface="Cambria Math" panose="02040503050406030204" pitchFamily="18" charset="0"/>
+                          </a:rPr>
+                          <m:t>𝑉</m:t>
+                        </m:r>
+                      </m:e>
+                      <m:sub>
+                        <m:r>
+                          <a:rPr lang="en-US" altLang="ko-KR" sz="1000" i="1" dirty="0">
+                            <a:latin typeface="Cambria Math" panose="02040503050406030204" pitchFamily="18" charset="0"/>
+                          </a:rPr>
+                          <m:t>𝑖</m:t>
+                        </m:r>
+                      </m:sub>
+                    </m:sSub>
+                  </m:oMath>
+                </a14:m>
+                <a:r>
+                  <a:rPr lang="en-US" altLang="ko-KR" sz="1000" i="1" dirty="0">
+                    <a:latin typeface="Cambria Math" panose="02040503050406030204" pitchFamily="18" charset="0"/>
+                  </a:rPr>
+                  <a:t> = The value of the i-th child (1 or 0))</a:t>
+                </a:r>
+              </a:p>
+              <a:p>
+                <a:endParaRPr lang="en-US" altLang="ko-KR" sz="1400" dirty="0"/>
+              </a:p>
+              <a:p>
+                <a:r>
+                  <a:rPr lang="en-US" altLang="ko-KR" sz="1400" dirty="0"/>
+                  <a:t>3. </a:t>
+                </a:r>
+                <a14:m>
+                  <m:oMath xmlns:m="http://schemas.openxmlformats.org/officeDocument/2006/math">
+                    <m:sSup>
+                      <m:sSupPr>
+                        <m:ctrlPr>
+                          <a:rPr lang="en-US" altLang="ko-KR" sz="1400" i="1" dirty="0" smtClean="0">
+                            <a:latin typeface="Cambria Math" panose="02040503050406030204" pitchFamily="18" charset="0"/>
+                          </a:rPr>
+                        </m:ctrlPr>
+                      </m:sSupPr>
+                      <m:e>
+                        <m:r>
+                          <m:rPr>
+                            <m:nor/>
+                          </m:rPr>
+                          <a:rPr lang="en-US" altLang="ko-KR" sz="1400" dirty="0"/>
+                          <m:t>Segment</m:t>
+                        </m:r>
+                      </m:e>
+                      <m:sup>
+                        <m:r>
+                          <m:rPr>
+                            <m:nor/>
+                          </m:rPr>
+                          <a:rPr lang="ko-KR" altLang="en-US" sz="1400" dirty="0"/>
+                          <m:t>𝜑</m:t>
+                        </m:r>
+                      </m:sup>
+                    </m:sSup>
+                    <m:r>
+                      <a:rPr lang="en-US" altLang="ko-KR" sz="1400" b="0" i="1" smtClean="0">
+                        <a:latin typeface="Cambria Math" panose="02040503050406030204" pitchFamily="18" charset="0"/>
+                      </a:rPr>
+                      <m:t> </m:t>
+                    </m:r>
+                    <m:r>
+                      <a:rPr lang="ko-KR" altLang="en-US" sz="1400" i="1">
+                        <a:latin typeface="Cambria Math" panose="02040503050406030204" pitchFamily="18" charset="0"/>
+                      </a:rPr>
+                      <m:t>값</m:t>
+                    </m:r>
+                  </m:oMath>
+                </a14:m>
+                <a:r>
+                  <a:rPr lang="en-US" altLang="ko-KR" sz="1400" dirty="0"/>
+                  <a:t> Causal </a:t>
+                </a:r>
+                <a:r>
+                  <a:rPr lang="ko-KR" altLang="en-US" sz="1400" dirty="0"/>
+                  <a:t>공식 </a:t>
+                </a:r>
+                <a:r>
+                  <a:rPr lang="en-US" altLang="ko-KR" sz="1400" dirty="0"/>
+                  <a:t>: </a:t>
+                </a:r>
+                <a14:m>
+                  <m:oMath xmlns:m="http://schemas.openxmlformats.org/officeDocument/2006/math">
+                    <m:sSub>
+                      <m:sSubPr>
+                        <m:ctrlPr>
+                          <a:rPr lang="en-US" altLang="ko-KR" sz="1400" i="1">
+                            <a:latin typeface="Cambria Math" panose="02040503050406030204" pitchFamily="18" charset="0"/>
+                          </a:rPr>
+                        </m:ctrlPr>
+                      </m:sSubPr>
+                      <m:e>
+                        <m:r>
+                          <m:rPr>
+                            <m:nor/>
+                          </m:rPr>
+                          <a:rPr lang="ko-KR" altLang="en-US" sz="1400" dirty="0"/>
+                          <m:t>𝜑</m:t>
+                        </m:r>
+                      </m:e>
+                      <m:sub>
+                        <m:r>
+                          <a:rPr lang="ko-KR" altLang="en-US" sz="1400" i="1" dirty="0">
+                            <a:latin typeface="Cambria Math" panose="02040503050406030204" pitchFamily="18" charset="0"/>
+                          </a:rPr>
+                          <m:t>𝜃</m:t>
+                        </m:r>
+                      </m:sub>
+                    </m:sSub>
+                  </m:oMath>
+                </a14:m>
+                <a:r>
+                  <a:rPr lang="en-US" altLang="ko-KR" sz="1400" dirty="0"/>
+                  <a:t>= </a:t>
+                </a:r>
+                <a14:m>
+                  <m:oMath xmlns:m="http://schemas.openxmlformats.org/officeDocument/2006/math">
+                    <m:nary>
+                      <m:naryPr>
+                        <m:chr m:val="∑"/>
+                        <m:ctrlPr>
+                          <a:rPr lang="ko-KR" altLang="en-US" sz="1400" i="1" dirty="0">
+                            <a:latin typeface="Cambria Math" panose="02040503050406030204" pitchFamily="18" charset="0"/>
+                          </a:rPr>
+                        </m:ctrlPr>
+                      </m:naryPr>
+                      <m:sub>
+                        <m:r>
+                          <m:rPr>
+                            <m:brk m:alnAt="23"/>
+                          </m:rPr>
+                          <a:rPr lang="en-US" altLang="ko-KR" sz="1400" i="1" dirty="0">
+                            <a:latin typeface="Cambria Math" panose="02040503050406030204" pitchFamily="18" charset="0"/>
+                          </a:rPr>
+                          <m:t>𝑖</m:t>
+                        </m:r>
+                        <m:r>
+                          <a:rPr lang="en-US" altLang="ko-KR" sz="1400" i="1" dirty="0">
+                            <a:latin typeface="Cambria Math" panose="02040503050406030204" pitchFamily="18" charset="0"/>
+                          </a:rPr>
+                          <m:t>=1</m:t>
+                        </m:r>
+                      </m:sub>
+                      <m:sup>
+                        <m:r>
+                          <a:rPr lang="en-US" altLang="ko-KR" sz="1400" i="1" dirty="0">
+                            <a:latin typeface="Cambria Math" panose="02040503050406030204" pitchFamily="18" charset="0"/>
+                          </a:rPr>
+                          <m:t>𝑛</m:t>
+                        </m:r>
+                      </m:sup>
+                      <m:e>
+                        <m:r>
+                          <a:rPr lang="en-US" altLang="ko-KR" sz="1400" i="1" dirty="0">
+                            <a:latin typeface="Cambria Math" panose="02040503050406030204" pitchFamily="18" charset="0"/>
+                          </a:rPr>
+                          <m:t>(</m:t>
+                        </m:r>
+                        <m:sSup>
+                          <m:sSupPr>
+                            <m:ctrlPr>
+                              <a:rPr lang="en-US" altLang="ko-KR" sz="1400" i="1" dirty="0">
+                                <a:latin typeface="Cambria Math" panose="02040503050406030204" pitchFamily="18" charset="0"/>
+                              </a:rPr>
+                            </m:ctrlPr>
+                          </m:sSupPr>
+                          <m:e>
+                            <m:r>
+                              <a:rPr lang="en-US" altLang="ko-KR" sz="1400" i="1" dirty="0">
+                                <a:latin typeface="Cambria Math" panose="02040503050406030204" pitchFamily="18" charset="0"/>
+                              </a:rPr>
+                              <m:t>2</m:t>
+                            </m:r>
+                          </m:e>
+                          <m:sup>
+                            <m:r>
+                              <a:rPr lang="en-US" altLang="ko-KR" sz="1400" i="1" dirty="0">
+                                <a:latin typeface="Cambria Math" panose="02040503050406030204" pitchFamily="18" charset="0"/>
+                              </a:rPr>
+                              <m:t>𝑖</m:t>
+                            </m:r>
+                            <m:r>
+                              <a:rPr lang="en-US" altLang="ko-KR" sz="1400" i="1" dirty="0">
+                                <a:latin typeface="Cambria Math" panose="02040503050406030204" pitchFamily="18" charset="0"/>
+                              </a:rPr>
+                              <m:t>−1</m:t>
+                            </m:r>
+                          </m:sup>
+                        </m:sSup>
+                        <m:sSub>
+                          <m:sSubPr>
+                            <m:ctrlPr>
+                              <a:rPr lang="en-US" altLang="ko-KR" sz="1400" i="1" dirty="0">
+                                <a:latin typeface="Cambria Math" panose="02040503050406030204" pitchFamily="18" charset="0"/>
+                              </a:rPr>
+                            </m:ctrlPr>
+                          </m:sSubPr>
+                          <m:e>
+                            <m:r>
+                              <a:rPr lang="en-US" altLang="ko-KR" sz="1400" i="1" dirty="0">
+                                <a:latin typeface="Cambria Math" panose="02040503050406030204" pitchFamily="18" charset="0"/>
+                              </a:rPr>
+                              <m:t>𝑉</m:t>
+                            </m:r>
+                          </m:e>
+                          <m:sub>
+                            <m:r>
+                              <a:rPr lang="en-US" altLang="ko-KR" sz="1400" i="1" dirty="0">
+                                <a:latin typeface="Cambria Math" panose="02040503050406030204" pitchFamily="18" charset="0"/>
+                              </a:rPr>
+                              <m:t>𝑖</m:t>
+                            </m:r>
+                          </m:sub>
+                        </m:sSub>
+                        <m:sSub>
+                          <m:sSubPr>
+                            <m:ctrlPr>
+                              <a:rPr lang="en-US" altLang="ko-KR" sz="1400" b="0" i="1" dirty="0" smtClean="0">
+                                <a:latin typeface="Cambria Math" panose="02040503050406030204" pitchFamily="18" charset="0"/>
+                              </a:rPr>
+                            </m:ctrlPr>
+                          </m:sSubPr>
+                          <m:e>
+                            <m:r>
+                              <a:rPr lang="en-US" altLang="ko-KR" sz="1400" b="0" i="1" dirty="0" smtClean="0">
+                                <a:latin typeface="Cambria Math" panose="02040503050406030204" pitchFamily="18" charset="0"/>
+                              </a:rPr>
+                              <m:t>𝐶</m:t>
+                            </m:r>
+                          </m:e>
+                          <m:sub>
+                            <m:r>
+                              <a:rPr lang="en-US" altLang="ko-KR" sz="1400" b="0" i="1" dirty="0" smtClean="0">
+                                <a:latin typeface="Cambria Math" panose="02040503050406030204" pitchFamily="18" charset="0"/>
+                              </a:rPr>
+                              <m:t>(</m:t>
+                            </m:r>
+                            <m:r>
+                              <a:rPr lang="en-US" altLang="ko-KR" sz="1400" b="0" i="1" dirty="0" smtClean="0">
+                                <a:latin typeface="Cambria Math" panose="02040503050406030204" pitchFamily="18" charset="0"/>
+                              </a:rPr>
+                              <m:t>𝑖</m:t>
+                            </m:r>
+                            <m:r>
+                              <a:rPr lang="en-US" altLang="ko-KR" sz="1400" b="0" i="1" dirty="0" smtClean="0">
+                                <a:latin typeface="Cambria Math" panose="02040503050406030204" pitchFamily="18" charset="0"/>
+                              </a:rPr>
+                              <m:t>,</m:t>
+                            </m:r>
+                            <m:r>
+                              <a:rPr lang="ko-KR" altLang="en-US" sz="1400" b="0" i="1" dirty="0" smtClean="0">
+                                <a:latin typeface="Cambria Math" panose="02040503050406030204" pitchFamily="18" charset="0"/>
+                              </a:rPr>
+                              <m:t>𝜃</m:t>
+                            </m:r>
+                            <m:r>
+                              <a:rPr lang="en-US" altLang="ko-KR" sz="1400" b="0" i="1" dirty="0" smtClean="0">
+                                <a:latin typeface="Cambria Math" panose="02040503050406030204" pitchFamily="18" charset="0"/>
+                              </a:rPr>
+                              <m:t>)</m:t>
+                            </m:r>
+                          </m:sub>
+                        </m:sSub>
+                        <m:r>
+                          <a:rPr lang="en-US" altLang="ko-KR" sz="1400" i="1" dirty="0">
+                            <a:latin typeface="Cambria Math" panose="02040503050406030204" pitchFamily="18" charset="0"/>
+                          </a:rPr>
+                          <m:t>)</m:t>
+                        </m:r>
+                      </m:e>
+                    </m:nary>
+                  </m:oMath>
+                </a14:m>
+                <a:r>
+                  <a:rPr lang="en-US" altLang="ko-KR" sz="1400" dirty="0"/>
+                  <a:t>/ </a:t>
+                </a:r>
+                <a14:m>
+                  <m:oMath xmlns:m="http://schemas.openxmlformats.org/officeDocument/2006/math">
+                    <m:sSup>
+                      <m:sSupPr>
+                        <m:ctrlPr>
+                          <a:rPr lang="en-US" altLang="ko-KR" sz="1400" i="1">
+                            <a:latin typeface="Cambria Math" panose="02040503050406030204" pitchFamily="18" charset="0"/>
+                          </a:rPr>
+                        </m:ctrlPr>
+                      </m:sSupPr>
+                      <m:e>
+                        <m:r>
+                          <a:rPr lang="en-US" altLang="ko-KR" sz="1400" i="1">
+                            <a:latin typeface="Cambria Math" panose="02040503050406030204" pitchFamily="18" charset="0"/>
+                          </a:rPr>
+                          <m:t>2</m:t>
+                        </m:r>
+                      </m:e>
+                      <m:sup>
+                        <m:r>
+                          <a:rPr lang="en-US" altLang="ko-KR" sz="1400" i="1">
+                            <a:latin typeface="Cambria Math" panose="02040503050406030204" pitchFamily="18" charset="0"/>
+                          </a:rPr>
+                          <m:t>𝑛</m:t>
+                        </m:r>
+                      </m:sup>
+                    </m:sSup>
+                  </m:oMath>
+                </a14:m>
+                <a:r>
+                  <a:rPr lang="en-US" altLang="ko-KR" sz="1400" dirty="0"/>
+                  <a:t>  x </a:t>
+                </a:r>
+                <a14:m>
+                  <m:oMath xmlns:m="http://schemas.openxmlformats.org/officeDocument/2006/math">
+                    <m:r>
+                      <a:rPr lang="en-US" altLang="ko-KR" sz="1400" dirty="0">
+                        <a:latin typeface="Cambria Math" panose="02040503050406030204" pitchFamily="18" charset="0"/>
+                      </a:rPr>
+                      <m:t>2</m:t>
+                    </m:r>
+                    <m:r>
+                      <a:rPr lang="ko-KR" altLang="en-US" sz="1400" i="1" dirty="0">
+                        <a:latin typeface="Cambria Math" panose="02040503050406030204" pitchFamily="18" charset="0"/>
+                      </a:rPr>
+                      <m:t>𝜋</m:t>
+                    </m:r>
+                  </m:oMath>
+                </a14:m>
+                <a:endParaRPr lang="en-US" altLang="ko-KR" sz="1400" dirty="0"/>
+              </a:p>
+              <a:p>
+                <a:r>
+                  <a:rPr lang="en-US" altLang="ko-KR" sz="1000" i="1" dirty="0">
+                    <a:latin typeface="Cambria Math" panose="02040503050406030204" pitchFamily="18" charset="0"/>
+                  </a:rPr>
+                  <a:t> (</a:t>
+                </a:r>
+                <a14:m>
+                  <m:oMath xmlns:m="http://schemas.openxmlformats.org/officeDocument/2006/math">
+                    <m:r>
+                      <a:rPr lang="ko-KR" altLang="en-US" sz="1000" i="1" dirty="0">
+                        <a:latin typeface="Cambria Math" panose="02040503050406030204" pitchFamily="18" charset="0"/>
+                      </a:rPr>
+                      <m:t>𝜃</m:t>
+                    </m:r>
+                    <m:r>
+                      <a:rPr lang="ko-KR" altLang="en-US" sz="1000" i="1" dirty="0">
+                        <a:latin typeface="Cambria Math" panose="02040503050406030204" pitchFamily="18" charset="0"/>
+                      </a:rPr>
+                      <m:t> </m:t>
+                    </m:r>
+                  </m:oMath>
+                </a14:m>
+                <a:r>
+                  <a:rPr lang="en-US" altLang="ko-KR" sz="1000" i="1" dirty="0">
+                    <a:latin typeface="Cambria Math" panose="02040503050406030204" pitchFamily="18" charset="0"/>
+                  </a:rPr>
+                  <a:t>= </a:t>
+                </a:r>
+                <a14:m>
+                  <m:oMath xmlns:m="http://schemas.openxmlformats.org/officeDocument/2006/math">
+                    <m:r>
+                      <a:rPr lang="en-US" altLang="ko-KR" sz="1000" dirty="0">
+                        <a:latin typeface="Cambria Math" panose="02040503050406030204" pitchFamily="18" charset="0"/>
+                      </a:rPr>
+                      <m:t>2</m:t>
+                    </m:r>
+                    <m:r>
+                      <a:rPr lang="ko-KR" altLang="en-US" sz="1000" i="1" dirty="0">
+                        <a:latin typeface="Cambria Math" panose="02040503050406030204" pitchFamily="18" charset="0"/>
+                      </a:rPr>
+                      <m:t>𝜋</m:t>
+                    </m:r>
+                  </m:oMath>
+                </a14:m>
+                <a:r>
+                  <a:rPr lang="en-US" altLang="ko-KR" sz="1000" i="1" dirty="0">
+                    <a:latin typeface="Cambria Math" panose="02040503050406030204" pitchFamily="18" charset="0"/>
+                  </a:rPr>
+                  <a:t>/n, </a:t>
+                </a:r>
+                <a14:m>
+                  <m:oMath xmlns:m="http://schemas.openxmlformats.org/officeDocument/2006/math">
+                    <m:r>
+                      <a:rPr lang="en-US" altLang="ko-KR" sz="1000" b="0" i="1" dirty="0" smtClean="0">
+                        <a:latin typeface="Cambria Math" panose="02040503050406030204" pitchFamily="18" charset="0"/>
+                      </a:rPr>
+                      <m:t> </m:t>
+                    </m:r>
+                    <m:sSub>
+                      <m:sSubPr>
+                        <m:ctrlPr>
+                          <a:rPr lang="en-US" altLang="ko-KR" sz="1000" i="1" dirty="0">
+                            <a:latin typeface="Cambria Math" panose="02040503050406030204" pitchFamily="18" charset="0"/>
+                          </a:rPr>
+                        </m:ctrlPr>
+                      </m:sSubPr>
+                      <m:e>
+                        <m:r>
+                          <a:rPr lang="en-US" altLang="ko-KR" sz="1000" i="1" dirty="0">
+                            <a:latin typeface="Cambria Math" panose="02040503050406030204" pitchFamily="18" charset="0"/>
+                          </a:rPr>
+                          <m:t>𝐶</m:t>
+                        </m:r>
+                      </m:e>
+                      <m:sub>
+                        <m:r>
+                          <a:rPr lang="en-US" altLang="ko-KR" sz="1000" i="1" dirty="0">
+                            <a:latin typeface="Cambria Math" panose="02040503050406030204" pitchFamily="18" charset="0"/>
+                          </a:rPr>
+                          <m:t>(</m:t>
+                        </m:r>
+                        <m:r>
+                          <a:rPr lang="en-US" altLang="ko-KR" sz="1000" i="1" dirty="0">
+                            <a:latin typeface="Cambria Math" panose="02040503050406030204" pitchFamily="18" charset="0"/>
+                          </a:rPr>
+                          <m:t>𝑖</m:t>
+                        </m:r>
+                        <m:r>
+                          <a:rPr lang="en-US" altLang="ko-KR" sz="1000" i="1" dirty="0">
+                            <a:latin typeface="Cambria Math" panose="02040503050406030204" pitchFamily="18" charset="0"/>
+                          </a:rPr>
+                          <m:t>,</m:t>
+                        </m:r>
+                        <m:r>
+                          <a:rPr lang="ko-KR" altLang="en-US" sz="1000" i="1" dirty="0">
+                            <a:latin typeface="Cambria Math" panose="02040503050406030204" pitchFamily="18" charset="0"/>
+                          </a:rPr>
+                          <m:t>𝜃</m:t>
+                        </m:r>
+                        <m:r>
+                          <a:rPr lang="en-US" altLang="ko-KR" sz="1000" i="1" dirty="0">
+                            <a:latin typeface="Cambria Math" panose="02040503050406030204" pitchFamily="18" charset="0"/>
+                          </a:rPr>
+                          <m:t>)</m:t>
+                        </m:r>
+                      </m:sub>
+                    </m:sSub>
+                  </m:oMath>
+                </a14:m>
+                <a:r>
+                  <a:rPr lang="en-US" altLang="ko-KR" sz="1000" i="1" dirty="0">
+                    <a:latin typeface="Cambria Math" panose="02040503050406030204" pitchFamily="18" charset="0"/>
+                  </a:rPr>
+                  <a:t> = The Causal of the i-th child when </a:t>
+                </a:r>
+                <a14:m>
+                  <m:oMath xmlns:m="http://schemas.openxmlformats.org/officeDocument/2006/math">
+                    <m:r>
+                      <a:rPr lang="ko-KR" altLang="en-US" sz="1000" i="1" dirty="0">
+                        <a:latin typeface="Cambria Math" panose="02040503050406030204" pitchFamily="18" charset="0"/>
+                      </a:rPr>
+                      <m:t>𝜃</m:t>
+                    </m:r>
+                  </m:oMath>
+                </a14:m>
+                <a:r>
+                  <a:rPr lang="en-US" altLang="ko-KR" sz="1000" i="1" dirty="0">
+                    <a:latin typeface="Cambria Math" panose="02040503050406030204" pitchFamily="18" charset="0"/>
+                  </a:rPr>
+                  <a:t>(1=causal or 0=noncausal))</a:t>
+                </a:r>
+                <a:endParaRPr lang="en-US" altLang="ko-KR" sz="1050" i="1" dirty="0">
+                  <a:latin typeface="Cambria Math" panose="02040503050406030204" pitchFamily="18" charset="0"/>
+                </a:endParaRPr>
+              </a:p>
+            </p:txBody>
+          </p:sp>
+        </mc:Choice>
+        <mc:Fallback xmlns="">
+          <p:sp>
+            <p:nvSpPr>
+              <p:cNvPr id="5" name="TextBox 4">
+                <a:extLst>
+                  <a:ext uri="{FF2B5EF4-FFF2-40B4-BE49-F238E27FC236}">
+                    <a16:creationId xmlns:a16="http://schemas.microsoft.com/office/drawing/2014/main" id="{5EAED1BD-17DF-4F19-9600-97FF48DC1C7A}"/>
+                  </a:ext>
+                </a:extLst>
+              </p:cNvPr>
+              <p:cNvSpPr txBox="1">
+                <a:spLocks noRot="1" noChangeAspect="1" noMove="1" noResize="1" noEditPoints="1" noAdjustHandles="1" noChangeArrowheads="1" noChangeShapeType="1" noTextEdit="1"/>
+              </p:cNvSpPr>
+              <p:nvPr/>
+            </p:nvSpPr>
+            <p:spPr>
+              <a:xfrm>
+                <a:off x="394447" y="2209932"/>
+                <a:ext cx="9777506" cy="2366545"/>
+              </a:xfrm>
+              <a:prstGeom prst="rect">
+                <a:avLst/>
+              </a:prstGeom>
+              <a:blipFill>
+                <a:blip r:embed="rId3"/>
+                <a:stretch>
+                  <a:fillRect l="-187" t="-773" b="-8763"/>
+                </a:stretch>
+              </a:blipFill>
+            </p:spPr>
+            <p:txBody>
+              <a:bodyPr/>
+              <a:lstStyle/>
+              <a:p>
+                <a:r>
+                  <a:rPr lang="ko-KR" altLang="en-US">
+                    <a:noFill/>
+                  </a:rPr>
+                  <a:t> </a:t>
+                </a:r>
+              </a:p>
+            </p:txBody>
+          </p:sp>
+        </mc:Fallback>
+      </mc:AlternateContent>
+      <p:pic>
+        <p:nvPicPr>
+          <p:cNvPr id="1027" name="Picture 3" descr="The rotating spherical coordinate system (r , ϕ, θ): θ ∈ [− π 2 , π 2 ]...  | Download Scientific Diagram">
             <a:extLst>
               <a:ext uri="{FF2B5EF4-FFF2-40B4-BE49-F238E27FC236}">
-                <a16:creationId xmlns:a16="http://schemas.microsoft.com/office/drawing/2014/main" id="{2294F2DE-94C8-4D70-A249-CFEA4283C299}"/>
+                <a16:creationId xmlns:a16="http://schemas.microsoft.com/office/drawing/2014/main" id="{2AB5783F-CBC3-42AB-9BD2-BE7E1A5FC210}"/>
               </a:ext>
             </a:extLst>
           </p:cNvPr>
-          <p:cNvSpPr/>
+          <p:cNvPicPr>
+            <a:picLocks noChangeAspect="1" noChangeArrowheads="1"/>
+          </p:cNvPicPr>
           <p:nvPr/>
-        </p:nvSpPr>
-        <p:spPr>
-          <a:xfrm>
-            <a:off x="2490251" y="2089723"/>
-            <a:ext cx="2587362" cy="1460500"/>
-          </a:xfrm>
-          <a:prstGeom prst="ellipse">
-            <a:avLst/>
-          </a:prstGeom>
-          <a:solidFill>
-            <a:schemeClr val="accent6">
-              <a:alpha val="30000"/>
-            </a:schemeClr>
-          </a:solidFill>
-          <a:ln>
-            <a:noFill/>
-          </a:ln>
-        </p:spPr>
-        <p:style>
-          <a:lnRef idx="2">
-            <a:schemeClr val="accent6">
-              <a:shade val="50000"/>
-            </a:schemeClr>
-          </a:lnRef>
-          <a:fillRef idx="1">
-            <a:schemeClr val="accent6"/>
-          </a:fillRef>
-          <a:effectRef idx="0">
-            <a:schemeClr val="accent6"/>
-          </a:effectRef>
-          <a:fontRef idx="minor">
-            <a:schemeClr val="lt1"/>
-          </a:fontRef>
-        </p:style>
-        <p:txBody>
-          <a:bodyPr rtlCol="0" anchor="t"/>
-          <a:lstStyle/>
-          <a:p>
-            <a:pPr algn="ctr"/>
-            <a:r>
-              <a:rPr lang="en-US" altLang="ko-KR" dirty="0"/>
-              <a:t>Segment0</a:t>
-            </a:r>
-          </a:p>
-          <a:p>
-            <a:pPr algn="ctr"/>
-            <a:endParaRPr lang="ko-KR" altLang="en-US" dirty="0"/>
-          </a:p>
-        </p:txBody>
-      </p:sp>
-      <p:sp>
-        <p:nvSpPr>
-          <p:cNvPr id="5" name="타원 4">
+        </p:nvPicPr>
+        <p:blipFill>
+          <a:blip r:embed="rId4">
             <a:extLst>
-              <a:ext uri="{FF2B5EF4-FFF2-40B4-BE49-F238E27FC236}">
-                <a16:creationId xmlns:a16="http://schemas.microsoft.com/office/drawing/2014/main" id="{317A6CB5-60BA-4E7F-8F46-F5DC384C3691}"/>
+              <a:ext uri="{BEBA8EAE-BF5A-486C-A8C5-ECC9F3942E4B}">
+                <a14:imgProps xmlns:a14="http://schemas.microsoft.com/office/drawing/2010/main">
+                  <a14:imgLayer r:embed="rId5">
+                    <a14:imgEffect>
+                      <a14:backgroundRemoval t="8680" b="90709" l="10000" r="90471">
+                        <a14:foregroundMark x1="28588" y1="25550" x2="34588" y2="43888"/>
+                        <a14:foregroundMark x1="41294" y1="28362" x2="56235" y2="52200"/>
+                        <a14:foregroundMark x1="56000" y1="18582" x2="67176" y2="47800"/>
+                        <a14:foregroundMark x1="54118" y1="34963" x2="64000" y2="55379"/>
+                        <a14:foregroundMark x1="49412" y1="9291" x2="51647" y2="9780"/>
+                        <a14:foregroundMark x1="50471" y1="8924" x2="51882" y2="8924"/>
+                        <a14:foregroundMark x1="47647" y1="9169" x2="50235" y2="8680"/>
+                        <a14:foregroundMark x1="51412" y1="9902" x2="51412" y2="13692"/>
+                        <a14:foregroundMark x1="59765" y1="10147" x2="71529" y2="15648"/>
+                        <a14:foregroundMark x1="66588" y1="14303" x2="69294" y2="16870"/>
+                        <a14:foregroundMark x1="67412" y1="15281" x2="70941" y2="18704"/>
+                        <a14:foregroundMark x1="72941" y1="19438" x2="75412" y2="23594"/>
+                        <a14:foregroundMark x1="75529" y1="20416" x2="77647" y2="24694"/>
+                        <a14:foregroundMark x1="76941" y1="21760" x2="74471" y2="26528"/>
+                        <a14:foregroundMark x1="62235" y1="33619" x2="51059" y2="43521"/>
+                        <a14:foregroundMark x1="36118" y1="47800" x2="28588" y2="52445"/>
+                        <a14:foregroundMark x1="24706" y1="47188" x2="23412" y2="50733"/>
+                        <a14:foregroundMark x1="32941" y1="46699" x2="32706" y2="53301"/>
+                        <a14:foregroundMark x1="39529" y1="48044" x2="34588" y2="53301"/>
+                        <a14:foregroundMark x1="42353" y1="43399" x2="47059" y2="49144"/>
+                        <a14:foregroundMark x1="47059" y1="49144" x2="53294" y2="53301"/>
+                        <a14:foregroundMark x1="57765" y1="35697" x2="67647" y2="44743"/>
+                        <a14:foregroundMark x1="65882" y1="18582" x2="74118" y2="32029"/>
+                        <a14:foregroundMark x1="72235" y1="28729" x2="74471" y2="35941"/>
+                        <a14:foregroundMark x1="77647" y1="18337" x2="78824" y2="19315"/>
+                        <a14:foregroundMark x1="48353" y1="90220" x2="49294" y2="90465"/>
+                        <a14:foregroundMark x1="50824" y1="90831" x2="55059" y2="90831"/>
+                        <a14:foregroundMark x1="90471" y1="47555" x2="90000" y2="50489"/>
+                        <a14:foregroundMark x1="23294" y1="45355" x2="21647" y2="48533"/>
+                        <a14:foregroundMark x1="22118" y1="46577" x2="19412" y2="50489"/>
+                        <a14:foregroundMark x1="21294" y1="46210" x2="23294" y2="49756"/>
+                        <a14:foregroundMark x1="24706" y1="48900" x2="25765" y2="51834"/>
+                        <a14:foregroundMark x1="27529" y1="48411" x2="27529" y2="52323"/>
+                        <a14:foregroundMark x1="26588" y1="46577" x2="28235" y2="53545"/>
+                        <a14:foregroundMark x1="27647" y1="45721" x2="32353" y2="53545"/>
+                        <a14:backgroundMark x1="9882" y1="8802" x2="5059" y2="15281"/>
+                        <a14:backgroundMark x1="5529" y1="63692" x2="7529" y2="72372"/>
+                        <a14:backgroundMark x1="75529" y1="14181" x2="84000" y2="17482"/>
+                        <a14:backgroundMark x1="76824" y1="15770" x2="78235" y2="16504"/>
+                        <a14:backgroundMark x1="78824" y1="16626" x2="84118" y2="20171"/>
+                      </a14:backgroundRemoval>
+                    </a14:imgEffect>
+                    <a14:imgEffect>
+                      <a14:colorTemperature colorTemp="4700"/>
+                    </a14:imgEffect>
+                  </a14:imgLayer>
+                </a14:imgProps>
+              </a:ext>
+              <a:ext uri="{28A0092B-C50C-407E-A947-70E740481C1C}">
+                <a14:useLocalDpi xmlns:a14="http://schemas.microsoft.com/office/drawing/2010/main" val="0"/>
               </a:ext>
             </a:extLst>
-          </p:cNvPr>
-          <p:cNvSpPr/>
-          <p:nvPr/>
-        </p:nvSpPr>
-        <p:spPr>
+          </a:blip>
+          <a:srcRect/>
+          <a:stretch>
+            <a:fillRect/>
+          </a:stretch>
+        </p:blipFill>
+        <p:spPr bwMode="auto">
           <a:xfrm>
-            <a:off x="2943261" y="2884452"/>
-            <a:ext cx="680052" cy="307778"/>
-          </a:xfrm>
-          <a:prstGeom prst="ellipse">
-            <a:avLst/>
-          </a:prstGeom>
-          <a:solidFill>
-            <a:schemeClr val="accent1">
-              <a:alpha val="30000"/>
-            </a:schemeClr>
-          </a:solidFill>
-          <a:ln>
-            <a:noFill/>
-          </a:ln>
-        </p:spPr>
-        <p:style>
-          <a:lnRef idx="2">
-            <a:schemeClr val="accent1">
-              <a:shade val="50000"/>
-            </a:schemeClr>
-          </a:lnRef>
-          <a:fillRef idx="1">
-            <a:schemeClr val="accent1"/>
-          </a:fillRef>
-          <a:effectRef idx="0">
-            <a:schemeClr val="accent1"/>
-          </a:effectRef>
-          <a:fontRef idx="minor">
-            <a:schemeClr val="lt1"/>
-          </a:fontRef>
-        </p:style>
-        <p:txBody>
-          <a:bodyPr rtlCol="0" anchor="ctr"/>
-          <a:lstStyle/>
-          <a:p>
-            <a:pPr algn="ctr"/>
-            <a:r>
-              <a:rPr lang="en-US" altLang="ko-KR"/>
-              <a:t>S1</a:t>
-            </a:r>
-            <a:endParaRPr lang="ko-KR" altLang="en-US" dirty="0"/>
-          </a:p>
-        </p:txBody>
-      </p:sp>
-      <p:sp>
-        <p:nvSpPr>
-          <p:cNvPr id="6" name="타원 5">
-            <a:extLst>
-              <a:ext uri="{FF2B5EF4-FFF2-40B4-BE49-F238E27FC236}">
-                <a16:creationId xmlns:a16="http://schemas.microsoft.com/office/drawing/2014/main" id="{DB03C656-23CD-4C9E-9827-4C47CA854C51}"/>
-              </a:ext>
-            </a:extLst>
-          </p:cNvPr>
-          <p:cNvSpPr/>
-          <p:nvPr/>
-        </p:nvSpPr>
-        <p:spPr>
-          <a:xfrm>
-            <a:off x="4010437" y="2884452"/>
-            <a:ext cx="680052" cy="307778"/>
-          </a:xfrm>
-          <a:prstGeom prst="ellipse">
-            <a:avLst/>
-          </a:prstGeom>
-          <a:solidFill>
-            <a:schemeClr val="accent1">
-              <a:alpha val="30000"/>
-            </a:schemeClr>
-          </a:solidFill>
-          <a:ln>
-            <a:noFill/>
-          </a:ln>
-        </p:spPr>
-        <p:style>
-          <a:lnRef idx="2">
-            <a:schemeClr val="accent1">
-              <a:shade val="50000"/>
-            </a:schemeClr>
-          </a:lnRef>
-          <a:fillRef idx="1">
-            <a:schemeClr val="accent1"/>
-          </a:fillRef>
-          <a:effectRef idx="0">
-            <a:schemeClr val="accent1"/>
-          </a:effectRef>
-          <a:fontRef idx="minor">
-            <a:schemeClr val="lt1"/>
-          </a:fontRef>
-        </p:style>
-        <p:txBody>
-          <a:bodyPr rtlCol="0" anchor="ctr"/>
-          <a:lstStyle/>
-          <a:p>
-            <a:pPr algn="ctr"/>
-            <a:r>
-              <a:rPr lang="en-US" altLang="ko-KR" dirty="0"/>
-              <a:t>S2</a:t>
-            </a:r>
-            <a:endParaRPr lang="ko-KR" altLang="en-US" dirty="0"/>
-          </a:p>
-        </p:txBody>
-      </p:sp>
-      <p:cxnSp>
-        <p:nvCxnSpPr>
-          <p:cNvPr id="7" name="직선 화살표 연결선 6">
-            <a:extLst>
-              <a:ext uri="{FF2B5EF4-FFF2-40B4-BE49-F238E27FC236}">
-                <a16:creationId xmlns:a16="http://schemas.microsoft.com/office/drawing/2014/main" id="{63BA7C81-F3D1-4056-A14F-C5376FAAE632}"/>
-              </a:ext>
-            </a:extLst>
-          </p:cNvPr>
-          <p:cNvCxnSpPr>
-            <a:stCxn id="5" idx="6"/>
-            <a:endCxn id="6" idx="2"/>
-          </p:cNvCxnSpPr>
-          <p:nvPr/>
-        </p:nvCxnSpPr>
-        <p:spPr>
-          <a:xfrm>
-            <a:off x="3623313" y="3038341"/>
-            <a:ext cx="387124" cy="0"/>
-          </a:xfrm>
-          <a:prstGeom prst="straightConnector1">
-            <a:avLst/>
-          </a:prstGeom>
-          <a:ln>
-            <a:tailEnd type="triangle"/>
-          </a:ln>
-        </p:spPr>
-        <p:style>
-          <a:lnRef idx="1">
-            <a:schemeClr val="accent1"/>
-          </a:lnRef>
-          <a:fillRef idx="0">
-            <a:schemeClr val="accent1"/>
-          </a:fillRef>
-          <a:effectRef idx="0">
-            <a:schemeClr val="accent1"/>
-          </a:effectRef>
-          <a:fontRef idx="minor">
-            <a:schemeClr val="tx1"/>
-          </a:fontRef>
-        </p:style>
-      </p:cxnSp>
-      <p:sp>
-        <p:nvSpPr>
-          <p:cNvPr id="8" name="타원 7">
-            <a:extLst>
-              <a:ext uri="{FF2B5EF4-FFF2-40B4-BE49-F238E27FC236}">
-                <a16:creationId xmlns:a16="http://schemas.microsoft.com/office/drawing/2014/main" id="{35CA5C93-9604-40FD-8CEC-E8787384DF5E}"/>
-              </a:ext>
-            </a:extLst>
-          </p:cNvPr>
-          <p:cNvSpPr/>
-          <p:nvPr/>
-        </p:nvSpPr>
-        <p:spPr>
-          <a:xfrm>
-            <a:off x="3250839" y="3125838"/>
-            <a:ext cx="64896" cy="66392"/>
-          </a:xfrm>
-          <a:prstGeom prst="ellipse">
-            <a:avLst/>
-          </a:prstGeom>
-        </p:spPr>
-        <p:style>
-          <a:lnRef idx="2">
-            <a:schemeClr val="accent1">
-              <a:shade val="50000"/>
-            </a:schemeClr>
-          </a:lnRef>
-          <a:fillRef idx="1">
-            <a:schemeClr val="accent1"/>
-          </a:fillRef>
-          <a:effectRef idx="0">
-            <a:schemeClr val="accent1"/>
-          </a:effectRef>
-          <a:fontRef idx="minor">
-            <a:schemeClr val="lt1"/>
-          </a:fontRef>
-        </p:style>
-        <p:txBody>
-          <a:bodyPr rtlCol="0" anchor="ctr"/>
-          <a:lstStyle/>
-          <a:p>
-            <a:pPr algn="ctr"/>
-            <a:endParaRPr lang="ko-KR" altLang="en-US"/>
-          </a:p>
-        </p:txBody>
-      </p:sp>
-      <p:sp>
-        <p:nvSpPr>
-          <p:cNvPr id="9" name="타원 8">
-            <a:extLst>
-              <a:ext uri="{FF2B5EF4-FFF2-40B4-BE49-F238E27FC236}">
-                <a16:creationId xmlns:a16="http://schemas.microsoft.com/office/drawing/2014/main" id="{1DE94B59-29A7-4EFF-9398-F30DB3926D84}"/>
-              </a:ext>
-            </a:extLst>
-          </p:cNvPr>
-          <p:cNvSpPr/>
-          <p:nvPr/>
-        </p:nvSpPr>
-        <p:spPr>
-          <a:xfrm>
-            <a:off x="3034145" y="2919374"/>
-            <a:ext cx="64896" cy="66392"/>
-          </a:xfrm>
-          <a:prstGeom prst="ellipse">
-            <a:avLst/>
-          </a:prstGeom>
-        </p:spPr>
-        <p:style>
-          <a:lnRef idx="2">
-            <a:schemeClr val="accent1">
-              <a:shade val="50000"/>
-            </a:schemeClr>
-          </a:lnRef>
-          <a:fillRef idx="1">
-            <a:schemeClr val="accent1"/>
-          </a:fillRef>
-          <a:effectRef idx="0">
-            <a:schemeClr val="accent1"/>
-          </a:effectRef>
-          <a:fontRef idx="minor">
-            <a:schemeClr val="lt1"/>
-          </a:fontRef>
-        </p:style>
-        <p:txBody>
-          <a:bodyPr rtlCol="0" anchor="ctr"/>
-          <a:lstStyle/>
-          <a:p>
-            <a:pPr algn="ctr"/>
-            <a:endParaRPr lang="ko-KR" altLang="en-US" dirty="0"/>
-          </a:p>
-        </p:txBody>
-      </p:sp>
-      <p:sp>
-        <p:nvSpPr>
-          <p:cNvPr id="10" name="타원 9">
-            <a:extLst>
-              <a:ext uri="{FF2B5EF4-FFF2-40B4-BE49-F238E27FC236}">
-                <a16:creationId xmlns:a16="http://schemas.microsoft.com/office/drawing/2014/main" id="{A5A1F449-90D1-41BD-9A79-88AC59B55C9E}"/>
-              </a:ext>
-            </a:extLst>
-          </p:cNvPr>
-          <p:cNvSpPr/>
-          <p:nvPr/>
-        </p:nvSpPr>
-        <p:spPr>
-          <a:xfrm>
-            <a:off x="3453717" y="2920963"/>
-            <a:ext cx="64896" cy="66392"/>
-          </a:xfrm>
-          <a:prstGeom prst="ellipse">
-            <a:avLst/>
-          </a:prstGeom>
-        </p:spPr>
-        <p:style>
-          <a:lnRef idx="2">
-            <a:schemeClr val="accent1">
-              <a:shade val="50000"/>
-            </a:schemeClr>
-          </a:lnRef>
-          <a:fillRef idx="1">
-            <a:schemeClr val="accent1"/>
-          </a:fillRef>
-          <a:effectRef idx="0">
-            <a:schemeClr val="accent1"/>
-          </a:effectRef>
-          <a:fontRef idx="minor">
-            <a:schemeClr val="lt1"/>
-          </a:fontRef>
-        </p:style>
-        <p:txBody>
-          <a:bodyPr rtlCol="0" anchor="ctr"/>
-          <a:lstStyle/>
-          <a:p>
-            <a:pPr algn="ctr"/>
-            <a:endParaRPr lang="ko-KR" altLang="en-US"/>
-          </a:p>
-        </p:txBody>
-      </p:sp>
-      <p:sp>
-        <p:nvSpPr>
-          <p:cNvPr id="11" name="타원 10">
-            <a:extLst>
-              <a:ext uri="{FF2B5EF4-FFF2-40B4-BE49-F238E27FC236}">
-                <a16:creationId xmlns:a16="http://schemas.microsoft.com/office/drawing/2014/main" id="{1EE29136-CBAB-4687-BA3F-D0664DA9A4EF}"/>
-              </a:ext>
-            </a:extLst>
-          </p:cNvPr>
-          <p:cNvSpPr/>
-          <p:nvPr/>
-        </p:nvSpPr>
-        <p:spPr>
-          <a:xfrm>
-            <a:off x="2878365" y="2731639"/>
-            <a:ext cx="64896" cy="66392"/>
-          </a:xfrm>
-          <a:prstGeom prst="ellipse">
-            <a:avLst/>
-          </a:prstGeom>
-        </p:spPr>
-        <p:style>
-          <a:lnRef idx="2">
-            <a:schemeClr val="accent6">
-              <a:shade val="50000"/>
-            </a:schemeClr>
-          </a:lnRef>
-          <a:fillRef idx="1">
-            <a:schemeClr val="accent6"/>
-          </a:fillRef>
-          <a:effectRef idx="0">
-            <a:schemeClr val="accent6"/>
-          </a:effectRef>
-          <a:fontRef idx="minor">
-            <a:schemeClr val="lt1"/>
-          </a:fontRef>
-        </p:style>
-        <p:txBody>
-          <a:bodyPr rtlCol="0" anchor="ctr"/>
-          <a:lstStyle/>
-          <a:p>
-            <a:pPr algn="ctr"/>
-            <a:endParaRPr lang="ko-KR" altLang="en-US" dirty="0"/>
-          </a:p>
-        </p:txBody>
-      </p:sp>
-      <p:sp>
-        <p:nvSpPr>
-          <p:cNvPr id="12" name="타원 11">
-            <a:extLst>
-              <a:ext uri="{FF2B5EF4-FFF2-40B4-BE49-F238E27FC236}">
-                <a16:creationId xmlns:a16="http://schemas.microsoft.com/office/drawing/2014/main" id="{9D8A72DE-1BBF-4B8F-9176-44C53E07807B}"/>
-              </a:ext>
-            </a:extLst>
-          </p:cNvPr>
-          <p:cNvSpPr/>
-          <p:nvPr/>
-        </p:nvSpPr>
-        <p:spPr>
-          <a:xfrm>
-            <a:off x="2953073" y="2828618"/>
-            <a:ext cx="64896" cy="66392"/>
-          </a:xfrm>
-          <a:prstGeom prst="ellipse">
-            <a:avLst/>
-          </a:prstGeom>
-        </p:spPr>
-        <p:style>
-          <a:lnRef idx="2">
-            <a:schemeClr val="accent4">
-              <a:shade val="50000"/>
-            </a:schemeClr>
-          </a:lnRef>
-          <a:fillRef idx="1">
-            <a:schemeClr val="accent4"/>
-          </a:fillRef>
-          <a:effectRef idx="0">
-            <a:schemeClr val="accent4"/>
-          </a:effectRef>
-          <a:fontRef idx="minor">
-            <a:schemeClr val="lt1"/>
-          </a:fontRef>
-        </p:style>
-        <p:txBody>
-          <a:bodyPr rtlCol="0" anchor="ctr"/>
-          <a:lstStyle/>
-          <a:p>
-            <a:pPr algn="ctr"/>
-            <a:endParaRPr lang="ko-KR" altLang="en-US" dirty="0"/>
-          </a:p>
-        </p:txBody>
-      </p:sp>
-      <p:sp>
-        <p:nvSpPr>
-          <p:cNvPr id="13" name="타원 12">
-            <a:extLst>
-              <a:ext uri="{FF2B5EF4-FFF2-40B4-BE49-F238E27FC236}">
-                <a16:creationId xmlns:a16="http://schemas.microsoft.com/office/drawing/2014/main" id="{809E2502-7A59-4081-8215-CA3935B0F2F9}"/>
-              </a:ext>
-            </a:extLst>
-          </p:cNvPr>
-          <p:cNvSpPr/>
-          <p:nvPr/>
-        </p:nvSpPr>
-        <p:spPr>
-          <a:xfrm>
-            <a:off x="3518613" y="2808786"/>
-            <a:ext cx="64896" cy="66392"/>
-          </a:xfrm>
-          <a:prstGeom prst="ellipse">
-            <a:avLst/>
-          </a:prstGeom>
-        </p:spPr>
-        <p:style>
-          <a:lnRef idx="2">
-            <a:schemeClr val="accent4">
-              <a:shade val="50000"/>
-            </a:schemeClr>
-          </a:lnRef>
-          <a:fillRef idx="1">
-            <a:schemeClr val="accent4"/>
-          </a:fillRef>
-          <a:effectRef idx="0">
-            <a:schemeClr val="accent4"/>
-          </a:effectRef>
-          <a:fontRef idx="minor">
-            <a:schemeClr val="lt1"/>
-          </a:fontRef>
-        </p:style>
-        <p:txBody>
-          <a:bodyPr rtlCol="0" anchor="ctr"/>
-          <a:lstStyle/>
-          <a:p>
-            <a:pPr algn="ctr"/>
-            <a:endParaRPr lang="ko-KR" altLang="en-US" dirty="0"/>
-          </a:p>
-        </p:txBody>
-      </p:sp>
-      <p:sp>
-        <p:nvSpPr>
-          <p:cNvPr id="14" name="타원 13">
-            <a:extLst>
-              <a:ext uri="{FF2B5EF4-FFF2-40B4-BE49-F238E27FC236}">
-                <a16:creationId xmlns:a16="http://schemas.microsoft.com/office/drawing/2014/main" id="{5FC8EF6D-87FE-470F-89DF-1AE6C405B684}"/>
-              </a:ext>
-            </a:extLst>
-          </p:cNvPr>
-          <p:cNvSpPr/>
-          <p:nvPr/>
-        </p:nvSpPr>
-        <p:spPr>
-          <a:xfrm>
-            <a:off x="3250839" y="3226502"/>
-            <a:ext cx="64896" cy="66392"/>
-          </a:xfrm>
-          <a:prstGeom prst="ellipse">
-            <a:avLst/>
-          </a:prstGeom>
-        </p:spPr>
-        <p:style>
-          <a:lnRef idx="2">
-            <a:schemeClr val="accent4">
-              <a:shade val="50000"/>
-            </a:schemeClr>
-          </a:lnRef>
-          <a:fillRef idx="1">
-            <a:schemeClr val="accent4"/>
-          </a:fillRef>
-          <a:effectRef idx="0">
-            <a:schemeClr val="accent4"/>
-          </a:effectRef>
-          <a:fontRef idx="minor">
-            <a:schemeClr val="lt1"/>
-          </a:fontRef>
-        </p:style>
-        <p:txBody>
-          <a:bodyPr rtlCol="0" anchor="ctr"/>
-          <a:lstStyle/>
-          <a:p>
-            <a:pPr algn="ctr"/>
-            <a:endParaRPr lang="ko-KR" altLang="en-US" dirty="0"/>
-          </a:p>
-        </p:txBody>
-      </p:sp>
-      <p:sp>
-        <p:nvSpPr>
-          <p:cNvPr id="15" name="타원 14">
-            <a:extLst>
-              <a:ext uri="{FF2B5EF4-FFF2-40B4-BE49-F238E27FC236}">
-                <a16:creationId xmlns:a16="http://schemas.microsoft.com/office/drawing/2014/main" id="{75188DDD-E249-427C-AF05-908933473DCF}"/>
-              </a:ext>
-            </a:extLst>
-          </p:cNvPr>
-          <p:cNvSpPr/>
-          <p:nvPr/>
-        </p:nvSpPr>
-        <p:spPr>
-          <a:xfrm>
-            <a:off x="3250839" y="3333505"/>
-            <a:ext cx="64896" cy="66392"/>
-          </a:xfrm>
-          <a:prstGeom prst="ellipse">
-            <a:avLst/>
-          </a:prstGeom>
-        </p:spPr>
-        <p:style>
-          <a:lnRef idx="2">
-            <a:schemeClr val="accent6">
-              <a:shade val="50000"/>
-            </a:schemeClr>
-          </a:lnRef>
-          <a:fillRef idx="1">
-            <a:schemeClr val="accent6"/>
-          </a:fillRef>
-          <a:effectRef idx="0">
-            <a:schemeClr val="accent6"/>
-          </a:effectRef>
-          <a:fontRef idx="minor">
-            <a:schemeClr val="lt1"/>
-          </a:fontRef>
-        </p:style>
-        <p:txBody>
-          <a:bodyPr rtlCol="0" anchor="ctr"/>
-          <a:lstStyle/>
-          <a:p>
-            <a:pPr algn="ctr"/>
-            <a:endParaRPr lang="ko-KR" altLang="en-US" dirty="0"/>
-          </a:p>
-        </p:txBody>
-      </p:sp>
-      <p:sp>
-        <p:nvSpPr>
-          <p:cNvPr id="16" name="타원 15">
-            <a:extLst>
-              <a:ext uri="{FF2B5EF4-FFF2-40B4-BE49-F238E27FC236}">
-                <a16:creationId xmlns:a16="http://schemas.microsoft.com/office/drawing/2014/main" id="{D26170C0-AC2A-49AE-9087-9126B77BB483}"/>
-              </a:ext>
-            </a:extLst>
-          </p:cNvPr>
-          <p:cNvSpPr/>
-          <p:nvPr/>
-        </p:nvSpPr>
-        <p:spPr>
-          <a:xfrm>
-            <a:off x="3590865" y="2720178"/>
-            <a:ext cx="64896" cy="66392"/>
-          </a:xfrm>
-          <a:prstGeom prst="ellipse">
-            <a:avLst/>
-          </a:prstGeom>
-        </p:spPr>
-        <p:style>
-          <a:lnRef idx="2">
-            <a:schemeClr val="accent6">
-              <a:shade val="50000"/>
-            </a:schemeClr>
-          </a:lnRef>
-          <a:fillRef idx="1">
-            <a:schemeClr val="accent6"/>
-          </a:fillRef>
-          <a:effectRef idx="0">
-            <a:schemeClr val="accent6"/>
-          </a:effectRef>
-          <a:fontRef idx="minor">
-            <a:schemeClr val="lt1"/>
-          </a:fontRef>
-        </p:style>
-        <p:txBody>
-          <a:bodyPr rtlCol="0" anchor="ctr"/>
-          <a:lstStyle/>
-          <a:p>
-            <a:pPr algn="ctr"/>
-            <a:endParaRPr lang="ko-KR" altLang="en-US" dirty="0"/>
-          </a:p>
-        </p:txBody>
-      </p:sp>
-      <p:sp>
-        <p:nvSpPr>
-          <p:cNvPr id="17" name="타원 16">
-            <a:extLst>
-              <a:ext uri="{FF2B5EF4-FFF2-40B4-BE49-F238E27FC236}">
-                <a16:creationId xmlns:a16="http://schemas.microsoft.com/office/drawing/2014/main" id="{772B9A1B-23DA-4383-82BA-FB7D26A65C15}"/>
-              </a:ext>
-            </a:extLst>
-          </p:cNvPr>
-          <p:cNvSpPr/>
-          <p:nvPr/>
-        </p:nvSpPr>
-        <p:spPr>
-          <a:xfrm>
-            <a:off x="4330957" y="3131882"/>
-            <a:ext cx="64896" cy="66392"/>
-          </a:xfrm>
-          <a:prstGeom prst="ellipse">
-            <a:avLst/>
-          </a:prstGeom>
-        </p:spPr>
-        <p:style>
-          <a:lnRef idx="2">
-            <a:schemeClr val="accent1">
-              <a:shade val="50000"/>
-            </a:schemeClr>
-          </a:lnRef>
-          <a:fillRef idx="1">
-            <a:schemeClr val="accent1"/>
-          </a:fillRef>
-          <a:effectRef idx="0">
-            <a:schemeClr val="accent1"/>
-          </a:effectRef>
-          <a:fontRef idx="minor">
-            <a:schemeClr val="lt1"/>
-          </a:fontRef>
-        </p:style>
-        <p:txBody>
-          <a:bodyPr rtlCol="0" anchor="ctr"/>
-          <a:lstStyle/>
-          <a:p>
-            <a:pPr algn="ctr"/>
-            <a:endParaRPr lang="ko-KR" altLang="en-US"/>
-          </a:p>
-        </p:txBody>
-      </p:sp>
-      <p:sp>
-        <p:nvSpPr>
-          <p:cNvPr id="18" name="타원 17">
-            <a:extLst>
-              <a:ext uri="{FF2B5EF4-FFF2-40B4-BE49-F238E27FC236}">
-                <a16:creationId xmlns:a16="http://schemas.microsoft.com/office/drawing/2014/main" id="{A7BC53DE-2919-4C21-B408-F6DA4E28BA75}"/>
-              </a:ext>
-            </a:extLst>
-          </p:cNvPr>
-          <p:cNvSpPr/>
-          <p:nvPr/>
-        </p:nvSpPr>
-        <p:spPr>
-          <a:xfrm>
-            <a:off x="4114263" y="2925418"/>
-            <a:ext cx="64896" cy="66392"/>
-          </a:xfrm>
-          <a:prstGeom prst="ellipse">
-            <a:avLst/>
-          </a:prstGeom>
-        </p:spPr>
-        <p:style>
-          <a:lnRef idx="2">
-            <a:schemeClr val="accent1">
-              <a:shade val="50000"/>
-            </a:schemeClr>
-          </a:lnRef>
-          <a:fillRef idx="1">
-            <a:schemeClr val="accent1"/>
-          </a:fillRef>
-          <a:effectRef idx="0">
-            <a:schemeClr val="accent1"/>
-          </a:effectRef>
-          <a:fontRef idx="minor">
-            <a:schemeClr val="lt1"/>
-          </a:fontRef>
-        </p:style>
-        <p:txBody>
-          <a:bodyPr rtlCol="0" anchor="ctr"/>
-          <a:lstStyle/>
-          <a:p>
-            <a:pPr algn="ctr"/>
-            <a:endParaRPr lang="ko-KR" altLang="en-US" dirty="0"/>
-          </a:p>
-        </p:txBody>
-      </p:sp>
-      <p:sp>
-        <p:nvSpPr>
-          <p:cNvPr id="19" name="타원 18">
-            <a:extLst>
-              <a:ext uri="{FF2B5EF4-FFF2-40B4-BE49-F238E27FC236}">
-                <a16:creationId xmlns:a16="http://schemas.microsoft.com/office/drawing/2014/main" id="{19600634-4C26-4A27-9D39-D058829DE656}"/>
-              </a:ext>
-            </a:extLst>
-          </p:cNvPr>
-          <p:cNvSpPr/>
-          <p:nvPr/>
-        </p:nvSpPr>
-        <p:spPr>
-          <a:xfrm>
-            <a:off x="4533835" y="2927007"/>
-            <a:ext cx="64896" cy="66392"/>
-          </a:xfrm>
-          <a:prstGeom prst="ellipse">
-            <a:avLst/>
-          </a:prstGeom>
-        </p:spPr>
-        <p:style>
-          <a:lnRef idx="2">
-            <a:schemeClr val="accent1">
-              <a:shade val="50000"/>
-            </a:schemeClr>
-          </a:lnRef>
-          <a:fillRef idx="1">
-            <a:schemeClr val="accent1"/>
-          </a:fillRef>
-          <a:effectRef idx="0">
-            <a:schemeClr val="accent1"/>
-          </a:effectRef>
-          <a:fontRef idx="minor">
-            <a:schemeClr val="lt1"/>
-          </a:fontRef>
-        </p:style>
-        <p:txBody>
-          <a:bodyPr rtlCol="0" anchor="ctr"/>
-          <a:lstStyle/>
-          <a:p>
-            <a:pPr algn="ctr"/>
-            <a:endParaRPr lang="ko-KR" altLang="en-US"/>
-          </a:p>
-        </p:txBody>
-      </p:sp>
-      <p:sp>
-        <p:nvSpPr>
-          <p:cNvPr id="20" name="타원 19">
-            <a:extLst>
-              <a:ext uri="{FF2B5EF4-FFF2-40B4-BE49-F238E27FC236}">
-                <a16:creationId xmlns:a16="http://schemas.microsoft.com/office/drawing/2014/main" id="{3BF76A4D-3056-41A6-8110-C89362D5D0D5}"/>
-              </a:ext>
-            </a:extLst>
-          </p:cNvPr>
-          <p:cNvSpPr/>
-          <p:nvPr/>
-        </p:nvSpPr>
-        <p:spPr>
-          <a:xfrm>
-            <a:off x="3958483" y="2737683"/>
-            <a:ext cx="64896" cy="66392"/>
-          </a:xfrm>
-          <a:prstGeom prst="ellipse">
-            <a:avLst/>
-          </a:prstGeom>
-        </p:spPr>
-        <p:style>
-          <a:lnRef idx="2">
-            <a:schemeClr val="accent6">
-              <a:shade val="50000"/>
-            </a:schemeClr>
-          </a:lnRef>
-          <a:fillRef idx="1">
-            <a:schemeClr val="accent6"/>
-          </a:fillRef>
-          <a:effectRef idx="0">
-            <a:schemeClr val="accent6"/>
-          </a:effectRef>
-          <a:fontRef idx="minor">
-            <a:schemeClr val="lt1"/>
-          </a:fontRef>
-        </p:style>
-        <p:txBody>
-          <a:bodyPr rtlCol="0" anchor="ctr"/>
-          <a:lstStyle/>
-          <a:p>
-            <a:pPr algn="ctr"/>
-            <a:endParaRPr lang="ko-KR" altLang="en-US" dirty="0"/>
-          </a:p>
-        </p:txBody>
-      </p:sp>
-      <p:sp>
-        <p:nvSpPr>
-          <p:cNvPr id="21" name="타원 20">
-            <a:extLst>
-              <a:ext uri="{FF2B5EF4-FFF2-40B4-BE49-F238E27FC236}">
-                <a16:creationId xmlns:a16="http://schemas.microsoft.com/office/drawing/2014/main" id="{9A19B8ED-32BB-4492-99BF-3E75CB8DD39F}"/>
-              </a:ext>
-            </a:extLst>
-          </p:cNvPr>
-          <p:cNvSpPr/>
-          <p:nvPr/>
-        </p:nvSpPr>
-        <p:spPr>
-          <a:xfrm>
-            <a:off x="4033191" y="2834662"/>
-            <a:ext cx="64896" cy="66392"/>
-          </a:xfrm>
-          <a:prstGeom prst="ellipse">
-            <a:avLst/>
-          </a:prstGeom>
-        </p:spPr>
-        <p:style>
-          <a:lnRef idx="2">
-            <a:schemeClr val="accent4">
-              <a:shade val="50000"/>
-            </a:schemeClr>
-          </a:lnRef>
-          <a:fillRef idx="1">
-            <a:schemeClr val="accent4"/>
-          </a:fillRef>
-          <a:effectRef idx="0">
-            <a:schemeClr val="accent4"/>
-          </a:effectRef>
-          <a:fontRef idx="minor">
-            <a:schemeClr val="lt1"/>
-          </a:fontRef>
-        </p:style>
-        <p:txBody>
-          <a:bodyPr rtlCol="0" anchor="ctr"/>
-          <a:lstStyle/>
-          <a:p>
-            <a:pPr algn="ctr"/>
-            <a:endParaRPr lang="ko-KR" altLang="en-US" dirty="0"/>
-          </a:p>
-        </p:txBody>
-      </p:sp>
-      <p:sp>
-        <p:nvSpPr>
-          <p:cNvPr id="22" name="타원 21">
-            <a:extLst>
-              <a:ext uri="{FF2B5EF4-FFF2-40B4-BE49-F238E27FC236}">
-                <a16:creationId xmlns:a16="http://schemas.microsoft.com/office/drawing/2014/main" id="{CCA244FA-65F5-4A7C-88A8-E05D087DE276}"/>
-              </a:ext>
-            </a:extLst>
-          </p:cNvPr>
-          <p:cNvSpPr/>
-          <p:nvPr/>
-        </p:nvSpPr>
-        <p:spPr>
-          <a:xfrm>
-            <a:off x="4598731" y="2814830"/>
-            <a:ext cx="64896" cy="66392"/>
-          </a:xfrm>
-          <a:prstGeom prst="ellipse">
-            <a:avLst/>
-          </a:prstGeom>
-        </p:spPr>
-        <p:style>
-          <a:lnRef idx="2">
-            <a:schemeClr val="accent4">
-              <a:shade val="50000"/>
-            </a:schemeClr>
-          </a:lnRef>
-          <a:fillRef idx="1">
-            <a:schemeClr val="accent4"/>
-          </a:fillRef>
-          <a:effectRef idx="0">
-            <a:schemeClr val="accent4"/>
-          </a:effectRef>
-          <a:fontRef idx="minor">
-            <a:schemeClr val="lt1"/>
-          </a:fontRef>
-        </p:style>
-        <p:txBody>
-          <a:bodyPr rtlCol="0" anchor="ctr"/>
-          <a:lstStyle/>
-          <a:p>
-            <a:pPr algn="ctr"/>
-            <a:endParaRPr lang="ko-KR" altLang="en-US" dirty="0"/>
-          </a:p>
-        </p:txBody>
-      </p:sp>
-      <p:sp>
-        <p:nvSpPr>
-          <p:cNvPr id="23" name="타원 22">
-            <a:extLst>
-              <a:ext uri="{FF2B5EF4-FFF2-40B4-BE49-F238E27FC236}">
-                <a16:creationId xmlns:a16="http://schemas.microsoft.com/office/drawing/2014/main" id="{E59FC743-9EF1-49A4-B3FF-A840D86A4097}"/>
-              </a:ext>
-            </a:extLst>
-          </p:cNvPr>
-          <p:cNvSpPr/>
-          <p:nvPr/>
-        </p:nvSpPr>
-        <p:spPr>
-          <a:xfrm>
-            <a:off x="4330957" y="3232546"/>
-            <a:ext cx="64896" cy="66392"/>
-          </a:xfrm>
-          <a:prstGeom prst="ellipse">
-            <a:avLst/>
-          </a:prstGeom>
-        </p:spPr>
-        <p:style>
-          <a:lnRef idx="2">
-            <a:schemeClr val="accent4">
-              <a:shade val="50000"/>
-            </a:schemeClr>
-          </a:lnRef>
-          <a:fillRef idx="1">
-            <a:schemeClr val="accent4"/>
-          </a:fillRef>
-          <a:effectRef idx="0">
-            <a:schemeClr val="accent4"/>
-          </a:effectRef>
-          <a:fontRef idx="minor">
-            <a:schemeClr val="lt1"/>
-          </a:fontRef>
-        </p:style>
-        <p:txBody>
-          <a:bodyPr rtlCol="0" anchor="ctr"/>
-          <a:lstStyle/>
-          <a:p>
-            <a:pPr algn="ctr"/>
-            <a:endParaRPr lang="ko-KR" altLang="en-US" dirty="0"/>
-          </a:p>
-        </p:txBody>
-      </p:sp>
-      <p:sp>
-        <p:nvSpPr>
-          <p:cNvPr id="24" name="타원 23">
-            <a:extLst>
-              <a:ext uri="{FF2B5EF4-FFF2-40B4-BE49-F238E27FC236}">
-                <a16:creationId xmlns:a16="http://schemas.microsoft.com/office/drawing/2014/main" id="{2BD76CC5-8C70-4DED-9ABA-5CB68C1BE225}"/>
-              </a:ext>
-            </a:extLst>
-          </p:cNvPr>
-          <p:cNvSpPr/>
-          <p:nvPr/>
-        </p:nvSpPr>
-        <p:spPr>
-          <a:xfrm>
-            <a:off x="4330957" y="3339549"/>
-            <a:ext cx="64896" cy="66392"/>
-          </a:xfrm>
-          <a:prstGeom prst="ellipse">
-            <a:avLst/>
-          </a:prstGeom>
-        </p:spPr>
-        <p:style>
-          <a:lnRef idx="2">
-            <a:schemeClr val="accent6">
-              <a:shade val="50000"/>
-            </a:schemeClr>
-          </a:lnRef>
-          <a:fillRef idx="1">
-            <a:schemeClr val="accent6"/>
-          </a:fillRef>
-          <a:effectRef idx="0">
-            <a:schemeClr val="accent6"/>
-          </a:effectRef>
-          <a:fontRef idx="minor">
-            <a:schemeClr val="lt1"/>
-          </a:fontRef>
-        </p:style>
-        <p:txBody>
-          <a:bodyPr rtlCol="0" anchor="ctr"/>
-          <a:lstStyle/>
-          <a:p>
-            <a:pPr algn="ctr"/>
-            <a:endParaRPr lang="ko-KR" altLang="en-US" dirty="0"/>
-          </a:p>
-        </p:txBody>
-      </p:sp>
-      <p:sp>
-        <p:nvSpPr>
-          <p:cNvPr id="25" name="타원 24">
-            <a:extLst>
-              <a:ext uri="{FF2B5EF4-FFF2-40B4-BE49-F238E27FC236}">
-                <a16:creationId xmlns:a16="http://schemas.microsoft.com/office/drawing/2014/main" id="{87F4BFF1-CE19-4B8F-A8C0-8B58710DB490}"/>
-              </a:ext>
-            </a:extLst>
-          </p:cNvPr>
-          <p:cNvSpPr/>
-          <p:nvPr/>
-        </p:nvSpPr>
-        <p:spPr>
-          <a:xfrm>
-            <a:off x="4670983" y="2726222"/>
-            <a:ext cx="64896" cy="66392"/>
-          </a:xfrm>
-          <a:prstGeom prst="ellipse">
-            <a:avLst/>
-          </a:prstGeom>
-        </p:spPr>
-        <p:style>
-          <a:lnRef idx="2">
-            <a:schemeClr val="accent6">
-              <a:shade val="50000"/>
-            </a:schemeClr>
-          </a:lnRef>
-          <a:fillRef idx="1">
-            <a:schemeClr val="accent6"/>
-          </a:fillRef>
-          <a:effectRef idx="0">
-            <a:schemeClr val="accent6"/>
-          </a:effectRef>
-          <a:fontRef idx="minor">
-            <a:schemeClr val="lt1"/>
-          </a:fontRef>
-        </p:style>
-        <p:txBody>
-          <a:bodyPr rtlCol="0" anchor="ctr"/>
-          <a:lstStyle/>
-          <a:p>
-            <a:pPr algn="ctr"/>
-            <a:endParaRPr lang="ko-KR" altLang="en-US" dirty="0"/>
-          </a:p>
-        </p:txBody>
-      </p:sp>
-      <p:sp>
-        <p:nvSpPr>
-          <p:cNvPr id="26" name="타원 25">
-            <a:extLst>
-              <a:ext uri="{FF2B5EF4-FFF2-40B4-BE49-F238E27FC236}">
-                <a16:creationId xmlns:a16="http://schemas.microsoft.com/office/drawing/2014/main" id="{78DD9B12-D5C7-4DC1-BB94-DC5C51E85354}"/>
-              </a:ext>
-            </a:extLst>
-          </p:cNvPr>
-          <p:cNvSpPr/>
-          <p:nvPr/>
-        </p:nvSpPr>
-        <p:spPr>
-          <a:xfrm>
-            <a:off x="4384782" y="3804906"/>
-            <a:ext cx="64896" cy="66392"/>
-          </a:xfrm>
-          <a:prstGeom prst="ellipse">
-            <a:avLst/>
-          </a:prstGeom>
-        </p:spPr>
-        <p:style>
-          <a:lnRef idx="2">
-            <a:schemeClr val="accent1">
-              <a:shade val="50000"/>
-            </a:schemeClr>
-          </a:lnRef>
-          <a:fillRef idx="1">
-            <a:schemeClr val="accent1"/>
-          </a:fillRef>
-          <a:effectRef idx="0">
-            <a:schemeClr val="accent1"/>
-          </a:effectRef>
-          <a:fontRef idx="minor">
-            <a:schemeClr val="lt1"/>
-          </a:fontRef>
-        </p:style>
-        <p:txBody>
-          <a:bodyPr rtlCol="0" anchor="ctr"/>
-          <a:lstStyle/>
-          <a:p>
-            <a:pPr algn="ctr"/>
-            <a:endParaRPr lang="ko-KR" altLang="en-US"/>
-          </a:p>
-        </p:txBody>
-      </p:sp>
-      <p:sp>
-        <p:nvSpPr>
-          <p:cNvPr id="27" name="TextBox 26">
-            <a:extLst>
-              <a:ext uri="{FF2B5EF4-FFF2-40B4-BE49-F238E27FC236}">
-                <a16:creationId xmlns:a16="http://schemas.microsoft.com/office/drawing/2014/main" id="{22E0243A-EB31-407A-9D81-2268E00BCCDC}"/>
-              </a:ext>
-            </a:extLst>
-          </p:cNvPr>
-          <p:cNvSpPr txBox="1"/>
-          <p:nvPr/>
-        </p:nvSpPr>
-        <p:spPr>
-          <a:xfrm>
-            <a:off x="4452678" y="3712849"/>
-            <a:ext cx="2977097" cy="261610"/>
+            <a:off x="7507286" y="262608"/>
+            <a:ext cx="2643188" cy="2543678"/>
           </a:xfrm>
           <a:prstGeom prst="rect">
             <a:avLst/>
           </a:prstGeom>
           <a:noFill/>
+          <a:extLst>
+            <a:ext uri="{909E8E84-426E-40DD-AFC4-6F175D3DCCD1}">
+              <a14:hiddenFill xmlns:a14="http://schemas.microsoft.com/office/drawing/2010/main">
+                <a:solidFill>
+                  <a:srgbClr val="FFFFFF"/>
+                </a:solidFill>
+              </a14:hiddenFill>
+            </a:ext>
+          </a:extLst>
         </p:spPr>
-        <p:txBody>
-          <a:bodyPr wrap="none" rtlCol="0">
-            <a:spAutoFit/>
-          </a:bodyPr>
-          <a:lstStyle/>
-          <a:p>
-            <a:r>
-              <a:rPr lang="en-US" altLang="ko-KR" sz="1100" dirty="0"/>
-              <a:t>S,R,E Port  [SP, RP, EP] : </a:t>
-            </a:r>
-            <a:r>
-              <a:rPr lang="ko-KR" altLang="en-US" sz="1100" dirty="0"/>
-              <a:t>인터페이스</a:t>
-            </a:r>
-            <a:r>
-              <a:rPr lang="en-US" altLang="ko-KR" sz="1100" dirty="0"/>
-              <a:t> </a:t>
-            </a:r>
-            <a:r>
-              <a:rPr lang="ko-KR" altLang="en-US" sz="1100" dirty="0"/>
-              <a:t>입 출구</a:t>
-            </a:r>
-          </a:p>
-        </p:txBody>
-      </p:sp>
-      <p:sp>
-        <p:nvSpPr>
-          <p:cNvPr id="28" name="타원 27">
+      </p:pic>
+      <mc:AlternateContent xmlns:mc="http://schemas.openxmlformats.org/markup-compatibility/2006" xmlns:a14="http://schemas.microsoft.com/office/drawing/2010/main">
+        <mc:Choice Requires="a14">
+          <p:sp>
+            <p:nvSpPr>
+              <p:cNvPr id="11" name="TextBox 10">
+                <a:extLst>
+                  <a:ext uri="{FF2B5EF4-FFF2-40B4-BE49-F238E27FC236}">
+                    <a16:creationId xmlns:a16="http://schemas.microsoft.com/office/drawing/2014/main" id="{1A0D220D-8DC6-4718-88A7-4B1147CD2DA6}"/>
+                  </a:ext>
+                </a:extLst>
+              </p:cNvPr>
+              <p:cNvSpPr txBox="1"/>
+              <p:nvPr/>
+            </p:nvSpPr>
+            <p:spPr>
+              <a:xfrm>
+                <a:off x="7144589" y="2470554"/>
+                <a:ext cx="3368581" cy="688265"/>
+              </a:xfrm>
+              <a:prstGeom prst="rect">
+                <a:avLst/>
+              </a:prstGeom>
+              <a:noFill/>
+            </p:spPr>
+            <p:txBody>
+              <a:bodyPr wrap="square">
+                <a:spAutoFit/>
+              </a:bodyPr>
+              <a:lstStyle/>
+              <a:p>
+                <a14:m>
+                  <m:oMath xmlns:m="http://schemas.openxmlformats.org/officeDocument/2006/math">
+                    <m:r>
+                      <a:rPr lang="ko-KR" altLang="en-US" i="1" dirty="0">
+                        <a:latin typeface="Cambria Math" panose="02040503050406030204" pitchFamily="18" charset="0"/>
+                      </a:rPr>
+                      <m:t>𝜃</m:t>
+                    </m:r>
+                    <m:r>
+                      <a:rPr lang="ko-KR" altLang="en-US" i="1" dirty="0">
+                        <a:latin typeface="Cambria Math" panose="02040503050406030204" pitchFamily="18" charset="0"/>
+                      </a:rPr>
+                      <m:t> </m:t>
+                    </m:r>
+                  </m:oMath>
+                </a14:m>
+                <a:r>
+                  <a:rPr lang="en-US" altLang="ko-KR" i="1" dirty="0">
+                    <a:latin typeface="Cambria Math" panose="02040503050406030204" pitchFamily="18" charset="0"/>
+                  </a:rPr>
+                  <a:t>= </a:t>
+                </a:r>
+                <a14:m>
+                  <m:oMath xmlns:m="http://schemas.openxmlformats.org/officeDocument/2006/math">
+                    <m:r>
+                      <a:rPr lang="en-US" altLang="ko-KR" dirty="0">
+                        <a:latin typeface="Cambria Math" panose="02040503050406030204" pitchFamily="18" charset="0"/>
+                      </a:rPr>
+                      <m:t>2</m:t>
+                    </m:r>
+                    <m:r>
+                      <a:rPr lang="ko-KR" altLang="en-US" i="1" dirty="0">
+                        <a:latin typeface="Cambria Math" panose="02040503050406030204" pitchFamily="18" charset="0"/>
+                      </a:rPr>
+                      <m:t>𝜋</m:t>
+                    </m:r>
+                  </m:oMath>
+                </a14:m>
+                <a:r>
+                  <a:rPr lang="en-US" altLang="ko-KR" i="1" dirty="0">
+                    <a:latin typeface="Cambria Math" panose="02040503050406030204" pitchFamily="18" charset="0"/>
+                  </a:rPr>
+                  <a:t>/n  </a:t>
+                </a:r>
+              </a:p>
+              <a:p>
+                <a14:m>
+                  <m:oMath xmlns:m="http://schemas.openxmlformats.org/officeDocument/2006/math">
+                    <m:sSub>
+                      <m:sSubPr>
+                        <m:ctrlPr>
+                          <a:rPr lang="en-US" altLang="ko-KR" sz="1800" i="1" smtClean="0">
+                            <a:latin typeface="Cambria Math" panose="02040503050406030204" pitchFamily="18" charset="0"/>
+                          </a:rPr>
+                        </m:ctrlPr>
+                      </m:sSubPr>
+                      <m:e>
+                        <m:r>
+                          <m:rPr>
+                            <m:nor/>
+                          </m:rPr>
+                          <a:rPr lang="ko-KR" altLang="en-US" sz="1800" dirty="0"/>
+                          <m:t>𝜑</m:t>
+                        </m:r>
+                      </m:e>
+                      <m:sub>
+                        <m:r>
+                          <a:rPr lang="ko-KR" altLang="en-US" sz="1800" i="1" dirty="0">
+                            <a:latin typeface="Cambria Math" panose="02040503050406030204" pitchFamily="18" charset="0"/>
+                          </a:rPr>
+                          <m:t>𝜃</m:t>
+                        </m:r>
+                      </m:sub>
+                    </m:sSub>
+                  </m:oMath>
+                </a14:m>
+                <a:r>
+                  <a:rPr lang="en-US" altLang="ko-KR" sz="1800" dirty="0"/>
+                  <a:t>= </a:t>
+                </a:r>
+                <a14:m>
+                  <m:oMath xmlns:m="http://schemas.openxmlformats.org/officeDocument/2006/math">
+                    <m:nary>
+                      <m:naryPr>
+                        <m:chr m:val="∑"/>
+                        <m:ctrlPr>
+                          <a:rPr lang="ko-KR" altLang="en-US" sz="1800" i="1" dirty="0">
+                            <a:latin typeface="Cambria Math" panose="02040503050406030204" pitchFamily="18" charset="0"/>
+                          </a:rPr>
+                        </m:ctrlPr>
+                      </m:naryPr>
+                      <m:sub>
+                        <m:r>
+                          <m:rPr>
+                            <m:brk m:alnAt="23"/>
+                          </m:rPr>
+                          <a:rPr lang="en-US" altLang="ko-KR" sz="1800" i="1" dirty="0">
+                            <a:latin typeface="Cambria Math" panose="02040503050406030204" pitchFamily="18" charset="0"/>
+                          </a:rPr>
+                          <m:t>𝑖</m:t>
+                        </m:r>
+                        <m:r>
+                          <a:rPr lang="en-US" altLang="ko-KR" sz="1800" i="1" dirty="0">
+                            <a:latin typeface="Cambria Math" panose="02040503050406030204" pitchFamily="18" charset="0"/>
+                          </a:rPr>
+                          <m:t>=1</m:t>
+                        </m:r>
+                      </m:sub>
+                      <m:sup>
+                        <m:r>
+                          <a:rPr lang="en-US" altLang="ko-KR" sz="1800" i="1" dirty="0">
+                            <a:latin typeface="Cambria Math" panose="02040503050406030204" pitchFamily="18" charset="0"/>
+                          </a:rPr>
+                          <m:t>𝑛</m:t>
+                        </m:r>
+                      </m:sup>
+                      <m:e>
+                        <m:r>
+                          <a:rPr lang="en-US" altLang="ko-KR" sz="1800" i="1" dirty="0">
+                            <a:latin typeface="Cambria Math" panose="02040503050406030204" pitchFamily="18" charset="0"/>
+                          </a:rPr>
+                          <m:t>(</m:t>
+                        </m:r>
+                        <m:sSup>
+                          <m:sSupPr>
+                            <m:ctrlPr>
+                              <a:rPr lang="en-US" altLang="ko-KR" sz="1800" i="1" dirty="0">
+                                <a:latin typeface="Cambria Math" panose="02040503050406030204" pitchFamily="18" charset="0"/>
+                              </a:rPr>
+                            </m:ctrlPr>
+                          </m:sSupPr>
+                          <m:e>
+                            <m:r>
+                              <a:rPr lang="en-US" altLang="ko-KR" sz="1800" i="1" dirty="0">
+                                <a:latin typeface="Cambria Math" panose="02040503050406030204" pitchFamily="18" charset="0"/>
+                              </a:rPr>
+                              <m:t>2</m:t>
+                            </m:r>
+                          </m:e>
+                          <m:sup>
+                            <m:r>
+                              <a:rPr lang="en-US" altLang="ko-KR" sz="1800" i="1" dirty="0">
+                                <a:latin typeface="Cambria Math" panose="02040503050406030204" pitchFamily="18" charset="0"/>
+                              </a:rPr>
+                              <m:t>𝑖</m:t>
+                            </m:r>
+                            <m:r>
+                              <a:rPr lang="en-US" altLang="ko-KR" sz="1800" i="1" dirty="0">
+                                <a:latin typeface="Cambria Math" panose="02040503050406030204" pitchFamily="18" charset="0"/>
+                              </a:rPr>
+                              <m:t>−1</m:t>
+                            </m:r>
+                          </m:sup>
+                        </m:sSup>
+                        <m:sSub>
+                          <m:sSubPr>
+                            <m:ctrlPr>
+                              <a:rPr lang="en-US" altLang="ko-KR" sz="1800" i="1" dirty="0">
+                                <a:latin typeface="Cambria Math" panose="02040503050406030204" pitchFamily="18" charset="0"/>
+                              </a:rPr>
+                            </m:ctrlPr>
+                          </m:sSubPr>
+                          <m:e>
+                            <m:r>
+                              <a:rPr lang="en-US" altLang="ko-KR" sz="1800" i="1" dirty="0">
+                                <a:latin typeface="Cambria Math" panose="02040503050406030204" pitchFamily="18" charset="0"/>
+                              </a:rPr>
+                              <m:t>𝑉</m:t>
+                            </m:r>
+                          </m:e>
+                          <m:sub>
+                            <m:r>
+                              <a:rPr lang="en-US" altLang="ko-KR" sz="1800" i="1" dirty="0">
+                                <a:latin typeface="Cambria Math" panose="02040503050406030204" pitchFamily="18" charset="0"/>
+                              </a:rPr>
+                              <m:t>𝑖</m:t>
+                            </m:r>
+                          </m:sub>
+                        </m:sSub>
+                        <m:sSub>
+                          <m:sSubPr>
+                            <m:ctrlPr>
+                              <a:rPr lang="en-US" altLang="ko-KR" sz="1800" b="0" i="1" dirty="0" smtClean="0">
+                                <a:latin typeface="Cambria Math" panose="02040503050406030204" pitchFamily="18" charset="0"/>
+                              </a:rPr>
+                            </m:ctrlPr>
+                          </m:sSubPr>
+                          <m:e>
+                            <m:r>
+                              <a:rPr lang="en-US" altLang="ko-KR" sz="1800" b="0" i="1" dirty="0" smtClean="0">
+                                <a:latin typeface="Cambria Math" panose="02040503050406030204" pitchFamily="18" charset="0"/>
+                              </a:rPr>
+                              <m:t>𝐶</m:t>
+                            </m:r>
+                          </m:e>
+                          <m:sub>
+                            <m:r>
+                              <a:rPr lang="en-US" altLang="ko-KR" sz="1800" b="0" i="1" dirty="0" smtClean="0">
+                                <a:latin typeface="Cambria Math" panose="02040503050406030204" pitchFamily="18" charset="0"/>
+                              </a:rPr>
+                              <m:t>(</m:t>
+                            </m:r>
+                            <m:r>
+                              <a:rPr lang="en-US" altLang="ko-KR" sz="1800" b="0" i="1" dirty="0" smtClean="0">
+                                <a:latin typeface="Cambria Math" panose="02040503050406030204" pitchFamily="18" charset="0"/>
+                              </a:rPr>
+                              <m:t>𝑖</m:t>
+                            </m:r>
+                            <m:r>
+                              <a:rPr lang="en-US" altLang="ko-KR" sz="1800" b="0" i="1" dirty="0" smtClean="0">
+                                <a:latin typeface="Cambria Math" panose="02040503050406030204" pitchFamily="18" charset="0"/>
+                              </a:rPr>
+                              <m:t>,</m:t>
+                            </m:r>
+                            <m:r>
+                              <a:rPr lang="ko-KR" altLang="en-US" sz="1800" b="0" i="1" dirty="0" smtClean="0">
+                                <a:latin typeface="Cambria Math" panose="02040503050406030204" pitchFamily="18" charset="0"/>
+                              </a:rPr>
+                              <m:t>𝜃</m:t>
+                            </m:r>
+                            <m:r>
+                              <a:rPr lang="en-US" altLang="ko-KR" sz="1800" b="0" i="1" dirty="0" smtClean="0">
+                                <a:latin typeface="Cambria Math" panose="02040503050406030204" pitchFamily="18" charset="0"/>
+                              </a:rPr>
+                              <m:t>)</m:t>
+                            </m:r>
+                          </m:sub>
+                        </m:sSub>
+                        <m:r>
+                          <a:rPr lang="en-US" altLang="ko-KR" sz="1800" i="1" dirty="0">
+                            <a:latin typeface="Cambria Math" panose="02040503050406030204" pitchFamily="18" charset="0"/>
+                          </a:rPr>
+                          <m:t>)</m:t>
+                        </m:r>
+                      </m:e>
+                    </m:nary>
+                  </m:oMath>
+                </a14:m>
+                <a:r>
+                  <a:rPr lang="en-US" altLang="ko-KR" sz="1800" dirty="0"/>
+                  <a:t>/ </a:t>
+                </a:r>
+                <a14:m>
+                  <m:oMath xmlns:m="http://schemas.openxmlformats.org/officeDocument/2006/math">
+                    <m:sSup>
+                      <m:sSupPr>
+                        <m:ctrlPr>
+                          <a:rPr lang="en-US" altLang="ko-KR" sz="1800" i="1">
+                            <a:latin typeface="Cambria Math" panose="02040503050406030204" pitchFamily="18" charset="0"/>
+                          </a:rPr>
+                        </m:ctrlPr>
+                      </m:sSupPr>
+                      <m:e>
+                        <m:r>
+                          <a:rPr lang="en-US" altLang="ko-KR" sz="1800" i="1">
+                            <a:latin typeface="Cambria Math" panose="02040503050406030204" pitchFamily="18" charset="0"/>
+                          </a:rPr>
+                          <m:t>2</m:t>
+                        </m:r>
+                      </m:e>
+                      <m:sup>
+                        <m:r>
+                          <a:rPr lang="en-US" altLang="ko-KR" sz="1800" i="1">
+                            <a:latin typeface="Cambria Math" panose="02040503050406030204" pitchFamily="18" charset="0"/>
+                          </a:rPr>
+                          <m:t>𝑛</m:t>
+                        </m:r>
+                      </m:sup>
+                    </m:sSup>
+                  </m:oMath>
+                </a14:m>
+                <a:r>
+                  <a:rPr lang="en-US" altLang="ko-KR" sz="1800" dirty="0"/>
+                  <a:t>  x </a:t>
+                </a:r>
+                <a14:m>
+                  <m:oMath xmlns:m="http://schemas.openxmlformats.org/officeDocument/2006/math">
+                    <m:r>
+                      <a:rPr lang="en-US" altLang="ko-KR" sz="1800" dirty="0">
+                        <a:latin typeface="Cambria Math" panose="02040503050406030204" pitchFamily="18" charset="0"/>
+                      </a:rPr>
+                      <m:t>2</m:t>
+                    </m:r>
+                    <m:r>
+                      <a:rPr lang="ko-KR" altLang="en-US" sz="1800" i="1" dirty="0">
+                        <a:latin typeface="Cambria Math" panose="02040503050406030204" pitchFamily="18" charset="0"/>
+                      </a:rPr>
+                      <m:t>𝜋</m:t>
+                    </m:r>
+                  </m:oMath>
+                </a14:m>
+                <a:r>
+                  <a:rPr lang="en-US" altLang="ko-KR" i="1" dirty="0">
+                    <a:latin typeface="Cambria Math" panose="02040503050406030204" pitchFamily="18" charset="0"/>
+                  </a:rPr>
+                  <a:t> </a:t>
+                </a:r>
+                <a:endParaRPr lang="ko-KR" altLang="en-US" dirty="0"/>
+              </a:p>
+            </p:txBody>
+          </p:sp>
+        </mc:Choice>
+        <mc:Fallback xmlns="">
+          <p:sp>
+            <p:nvSpPr>
+              <p:cNvPr id="11" name="TextBox 10">
+                <a:extLst>
+                  <a:ext uri="{FF2B5EF4-FFF2-40B4-BE49-F238E27FC236}">
+                    <a16:creationId xmlns:a16="http://schemas.microsoft.com/office/drawing/2014/main" id="{1A0D220D-8DC6-4718-88A7-4B1147CD2DA6}"/>
+                  </a:ext>
+                </a:extLst>
+              </p:cNvPr>
+              <p:cNvSpPr txBox="1">
+                <a:spLocks noRot="1" noChangeAspect="1" noMove="1" noResize="1" noEditPoints="1" noAdjustHandles="1" noChangeArrowheads="1" noChangeShapeType="1" noTextEdit="1"/>
+              </p:cNvSpPr>
+              <p:nvPr/>
+            </p:nvSpPr>
+            <p:spPr>
+              <a:xfrm>
+                <a:off x="7144589" y="2470554"/>
+                <a:ext cx="3368581" cy="688265"/>
+              </a:xfrm>
+              <a:prstGeom prst="rect">
+                <a:avLst/>
+              </a:prstGeom>
+              <a:blipFill>
+                <a:blip r:embed="rId6"/>
+                <a:stretch>
+                  <a:fillRect t="-22124" b="-95575"/>
+                </a:stretch>
+              </a:blipFill>
+            </p:spPr>
+            <p:txBody>
+              <a:bodyPr/>
+              <a:lstStyle/>
+              <a:p>
+                <a:r>
+                  <a:rPr lang="ko-KR" altLang="en-US">
+                    <a:noFill/>
+                  </a:rPr>
+                  <a:t> </a:t>
+                </a:r>
+              </a:p>
+            </p:txBody>
+          </p:sp>
+        </mc:Fallback>
+      </mc:AlternateContent>
+      <mc:AlternateContent xmlns:mc="http://schemas.openxmlformats.org/markup-compatibility/2006" xmlns:a14="http://schemas.microsoft.com/office/drawing/2010/main">
+        <mc:Choice Requires="a14">
+          <p:graphicFrame>
+            <p:nvGraphicFramePr>
+              <p:cNvPr id="2" name="표 2">
+                <a:extLst>
+                  <a:ext uri="{FF2B5EF4-FFF2-40B4-BE49-F238E27FC236}">
+                    <a16:creationId xmlns:a16="http://schemas.microsoft.com/office/drawing/2014/main" id="{604B81DB-08EB-4BE1-8479-EA6DC37C58E1}"/>
+                  </a:ext>
+                </a:extLst>
+              </p:cNvPr>
+              <p:cNvGraphicFramePr>
+                <a:graphicFrameLocks noGrp="1"/>
+              </p:cNvGraphicFramePr>
+              <p:nvPr/>
+            </p:nvGraphicFramePr>
+            <p:xfrm>
+              <a:off x="6644480" y="3563621"/>
+              <a:ext cx="4368800" cy="1493520"/>
+            </p:xfrm>
+            <a:graphic>
+              <a:graphicData uri="http://schemas.openxmlformats.org/drawingml/2006/table">
+                <a:tbl>
+                  <a:tblPr firstRow="1" bandRow="1">
+                    <a:tableStyleId>{5C22544A-7EE6-4342-B048-85BDC9FD1C3A}</a:tableStyleId>
+                  </a:tblPr>
+                  <a:tblGrid>
+                    <a:gridCol w="981870">
+                      <a:extLst>
+                        <a:ext uri="{9D8B030D-6E8A-4147-A177-3AD203B41FA5}">
+                          <a16:colId xmlns:a16="http://schemas.microsoft.com/office/drawing/2014/main" val="4240707279"/>
+                        </a:ext>
+                      </a:extLst>
+                    </a:gridCol>
+                    <a:gridCol w="765650">
+                      <a:extLst>
+                        <a:ext uri="{9D8B030D-6E8A-4147-A177-3AD203B41FA5}">
+                          <a16:colId xmlns:a16="http://schemas.microsoft.com/office/drawing/2014/main" val="2825683218"/>
+                        </a:ext>
+                      </a:extLst>
+                    </a:gridCol>
+                    <a:gridCol w="873760">
+                      <a:extLst>
+                        <a:ext uri="{9D8B030D-6E8A-4147-A177-3AD203B41FA5}">
+                          <a16:colId xmlns:a16="http://schemas.microsoft.com/office/drawing/2014/main" val="338525937"/>
+                        </a:ext>
+                      </a:extLst>
+                    </a:gridCol>
+                    <a:gridCol w="873760">
+                      <a:extLst>
+                        <a:ext uri="{9D8B030D-6E8A-4147-A177-3AD203B41FA5}">
+                          <a16:colId xmlns:a16="http://schemas.microsoft.com/office/drawing/2014/main" val="3323042440"/>
+                        </a:ext>
+                      </a:extLst>
+                    </a:gridCol>
+                    <a:gridCol w="873760">
+                      <a:extLst>
+                        <a:ext uri="{9D8B030D-6E8A-4147-A177-3AD203B41FA5}">
+                          <a16:colId xmlns:a16="http://schemas.microsoft.com/office/drawing/2014/main" val="3075476040"/>
+                        </a:ext>
+                      </a:extLst>
+                    </a:gridCol>
+                  </a:tblGrid>
+                  <a:tr h="172566">
+                    <a:tc>
+                      <a:txBody>
+                        <a:bodyPr/>
+                        <a:lstStyle/>
+                        <a:p>
+                          <a:pPr algn="ctr" latinLnBrk="1"/>
+                          <a:r>
+                            <a:rPr lang="en-US" altLang="ko-KR" sz="800" dirty="0"/>
+                            <a:t>Value of Child</a:t>
+                          </a:r>
+                          <a:endParaRPr lang="ko-KR" altLang="en-US" sz="800" dirty="0"/>
+                        </a:p>
+                      </a:txBody>
+                      <a:tcPr/>
+                    </a:tc>
+                    <a:tc>
+                      <a:txBody>
+                        <a:bodyPr/>
+                        <a:lstStyle/>
+                        <a:p>
+                          <a:pPr algn="ctr" latinLnBrk="1"/>
+                          <a14:m>
+                            <m:oMathPara xmlns:m="http://schemas.openxmlformats.org/officeDocument/2006/math">
+                              <m:oMathParaPr>
+                                <m:jc m:val="centerGroup"/>
+                              </m:oMathParaPr>
+                              <m:oMath xmlns:m="http://schemas.openxmlformats.org/officeDocument/2006/math">
+                                <m:r>
+                                  <m:rPr>
+                                    <m:sty m:val="p"/>
+                                  </m:rPr>
+                                  <a:rPr lang="en-US" altLang="ko-KR" sz="800" i="1" dirty="0" smtClean="0">
+                                    <a:latin typeface="Cambria Math" panose="02040503050406030204" pitchFamily="18" charset="0"/>
+                                  </a:rPr>
+                                  <m:t>Seg</m:t>
+                                </m:r>
+                                <m:r>
+                                  <a:rPr lang="en-US" altLang="ko-KR" sz="800" b="1" i="1" dirty="0" smtClean="0">
+                                    <a:latin typeface="Cambria Math" panose="02040503050406030204" pitchFamily="18" charset="0"/>
+                                  </a:rPr>
+                                  <m:t> </m:t>
+                                </m:r>
+                                <m:sSub>
+                                  <m:sSubPr>
+                                    <m:ctrlPr>
+                                      <a:rPr lang="en-US" altLang="ko-KR" sz="800" i="1" dirty="0" smtClean="0">
+                                        <a:latin typeface="Cambria Math" panose="02040503050406030204" pitchFamily="18" charset="0"/>
+                                      </a:rPr>
+                                    </m:ctrlPr>
+                                  </m:sSubPr>
+                                  <m:e>
+                                    <m:r>
+                                      <a:rPr lang="en-US" altLang="ko-KR" sz="800" i="1" dirty="0">
+                                        <a:latin typeface="Cambria Math" panose="02040503050406030204" pitchFamily="18" charset="0"/>
+                                      </a:rPr>
+                                      <m:t>𝑉</m:t>
+                                    </m:r>
+                                  </m:e>
+                                  <m:sub>
+                                    <m:r>
+                                      <a:rPr lang="en-US" altLang="ko-KR" sz="800" b="0" i="1" dirty="0" smtClean="0">
+                                        <a:latin typeface="Cambria Math" panose="02040503050406030204" pitchFamily="18" charset="0"/>
+                                      </a:rPr>
+                                      <m:t>1</m:t>
+                                    </m:r>
+                                  </m:sub>
+                                </m:sSub>
+                              </m:oMath>
+                            </m:oMathPara>
+                          </a14:m>
+                          <a:endParaRPr lang="ko-KR" altLang="en-US" sz="800" dirty="0"/>
+                        </a:p>
+                      </a:txBody>
+                      <a:tcPr/>
+                    </a:tc>
+                    <a:tc>
+                      <a:txBody>
+                        <a:bodyPr/>
+                        <a:lstStyle/>
+                        <a:p>
+                          <a:pPr marL="0" marR="0" lvl="0" indent="0" algn="ctr" defTabSz="457200" rtl="0" eaLnBrk="1" fontAlgn="auto" latinLnBrk="1" hangingPunct="1">
+                            <a:lnSpc>
+                              <a:spcPct val="100000"/>
+                            </a:lnSpc>
+                            <a:spcBef>
+                              <a:spcPts val="0"/>
+                            </a:spcBef>
+                            <a:spcAft>
+                              <a:spcPts val="0"/>
+                            </a:spcAft>
+                            <a:buClrTx/>
+                            <a:buSzTx/>
+                            <a:buFontTx/>
+                            <a:buNone/>
+                            <a:tabLst/>
+                            <a:defRPr/>
+                          </a:pPr>
+                          <a14:m>
+                            <m:oMathPara xmlns:m="http://schemas.openxmlformats.org/officeDocument/2006/math">
+                              <m:oMathParaPr>
+                                <m:jc m:val="centerGroup"/>
+                              </m:oMathParaPr>
+                              <m:oMath xmlns:m="http://schemas.openxmlformats.org/officeDocument/2006/math">
+                                <m:r>
+                                  <m:rPr>
+                                    <m:sty m:val="p"/>
+                                  </m:rPr>
+                                  <a:rPr lang="en-US" altLang="ko-KR" sz="800" i="1" dirty="0" smtClean="0">
+                                    <a:latin typeface="Cambria Math" panose="02040503050406030204" pitchFamily="18" charset="0"/>
+                                  </a:rPr>
+                                  <m:t>Seg</m:t>
+                                </m:r>
+                                <m:r>
+                                  <a:rPr lang="en-US" altLang="ko-KR" sz="800" b="1" i="1" dirty="0" smtClean="0">
+                                    <a:latin typeface="Cambria Math" panose="02040503050406030204" pitchFamily="18" charset="0"/>
+                                  </a:rPr>
+                                  <m:t> </m:t>
+                                </m:r>
+                                <m:sSub>
+                                  <m:sSubPr>
+                                    <m:ctrlPr>
+                                      <a:rPr lang="en-US" altLang="ko-KR" sz="800" i="1" dirty="0" smtClean="0">
+                                        <a:latin typeface="Cambria Math" panose="02040503050406030204" pitchFamily="18" charset="0"/>
+                                      </a:rPr>
+                                    </m:ctrlPr>
+                                  </m:sSubPr>
+                                  <m:e>
+                                    <m:r>
+                                      <a:rPr lang="en-US" altLang="ko-KR" sz="800" i="1" dirty="0">
+                                        <a:latin typeface="Cambria Math" panose="02040503050406030204" pitchFamily="18" charset="0"/>
+                                      </a:rPr>
+                                      <m:t>𝑉</m:t>
+                                    </m:r>
+                                  </m:e>
+                                  <m:sub>
+                                    <m:r>
+                                      <a:rPr lang="en-US" altLang="ko-KR" sz="800" i="1" dirty="0" smtClean="0">
+                                        <a:latin typeface="Cambria Math" panose="02040503050406030204" pitchFamily="18" charset="0"/>
+                                      </a:rPr>
+                                      <m:t>2</m:t>
+                                    </m:r>
+                                  </m:sub>
+                                </m:sSub>
+                              </m:oMath>
+                            </m:oMathPara>
+                          </a14:m>
+                          <a:endParaRPr lang="ko-KR" altLang="en-US" sz="800" dirty="0"/>
+                        </a:p>
+                      </a:txBody>
+                      <a:tcPr/>
+                    </a:tc>
+                    <a:tc>
+                      <a:txBody>
+                        <a:bodyPr/>
+                        <a:lstStyle/>
+                        <a:p>
+                          <a:pPr algn="ctr" latinLnBrk="1"/>
+                          <a14:m>
+                            <m:oMathPara xmlns:m="http://schemas.openxmlformats.org/officeDocument/2006/math">
+                              <m:oMathParaPr>
+                                <m:jc m:val="centerGroup"/>
+                              </m:oMathParaPr>
+                              <m:oMath xmlns:m="http://schemas.openxmlformats.org/officeDocument/2006/math">
+                                <m:r>
+                                  <m:rPr>
+                                    <m:sty m:val="p"/>
+                                  </m:rPr>
+                                  <a:rPr lang="en-US" altLang="ko-KR" sz="800" i="1" dirty="0" smtClean="0">
+                                    <a:latin typeface="Cambria Math" panose="02040503050406030204" pitchFamily="18" charset="0"/>
+                                  </a:rPr>
+                                  <m:t>Seg</m:t>
+                                </m:r>
+                                <m:r>
+                                  <a:rPr lang="en-US" altLang="ko-KR" sz="800" b="1" i="1" dirty="0" smtClean="0">
+                                    <a:latin typeface="Cambria Math" panose="02040503050406030204" pitchFamily="18" charset="0"/>
+                                  </a:rPr>
+                                  <m:t> </m:t>
+                                </m:r>
+                                <m:sSub>
+                                  <m:sSubPr>
+                                    <m:ctrlPr>
+                                      <a:rPr lang="en-US" altLang="ko-KR" sz="800" i="1" dirty="0" smtClean="0">
+                                        <a:latin typeface="Cambria Math" panose="02040503050406030204" pitchFamily="18" charset="0"/>
+                                      </a:rPr>
+                                    </m:ctrlPr>
+                                  </m:sSubPr>
+                                  <m:e>
+                                    <m:r>
+                                      <a:rPr lang="en-US" altLang="ko-KR" sz="800" i="1" dirty="0">
+                                        <a:latin typeface="Cambria Math" panose="02040503050406030204" pitchFamily="18" charset="0"/>
+                                      </a:rPr>
+                                      <m:t>𝑉</m:t>
+                                    </m:r>
+                                  </m:e>
+                                  <m:sub>
+                                    <m:r>
+                                      <a:rPr lang="en-US" altLang="ko-KR" sz="800" i="1" dirty="0" smtClean="0">
+                                        <a:latin typeface="Cambria Math" panose="02040503050406030204" pitchFamily="18" charset="0"/>
+                                      </a:rPr>
+                                      <m:t>3</m:t>
+                                    </m:r>
+                                  </m:sub>
+                                </m:sSub>
+                              </m:oMath>
+                            </m:oMathPara>
+                          </a14:m>
+                          <a:endParaRPr lang="ko-KR" altLang="en-US" sz="800" dirty="0"/>
+                        </a:p>
+                      </a:txBody>
+                      <a:tcPr/>
+                    </a:tc>
+                    <a:tc>
+                      <a:txBody>
+                        <a:bodyPr/>
+                        <a:lstStyle/>
+                        <a:p>
+                          <a:pPr algn="ctr" latinLnBrk="1"/>
+                          <a14:m>
+                            <m:oMathPara xmlns:m="http://schemas.openxmlformats.org/officeDocument/2006/math">
+                              <m:oMathParaPr>
+                                <m:jc m:val="centerGroup"/>
+                              </m:oMathParaPr>
+                              <m:oMath xmlns:m="http://schemas.openxmlformats.org/officeDocument/2006/math">
+                                <m:r>
+                                  <m:rPr>
+                                    <m:sty m:val="p"/>
+                                  </m:rPr>
+                                  <a:rPr lang="en-US" altLang="ko-KR" sz="800" i="1" dirty="0" smtClean="0">
+                                    <a:latin typeface="Cambria Math" panose="02040503050406030204" pitchFamily="18" charset="0"/>
+                                  </a:rPr>
+                                  <m:t>Seg</m:t>
+                                </m:r>
+                                <m:r>
+                                  <a:rPr lang="en-US" altLang="ko-KR" sz="800" b="1" i="1" dirty="0" smtClean="0">
+                                    <a:latin typeface="Cambria Math" panose="02040503050406030204" pitchFamily="18" charset="0"/>
+                                  </a:rPr>
+                                  <m:t> </m:t>
+                                </m:r>
+                                <m:sSub>
+                                  <m:sSubPr>
+                                    <m:ctrlPr>
+                                      <a:rPr lang="en-US" altLang="ko-KR" sz="800" i="1" dirty="0" smtClean="0">
+                                        <a:latin typeface="Cambria Math" panose="02040503050406030204" pitchFamily="18" charset="0"/>
+                                      </a:rPr>
+                                    </m:ctrlPr>
+                                  </m:sSubPr>
+                                  <m:e>
+                                    <m:r>
+                                      <a:rPr lang="en-US" altLang="ko-KR" sz="800" i="1" dirty="0">
+                                        <a:latin typeface="Cambria Math" panose="02040503050406030204" pitchFamily="18" charset="0"/>
+                                      </a:rPr>
+                                      <m:t>𝑉</m:t>
+                                    </m:r>
+                                  </m:e>
+                                  <m:sub>
+                                    <m:r>
+                                      <a:rPr lang="en-US" altLang="ko-KR" sz="800" i="1" dirty="0" smtClean="0">
+                                        <a:latin typeface="Cambria Math" panose="02040503050406030204" pitchFamily="18" charset="0"/>
+                                      </a:rPr>
+                                      <m:t>4</m:t>
+                                    </m:r>
+                                  </m:sub>
+                                </m:sSub>
+                              </m:oMath>
+                            </m:oMathPara>
+                          </a14:m>
+                          <a:endParaRPr lang="ko-KR" altLang="en-US" sz="800" dirty="0"/>
+                        </a:p>
+                      </a:txBody>
+                      <a:tcPr/>
+                    </a:tc>
+                    <a:extLst>
+                      <a:ext uri="{0D108BD9-81ED-4DB2-BD59-A6C34878D82A}">
+                        <a16:rowId xmlns:a16="http://schemas.microsoft.com/office/drawing/2014/main" val="3623147733"/>
+                      </a:ext>
+                    </a:extLst>
+                  </a:tr>
+                  <a:tr h="172566">
+                    <a:tc>
+                      <a:txBody>
+                        <a:bodyPr/>
+                        <a:lstStyle/>
+                        <a:p>
+                          <a:pPr algn="ctr" latinLnBrk="1"/>
+                          <a:r>
+                            <a:rPr lang="en-US" altLang="ko-KR" sz="800" dirty="0"/>
+                            <a:t>0</a:t>
+                          </a:r>
+                          <a14:m>
+                            <m:oMath xmlns:m="http://schemas.openxmlformats.org/officeDocument/2006/math">
+                              <m:r>
+                                <a:rPr lang="ko-KR" altLang="en-US" sz="800" i="1" dirty="0" smtClean="0">
+                                  <a:latin typeface="Cambria Math" panose="02040503050406030204" pitchFamily="18" charset="0"/>
+                                </a:rPr>
+                                <m:t>𝜃</m:t>
+                              </m:r>
+                              <m:r>
+                                <a:rPr lang="en-US" altLang="ko-KR" sz="800" b="0" i="1" dirty="0" smtClean="0">
+                                  <a:latin typeface="Cambria Math" panose="02040503050406030204" pitchFamily="18" charset="0"/>
+                                </a:rPr>
+                                <m:t> </m:t>
+                              </m:r>
+                            </m:oMath>
+                          </a14:m>
+                          <a:r>
+                            <a:rPr lang="en-US" altLang="ko-KR" sz="800" dirty="0"/>
+                            <a:t>(start point)</a:t>
+                          </a:r>
+                        </a:p>
+                      </a:txBody>
+                      <a:tcPr/>
+                    </a:tc>
+                    <a:tc>
+                      <a:txBody>
+                        <a:bodyPr/>
+                        <a:lstStyle/>
+                        <a:p>
+                          <a:pPr algn="ctr" latinLnBrk="1"/>
+                          <a:r>
+                            <a:rPr lang="en-US" altLang="ko-KR" sz="800" dirty="0"/>
+                            <a:t>0</a:t>
+                          </a:r>
+                          <a:endParaRPr lang="ko-KR" altLang="en-US" sz="800" dirty="0"/>
+                        </a:p>
+                      </a:txBody>
+                      <a:tcPr/>
+                    </a:tc>
+                    <a:tc>
+                      <a:txBody>
+                        <a:bodyPr/>
+                        <a:lstStyle/>
+                        <a:p>
+                          <a:pPr algn="ctr" latinLnBrk="1"/>
+                          <a:r>
+                            <a:rPr lang="en-US" altLang="ko-KR" sz="800" dirty="0"/>
+                            <a:t>1</a:t>
+                          </a:r>
+                          <a:endParaRPr lang="ko-KR" altLang="en-US" sz="800" dirty="0"/>
+                        </a:p>
+                      </a:txBody>
+                      <a:tcPr/>
+                    </a:tc>
+                    <a:tc>
+                      <a:txBody>
+                        <a:bodyPr/>
+                        <a:lstStyle/>
+                        <a:p>
+                          <a:pPr algn="ctr" latinLnBrk="1"/>
+                          <a:r>
+                            <a:rPr lang="en-US" altLang="ko-KR" sz="800" dirty="0"/>
+                            <a:t>0</a:t>
+                          </a:r>
+                          <a:endParaRPr lang="ko-KR" altLang="en-US" sz="800" dirty="0"/>
+                        </a:p>
+                      </a:txBody>
+                      <a:tcPr/>
+                    </a:tc>
+                    <a:tc>
+                      <a:txBody>
+                        <a:bodyPr/>
+                        <a:lstStyle/>
+                        <a:p>
+                          <a:pPr algn="ctr" latinLnBrk="1"/>
+                          <a:r>
+                            <a:rPr lang="en-US" altLang="ko-KR" sz="800" dirty="0"/>
+                            <a:t>1</a:t>
+                          </a:r>
+                          <a:endParaRPr lang="ko-KR" altLang="en-US" sz="800" dirty="0"/>
+                        </a:p>
+                      </a:txBody>
+                      <a:tcPr/>
+                    </a:tc>
+                    <a:extLst>
+                      <a:ext uri="{0D108BD9-81ED-4DB2-BD59-A6C34878D82A}">
+                        <a16:rowId xmlns:a16="http://schemas.microsoft.com/office/drawing/2014/main" val="1619724086"/>
+                      </a:ext>
+                    </a:extLst>
+                  </a:tr>
+                  <a:tr h="172566">
+                    <a:tc>
+                      <a:txBody>
+                        <a:bodyPr/>
+                        <a:lstStyle/>
+                        <a:p>
+                          <a:pPr algn="ctr" latinLnBrk="1"/>
+                          <a:r>
+                            <a:rPr lang="en-US" altLang="ko-KR" sz="800" dirty="0"/>
+                            <a:t>1</a:t>
+                          </a:r>
+                          <a14:m>
+                            <m:oMath xmlns:m="http://schemas.openxmlformats.org/officeDocument/2006/math">
+                              <m:r>
+                                <a:rPr lang="ko-KR" altLang="en-US" sz="800" i="1" dirty="0" smtClean="0">
+                                  <a:latin typeface="Cambria Math" panose="02040503050406030204" pitchFamily="18" charset="0"/>
+                                </a:rPr>
+                                <m:t>𝜃</m:t>
+                              </m:r>
+                            </m:oMath>
+                          </a14:m>
+                          <a:r>
+                            <a:rPr lang="ko-KR" altLang="en-US" sz="800" dirty="0"/>
+                            <a:t> </a:t>
+                          </a:r>
+                          <a:r>
+                            <a:rPr lang="en-US" altLang="ko-KR" sz="800" dirty="0"/>
+                            <a:t>(Going)</a:t>
+                          </a:r>
+                          <a:endParaRPr lang="ko-KR" altLang="en-US" sz="800" dirty="0"/>
+                        </a:p>
+                      </a:txBody>
+                      <a:tcPr/>
+                    </a:tc>
+                    <a:tc>
+                      <a:txBody>
+                        <a:bodyPr/>
+                        <a:lstStyle/>
+                        <a:p>
+                          <a:pPr algn="ctr" latinLnBrk="1"/>
+                          <a:r>
+                            <a:rPr lang="en-US" altLang="ko-KR" sz="800" dirty="0"/>
+                            <a:t>1</a:t>
+                          </a:r>
+                          <a:endParaRPr lang="ko-KR" altLang="en-US" sz="800" dirty="0"/>
+                        </a:p>
+                      </a:txBody>
+                      <a:tcPr/>
+                    </a:tc>
+                    <a:tc>
+                      <a:txBody>
+                        <a:bodyPr/>
+                        <a:lstStyle/>
+                        <a:p>
+                          <a:pPr algn="ctr" latinLnBrk="1"/>
+                          <a:r>
+                            <a:rPr lang="en-US" altLang="ko-KR" sz="800" dirty="0"/>
+                            <a:t>1</a:t>
+                          </a:r>
+                          <a:endParaRPr lang="ko-KR" altLang="en-US" sz="800" dirty="0"/>
+                        </a:p>
+                      </a:txBody>
+                      <a:tcPr/>
+                    </a:tc>
+                    <a:tc>
+                      <a:txBody>
+                        <a:bodyPr/>
+                        <a:lstStyle/>
+                        <a:p>
+                          <a:pPr algn="ctr" latinLnBrk="1"/>
+                          <a:r>
+                            <a:rPr lang="en-US" altLang="ko-KR" sz="800" dirty="0"/>
+                            <a:t>0</a:t>
+                          </a:r>
+                          <a:endParaRPr lang="ko-KR" altLang="en-US" sz="800" dirty="0"/>
+                        </a:p>
+                      </a:txBody>
+                      <a:tcPr/>
+                    </a:tc>
+                    <a:tc>
+                      <a:txBody>
+                        <a:bodyPr/>
+                        <a:lstStyle/>
+                        <a:p>
+                          <a:pPr algn="ctr" latinLnBrk="1"/>
+                          <a:r>
+                            <a:rPr lang="en-US" altLang="ko-KR" sz="800" dirty="0"/>
+                            <a:t>0</a:t>
+                          </a:r>
+                          <a:endParaRPr lang="ko-KR" altLang="en-US" sz="800" dirty="0"/>
+                        </a:p>
+                      </a:txBody>
+                      <a:tcPr/>
+                    </a:tc>
+                    <a:extLst>
+                      <a:ext uri="{0D108BD9-81ED-4DB2-BD59-A6C34878D82A}">
+                        <a16:rowId xmlns:a16="http://schemas.microsoft.com/office/drawing/2014/main" val="3559261267"/>
+                      </a:ext>
+                    </a:extLst>
+                  </a:tr>
+                  <a:tr h="172566">
+                    <a:tc>
+                      <a:txBody>
+                        <a:bodyPr/>
+                        <a:lstStyle/>
+                        <a:p>
+                          <a:pPr algn="ctr" latinLnBrk="1"/>
+                          <a:r>
+                            <a:rPr lang="en-US" altLang="ko-KR" sz="800" dirty="0"/>
+                            <a:t>2</a:t>
+                          </a:r>
+                          <a14:m>
+                            <m:oMath xmlns:m="http://schemas.openxmlformats.org/officeDocument/2006/math">
+                              <m:r>
+                                <a:rPr lang="ko-KR" altLang="en-US" sz="800" i="1" dirty="0" smtClean="0">
+                                  <a:latin typeface="Cambria Math" panose="02040503050406030204" pitchFamily="18" charset="0"/>
+                                </a:rPr>
+                                <m:t>𝜃</m:t>
+                              </m:r>
+                            </m:oMath>
+                          </a14:m>
+                          <a:r>
+                            <a:rPr lang="ko-KR" altLang="en-US" sz="800" dirty="0"/>
+                            <a:t> </a:t>
+                          </a:r>
+                          <a:r>
+                            <a:rPr lang="en-US" altLang="ko-KR" sz="800" dirty="0"/>
+                            <a:t>(Going)</a:t>
+                          </a:r>
+                          <a:endParaRPr lang="ko-KR" altLang="en-US" sz="800" dirty="0"/>
+                        </a:p>
+                      </a:txBody>
+                      <a:tcPr/>
+                    </a:tc>
+                    <a:tc>
+                      <a:txBody>
+                        <a:bodyPr/>
+                        <a:lstStyle/>
+                        <a:p>
+                          <a:pPr algn="ctr" latinLnBrk="1"/>
+                          <a:r>
+                            <a:rPr lang="en-US" altLang="ko-KR" sz="800" dirty="0"/>
+                            <a:t>1</a:t>
+                          </a:r>
+                          <a:endParaRPr lang="ko-KR" altLang="en-US" sz="800" dirty="0"/>
+                        </a:p>
+                      </a:txBody>
+                      <a:tcPr/>
+                    </a:tc>
+                    <a:tc>
+                      <a:txBody>
+                        <a:bodyPr/>
+                        <a:lstStyle/>
+                        <a:p>
+                          <a:pPr algn="ctr" latinLnBrk="1"/>
+                          <a:r>
+                            <a:rPr lang="en-US" altLang="ko-KR" sz="800" dirty="0"/>
+                            <a:t>1</a:t>
+                          </a:r>
+                          <a:endParaRPr lang="ko-KR" altLang="en-US" sz="800" dirty="0"/>
+                        </a:p>
+                      </a:txBody>
+                      <a:tcPr/>
+                    </a:tc>
+                    <a:tc>
+                      <a:txBody>
+                        <a:bodyPr/>
+                        <a:lstStyle/>
+                        <a:p>
+                          <a:pPr algn="ctr" latinLnBrk="1"/>
+                          <a:r>
+                            <a:rPr lang="en-US" altLang="ko-KR" sz="800" dirty="0"/>
+                            <a:t>0</a:t>
+                          </a:r>
+                          <a:endParaRPr lang="ko-KR" altLang="en-US" sz="800" dirty="0"/>
+                        </a:p>
+                      </a:txBody>
+                      <a:tcPr/>
+                    </a:tc>
+                    <a:tc>
+                      <a:txBody>
+                        <a:bodyPr/>
+                        <a:lstStyle/>
+                        <a:p>
+                          <a:pPr algn="ctr" latinLnBrk="1"/>
+                          <a:r>
+                            <a:rPr lang="en-US" altLang="ko-KR" sz="800" dirty="0"/>
+                            <a:t>0</a:t>
+                          </a:r>
+                          <a:endParaRPr lang="ko-KR" altLang="en-US" sz="800" dirty="0"/>
+                        </a:p>
+                      </a:txBody>
+                      <a:tcPr/>
+                    </a:tc>
+                    <a:extLst>
+                      <a:ext uri="{0D108BD9-81ED-4DB2-BD59-A6C34878D82A}">
+                        <a16:rowId xmlns:a16="http://schemas.microsoft.com/office/drawing/2014/main" val="692764268"/>
+                      </a:ext>
+                    </a:extLst>
+                  </a:tr>
+                  <a:tr h="172566">
+                    <a:tc>
+                      <a:txBody>
+                        <a:bodyPr/>
+                        <a:lstStyle/>
+                        <a:p>
+                          <a:pPr algn="ctr" latinLnBrk="1"/>
+                          <a:r>
+                            <a:rPr lang="en-US" altLang="ko-KR" sz="800" dirty="0"/>
+                            <a:t>3</a:t>
+                          </a:r>
+                          <a14:m>
+                            <m:oMath xmlns:m="http://schemas.openxmlformats.org/officeDocument/2006/math">
+                              <m:r>
+                                <a:rPr lang="ko-KR" altLang="en-US" sz="800" i="1" dirty="0" smtClean="0">
+                                  <a:latin typeface="Cambria Math" panose="02040503050406030204" pitchFamily="18" charset="0"/>
+                                </a:rPr>
+                                <m:t>𝜃</m:t>
+                              </m:r>
+                            </m:oMath>
+                          </a14:m>
+                          <a:r>
+                            <a:rPr lang="ko-KR" altLang="en-US" sz="800" dirty="0"/>
+                            <a:t> </a:t>
+                          </a:r>
+                          <a:r>
+                            <a:rPr lang="en-US" altLang="ko-KR" sz="800" dirty="0"/>
+                            <a:t>(Going)</a:t>
+                          </a:r>
+                          <a:endParaRPr lang="ko-KR" altLang="en-US" sz="800" dirty="0"/>
+                        </a:p>
+                      </a:txBody>
+                      <a:tcPr/>
+                    </a:tc>
+                    <a:tc>
+                      <a:txBody>
+                        <a:bodyPr/>
+                        <a:lstStyle/>
+                        <a:p>
+                          <a:pPr algn="ctr" latinLnBrk="1"/>
+                          <a:r>
+                            <a:rPr lang="en-US" altLang="ko-KR" sz="800" dirty="0"/>
+                            <a:t>1</a:t>
+                          </a:r>
+                          <a:endParaRPr lang="ko-KR" altLang="en-US" sz="800" dirty="0"/>
+                        </a:p>
+                      </a:txBody>
+                      <a:tcPr/>
+                    </a:tc>
+                    <a:tc>
+                      <a:txBody>
+                        <a:bodyPr/>
+                        <a:lstStyle/>
+                        <a:p>
+                          <a:pPr algn="ctr" latinLnBrk="1"/>
+                          <a:r>
+                            <a:rPr lang="en-US" altLang="ko-KR" sz="800" dirty="0"/>
+                            <a:t>1</a:t>
+                          </a:r>
+                          <a:endParaRPr lang="ko-KR" altLang="en-US" sz="800" dirty="0"/>
+                        </a:p>
+                      </a:txBody>
+                      <a:tcPr/>
+                    </a:tc>
+                    <a:tc>
+                      <a:txBody>
+                        <a:bodyPr/>
+                        <a:lstStyle/>
+                        <a:p>
+                          <a:pPr algn="ctr" latinLnBrk="1"/>
+                          <a:r>
+                            <a:rPr lang="en-US" altLang="ko-KR" sz="800" dirty="0"/>
+                            <a:t>1</a:t>
+                          </a:r>
+                          <a:endParaRPr lang="ko-KR" altLang="en-US" sz="800" dirty="0"/>
+                        </a:p>
+                      </a:txBody>
+                      <a:tcPr/>
+                    </a:tc>
+                    <a:tc>
+                      <a:txBody>
+                        <a:bodyPr/>
+                        <a:lstStyle/>
+                        <a:p>
+                          <a:pPr algn="ctr" latinLnBrk="1"/>
+                          <a:r>
+                            <a:rPr lang="en-US" altLang="ko-KR" sz="800" dirty="0"/>
+                            <a:t>0</a:t>
+                          </a:r>
+                          <a:endParaRPr lang="ko-KR" altLang="en-US" sz="800" dirty="0"/>
+                        </a:p>
+                      </a:txBody>
+                      <a:tcPr/>
+                    </a:tc>
+                    <a:extLst>
+                      <a:ext uri="{0D108BD9-81ED-4DB2-BD59-A6C34878D82A}">
+                        <a16:rowId xmlns:a16="http://schemas.microsoft.com/office/drawing/2014/main" val="555406816"/>
+                      </a:ext>
+                    </a:extLst>
+                  </a:tr>
+                  <a:tr h="172566">
+                    <a:tc>
+                      <a:txBody>
+                        <a:bodyPr/>
+                        <a:lstStyle/>
+                        <a:p>
+                          <a:pPr algn="ctr" latinLnBrk="1"/>
+                          <a:r>
+                            <a:rPr lang="en-US" altLang="ko-KR" sz="800" dirty="0"/>
+                            <a:t>4</a:t>
+                          </a:r>
+                          <a14:m>
+                            <m:oMath xmlns:m="http://schemas.openxmlformats.org/officeDocument/2006/math">
+                              <m:r>
+                                <a:rPr lang="ko-KR" altLang="en-US" sz="800" i="1" dirty="0" smtClean="0">
+                                  <a:latin typeface="Cambria Math" panose="02040503050406030204" pitchFamily="18" charset="0"/>
+                                </a:rPr>
+                                <m:t>𝜃</m:t>
+                              </m:r>
+                            </m:oMath>
+                          </a14:m>
+                          <a:r>
+                            <a:rPr lang="ko-KR" altLang="en-US" sz="800" dirty="0"/>
+                            <a:t> </a:t>
+                          </a:r>
+                          <a:r>
+                            <a:rPr lang="en-US" altLang="ko-KR" sz="800" dirty="0"/>
+                            <a:t>(Finish)</a:t>
+                          </a:r>
+                          <a:endParaRPr lang="ko-KR" altLang="en-US" sz="800" dirty="0"/>
+                        </a:p>
+                      </a:txBody>
+                      <a:tcPr/>
+                    </a:tc>
+                    <a:tc>
+                      <a:txBody>
+                        <a:bodyPr/>
+                        <a:lstStyle/>
+                        <a:p>
+                          <a:pPr algn="ctr" latinLnBrk="1"/>
+                          <a:r>
+                            <a:rPr lang="en-US" altLang="ko-KR" sz="800" dirty="0"/>
+                            <a:t>0</a:t>
+                          </a:r>
+                          <a:endParaRPr lang="ko-KR" altLang="en-US" sz="800" dirty="0"/>
+                        </a:p>
+                      </a:txBody>
+                      <a:tcPr/>
+                    </a:tc>
+                    <a:tc>
+                      <a:txBody>
+                        <a:bodyPr/>
+                        <a:lstStyle/>
+                        <a:p>
+                          <a:pPr algn="ctr" latinLnBrk="1"/>
+                          <a:r>
+                            <a:rPr lang="en-US" altLang="ko-KR" sz="800" dirty="0"/>
+                            <a:t>1</a:t>
+                          </a:r>
+                          <a:endParaRPr lang="ko-KR" altLang="en-US" sz="800" dirty="0"/>
+                        </a:p>
+                      </a:txBody>
+                      <a:tcPr/>
+                    </a:tc>
+                    <a:tc>
+                      <a:txBody>
+                        <a:bodyPr/>
+                        <a:lstStyle/>
+                        <a:p>
+                          <a:pPr algn="ctr" latinLnBrk="1"/>
+                          <a:r>
+                            <a:rPr lang="en-US" altLang="ko-KR" sz="800" dirty="0"/>
+                            <a:t>1</a:t>
+                          </a:r>
+                          <a:endParaRPr lang="ko-KR" altLang="en-US" sz="800" dirty="0"/>
+                        </a:p>
+                      </a:txBody>
+                      <a:tcPr/>
+                    </a:tc>
+                    <a:tc>
+                      <a:txBody>
+                        <a:bodyPr/>
+                        <a:lstStyle/>
+                        <a:p>
+                          <a:pPr algn="ctr" latinLnBrk="1"/>
+                          <a:r>
+                            <a:rPr lang="en-US" altLang="ko-KR" sz="800" dirty="0"/>
+                            <a:t>1</a:t>
+                          </a:r>
+                          <a:endParaRPr lang="ko-KR" altLang="en-US" sz="800" dirty="0"/>
+                        </a:p>
+                      </a:txBody>
+                      <a:tcPr/>
+                    </a:tc>
+                    <a:extLst>
+                      <a:ext uri="{0D108BD9-81ED-4DB2-BD59-A6C34878D82A}">
+                        <a16:rowId xmlns:a16="http://schemas.microsoft.com/office/drawing/2014/main" val="2446665172"/>
+                      </a:ext>
+                    </a:extLst>
+                  </a:tr>
+                  <a:tr h="172566">
+                    <a:tc>
+                      <a:txBody>
+                        <a:bodyPr/>
+                        <a:lstStyle/>
+                        <a:p>
+                          <a:pPr marL="0" marR="0" lvl="0" indent="0" algn="ctr" defTabSz="457200" rtl="0" eaLnBrk="1" fontAlgn="auto" latinLnBrk="1" hangingPunct="1">
+                            <a:lnSpc>
+                              <a:spcPct val="100000"/>
+                            </a:lnSpc>
+                            <a:spcBef>
+                              <a:spcPts val="0"/>
+                            </a:spcBef>
+                            <a:spcAft>
+                              <a:spcPts val="0"/>
+                            </a:spcAft>
+                            <a:buClrTx/>
+                            <a:buSzTx/>
+                            <a:buFontTx/>
+                            <a:buNone/>
+                            <a:tabLst/>
+                            <a:defRPr/>
+                          </a:pPr>
+                          <a:r>
+                            <a:rPr lang="en-US" altLang="ko-KR" sz="800" dirty="0"/>
+                            <a:t>0</a:t>
+                          </a:r>
+                          <a14:m>
+                            <m:oMath xmlns:m="http://schemas.openxmlformats.org/officeDocument/2006/math">
+                              <m:r>
+                                <a:rPr lang="ko-KR" altLang="en-US" sz="800" i="1" dirty="0" smtClean="0">
+                                  <a:latin typeface="Cambria Math" panose="02040503050406030204" pitchFamily="18" charset="0"/>
+                                </a:rPr>
+                                <m:t>𝜃</m:t>
+                              </m:r>
+                              <m:r>
+                                <a:rPr lang="en-US" altLang="ko-KR" sz="800" b="0" i="1" dirty="0" smtClean="0">
+                                  <a:latin typeface="Cambria Math" panose="02040503050406030204" pitchFamily="18" charset="0"/>
+                                </a:rPr>
+                                <m:t> </m:t>
+                              </m:r>
+                            </m:oMath>
+                          </a14:m>
+                          <a:r>
+                            <a:rPr lang="en-US" altLang="ko-KR" sz="800" dirty="0"/>
+                            <a:t>(start point)</a:t>
+                          </a:r>
+                        </a:p>
+                      </a:txBody>
+                      <a:tcPr/>
+                    </a:tc>
+                    <a:tc>
+                      <a:txBody>
+                        <a:bodyPr/>
+                        <a:lstStyle/>
+                        <a:p>
+                          <a:pPr algn="ctr" latinLnBrk="1"/>
+                          <a:r>
+                            <a:rPr lang="en-US" altLang="ko-KR" sz="800" dirty="0"/>
+                            <a:t>0</a:t>
+                          </a:r>
+                          <a:endParaRPr lang="ko-KR" altLang="en-US" sz="800" dirty="0"/>
+                        </a:p>
+                      </a:txBody>
+                      <a:tcPr/>
+                    </a:tc>
+                    <a:tc>
+                      <a:txBody>
+                        <a:bodyPr/>
+                        <a:lstStyle/>
+                        <a:p>
+                          <a:pPr algn="ctr" latinLnBrk="1"/>
+                          <a:r>
+                            <a:rPr lang="en-US" altLang="ko-KR" sz="800" dirty="0"/>
+                            <a:t>1</a:t>
+                          </a:r>
+                          <a:endParaRPr lang="ko-KR" altLang="en-US" sz="800" dirty="0"/>
+                        </a:p>
+                      </a:txBody>
+                      <a:tcPr/>
+                    </a:tc>
+                    <a:tc>
+                      <a:txBody>
+                        <a:bodyPr/>
+                        <a:lstStyle/>
+                        <a:p>
+                          <a:pPr algn="ctr" latinLnBrk="1"/>
+                          <a:r>
+                            <a:rPr lang="en-US" altLang="ko-KR" sz="800" dirty="0"/>
+                            <a:t>1</a:t>
+                          </a:r>
+                          <a:endParaRPr lang="ko-KR" altLang="en-US" sz="800" dirty="0"/>
+                        </a:p>
+                      </a:txBody>
+                      <a:tcPr/>
+                    </a:tc>
+                    <a:tc>
+                      <a:txBody>
+                        <a:bodyPr/>
+                        <a:lstStyle/>
+                        <a:p>
+                          <a:pPr algn="ctr" latinLnBrk="1"/>
+                          <a:r>
+                            <a:rPr lang="en-US" altLang="ko-KR" sz="800" dirty="0"/>
+                            <a:t>1</a:t>
+                          </a:r>
+                          <a:endParaRPr lang="ko-KR" altLang="en-US" sz="800" dirty="0"/>
+                        </a:p>
+                      </a:txBody>
+                      <a:tcPr/>
+                    </a:tc>
+                    <a:extLst>
+                      <a:ext uri="{0D108BD9-81ED-4DB2-BD59-A6C34878D82A}">
+                        <a16:rowId xmlns:a16="http://schemas.microsoft.com/office/drawing/2014/main" val="1976906470"/>
+                      </a:ext>
+                    </a:extLst>
+                  </a:tr>
+                </a:tbl>
+              </a:graphicData>
+            </a:graphic>
+          </p:graphicFrame>
+        </mc:Choice>
+        <mc:Fallback xmlns="">
+          <p:graphicFrame>
+            <p:nvGraphicFramePr>
+              <p:cNvPr id="2" name="표 2">
+                <a:extLst>
+                  <a:ext uri="{FF2B5EF4-FFF2-40B4-BE49-F238E27FC236}">
+                    <a16:creationId xmlns:a16="http://schemas.microsoft.com/office/drawing/2014/main" id="{604B81DB-08EB-4BE1-8479-EA6DC37C58E1}"/>
+                  </a:ext>
+                </a:extLst>
+              </p:cNvPr>
+              <p:cNvGraphicFramePr>
+                <a:graphicFrameLocks noGrp="1"/>
+              </p:cNvGraphicFramePr>
+              <p:nvPr>
+                <p:extLst>
+                  <p:ext uri="{D42A27DB-BD31-4B8C-83A1-F6EECF244321}">
+                    <p14:modId xmlns:p14="http://schemas.microsoft.com/office/powerpoint/2010/main" val="3634486516"/>
+                  </p:ext>
+                </p:extLst>
+              </p:nvPr>
+            </p:nvGraphicFramePr>
+            <p:xfrm>
+              <a:off x="6644480" y="3563621"/>
+              <a:ext cx="4368800" cy="1493520"/>
+            </p:xfrm>
+            <a:graphic>
+              <a:graphicData uri="http://schemas.openxmlformats.org/drawingml/2006/table">
+                <a:tbl>
+                  <a:tblPr firstRow="1" bandRow="1">
+                    <a:tableStyleId>{5C22544A-7EE6-4342-B048-85BDC9FD1C3A}</a:tableStyleId>
+                  </a:tblPr>
+                  <a:tblGrid>
+                    <a:gridCol w="981870">
+                      <a:extLst>
+                        <a:ext uri="{9D8B030D-6E8A-4147-A177-3AD203B41FA5}">
+                          <a16:colId xmlns:a16="http://schemas.microsoft.com/office/drawing/2014/main" val="4240707279"/>
+                        </a:ext>
+                      </a:extLst>
+                    </a:gridCol>
+                    <a:gridCol w="765650">
+                      <a:extLst>
+                        <a:ext uri="{9D8B030D-6E8A-4147-A177-3AD203B41FA5}">
+                          <a16:colId xmlns:a16="http://schemas.microsoft.com/office/drawing/2014/main" val="2825683218"/>
+                        </a:ext>
+                      </a:extLst>
+                    </a:gridCol>
+                    <a:gridCol w="873760">
+                      <a:extLst>
+                        <a:ext uri="{9D8B030D-6E8A-4147-A177-3AD203B41FA5}">
+                          <a16:colId xmlns:a16="http://schemas.microsoft.com/office/drawing/2014/main" val="338525937"/>
+                        </a:ext>
+                      </a:extLst>
+                    </a:gridCol>
+                    <a:gridCol w="873760">
+                      <a:extLst>
+                        <a:ext uri="{9D8B030D-6E8A-4147-A177-3AD203B41FA5}">
+                          <a16:colId xmlns:a16="http://schemas.microsoft.com/office/drawing/2014/main" val="3323042440"/>
+                        </a:ext>
+                      </a:extLst>
+                    </a:gridCol>
+                    <a:gridCol w="873760">
+                      <a:extLst>
+                        <a:ext uri="{9D8B030D-6E8A-4147-A177-3AD203B41FA5}">
+                          <a16:colId xmlns:a16="http://schemas.microsoft.com/office/drawing/2014/main" val="3075476040"/>
+                        </a:ext>
+                      </a:extLst>
+                    </a:gridCol>
+                  </a:tblGrid>
+                  <a:tr h="213360">
+                    <a:tc>
+                      <a:txBody>
+                        <a:bodyPr/>
+                        <a:lstStyle/>
+                        <a:p>
+                          <a:pPr algn="ctr" latinLnBrk="1"/>
+                          <a:r>
+                            <a:rPr lang="en-US" altLang="ko-KR" sz="800" dirty="0"/>
+                            <a:t>Value of Child</a:t>
+                          </a:r>
+                          <a:endParaRPr lang="ko-KR" altLang="en-US" sz="800" dirty="0"/>
+                        </a:p>
+                      </a:txBody>
+                      <a:tcPr/>
+                    </a:tc>
+                    <a:tc>
+                      <a:txBody>
+                        <a:bodyPr/>
+                        <a:lstStyle/>
+                        <a:p>
+                          <a:endParaRPr lang="ko-KR"/>
+                        </a:p>
+                      </a:txBody>
+                      <a:tcPr>
+                        <a:blipFill>
+                          <a:blip r:embed="rId7"/>
+                          <a:stretch>
+                            <a:fillRect l="-128571" t="-2857" r="-345238" b="-614286"/>
+                          </a:stretch>
+                        </a:blipFill>
+                      </a:tcPr>
+                    </a:tc>
+                    <a:tc>
+                      <a:txBody>
+                        <a:bodyPr/>
+                        <a:lstStyle/>
+                        <a:p>
+                          <a:endParaRPr lang="ko-KR"/>
+                        </a:p>
+                      </a:txBody>
+                      <a:tcPr>
+                        <a:blipFill>
+                          <a:blip r:embed="rId7"/>
+                          <a:stretch>
+                            <a:fillRect l="-200000" t="-2857" r="-202083" b="-614286"/>
+                          </a:stretch>
+                        </a:blipFill>
+                      </a:tcPr>
+                    </a:tc>
+                    <a:tc>
+                      <a:txBody>
+                        <a:bodyPr/>
+                        <a:lstStyle/>
+                        <a:p>
+                          <a:endParaRPr lang="ko-KR"/>
+                        </a:p>
+                      </a:txBody>
+                      <a:tcPr>
+                        <a:blipFill>
+                          <a:blip r:embed="rId7"/>
+                          <a:stretch>
+                            <a:fillRect l="-302098" t="-2857" r="-103497" b="-614286"/>
+                          </a:stretch>
+                        </a:blipFill>
+                      </a:tcPr>
+                    </a:tc>
+                    <a:tc>
+                      <a:txBody>
+                        <a:bodyPr/>
+                        <a:lstStyle/>
+                        <a:p>
+                          <a:endParaRPr lang="ko-KR"/>
+                        </a:p>
+                      </a:txBody>
+                      <a:tcPr>
+                        <a:blipFill>
+                          <a:blip r:embed="rId7"/>
+                          <a:stretch>
+                            <a:fillRect l="-399306" t="-2857" r="-2778" b="-614286"/>
+                          </a:stretch>
+                        </a:blipFill>
+                      </a:tcPr>
+                    </a:tc>
+                    <a:extLst>
+                      <a:ext uri="{0D108BD9-81ED-4DB2-BD59-A6C34878D82A}">
+                        <a16:rowId xmlns:a16="http://schemas.microsoft.com/office/drawing/2014/main" val="3623147733"/>
+                      </a:ext>
+                    </a:extLst>
+                  </a:tr>
+                  <a:tr h="213360">
+                    <a:tc>
+                      <a:txBody>
+                        <a:bodyPr/>
+                        <a:lstStyle/>
+                        <a:p>
+                          <a:endParaRPr lang="ko-KR"/>
+                        </a:p>
+                      </a:txBody>
+                      <a:tcPr>
+                        <a:blipFill>
+                          <a:blip r:embed="rId7"/>
+                          <a:stretch>
+                            <a:fillRect l="-621" t="-102857" r="-348447" b="-514286"/>
+                          </a:stretch>
+                        </a:blipFill>
+                      </a:tcPr>
+                    </a:tc>
+                    <a:tc>
+                      <a:txBody>
+                        <a:bodyPr/>
+                        <a:lstStyle/>
+                        <a:p>
+                          <a:pPr algn="ctr" latinLnBrk="1"/>
+                          <a:r>
+                            <a:rPr lang="en-US" altLang="ko-KR" sz="800" dirty="0"/>
+                            <a:t>0</a:t>
+                          </a:r>
+                          <a:endParaRPr lang="ko-KR" altLang="en-US" sz="800" dirty="0"/>
+                        </a:p>
+                      </a:txBody>
+                      <a:tcPr/>
+                    </a:tc>
+                    <a:tc>
+                      <a:txBody>
+                        <a:bodyPr/>
+                        <a:lstStyle/>
+                        <a:p>
+                          <a:pPr algn="ctr" latinLnBrk="1"/>
+                          <a:r>
+                            <a:rPr lang="en-US" altLang="ko-KR" sz="800" dirty="0"/>
+                            <a:t>1</a:t>
+                          </a:r>
+                          <a:endParaRPr lang="ko-KR" altLang="en-US" sz="800" dirty="0"/>
+                        </a:p>
+                      </a:txBody>
+                      <a:tcPr/>
+                    </a:tc>
+                    <a:tc>
+                      <a:txBody>
+                        <a:bodyPr/>
+                        <a:lstStyle/>
+                        <a:p>
+                          <a:pPr algn="ctr" latinLnBrk="1"/>
+                          <a:r>
+                            <a:rPr lang="en-US" altLang="ko-KR" sz="800" dirty="0"/>
+                            <a:t>0</a:t>
+                          </a:r>
+                          <a:endParaRPr lang="ko-KR" altLang="en-US" sz="800" dirty="0"/>
+                        </a:p>
+                      </a:txBody>
+                      <a:tcPr/>
+                    </a:tc>
+                    <a:tc>
+                      <a:txBody>
+                        <a:bodyPr/>
+                        <a:lstStyle/>
+                        <a:p>
+                          <a:pPr algn="ctr" latinLnBrk="1"/>
+                          <a:r>
+                            <a:rPr lang="en-US" altLang="ko-KR" sz="800" dirty="0"/>
+                            <a:t>1</a:t>
+                          </a:r>
+                          <a:endParaRPr lang="ko-KR" altLang="en-US" sz="800" dirty="0"/>
+                        </a:p>
+                      </a:txBody>
+                      <a:tcPr/>
+                    </a:tc>
+                    <a:extLst>
+                      <a:ext uri="{0D108BD9-81ED-4DB2-BD59-A6C34878D82A}">
+                        <a16:rowId xmlns:a16="http://schemas.microsoft.com/office/drawing/2014/main" val="1619724086"/>
+                      </a:ext>
+                    </a:extLst>
+                  </a:tr>
+                  <a:tr h="213360">
+                    <a:tc>
+                      <a:txBody>
+                        <a:bodyPr/>
+                        <a:lstStyle/>
+                        <a:p>
+                          <a:endParaRPr lang="ko-KR"/>
+                        </a:p>
+                      </a:txBody>
+                      <a:tcPr>
+                        <a:blipFill>
+                          <a:blip r:embed="rId7"/>
+                          <a:stretch>
+                            <a:fillRect l="-621" t="-202857" r="-348447" b="-414286"/>
+                          </a:stretch>
+                        </a:blipFill>
+                      </a:tcPr>
+                    </a:tc>
+                    <a:tc>
+                      <a:txBody>
+                        <a:bodyPr/>
+                        <a:lstStyle/>
+                        <a:p>
+                          <a:pPr algn="ctr" latinLnBrk="1"/>
+                          <a:r>
+                            <a:rPr lang="en-US" altLang="ko-KR" sz="800" dirty="0"/>
+                            <a:t>1</a:t>
+                          </a:r>
+                          <a:endParaRPr lang="ko-KR" altLang="en-US" sz="800" dirty="0"/>
+                        </a:p>
+                      </a:txBody>
+                      <a:tcPr/>
+                    </a:tc>
+                    <a:tc>
+                      <a:txBody>
+                        <a:bodyPr/>
+                        <a:lstStyle/>
+                        <a:p>
+                          <a:pPr algn="ctr" latinLnBrk="1"/>
+                          <a:r>
+                            <a:rPr lang="en-US" altLang="ko-KR" sz="800" dirty="0"/>
+                            <a:t>1</a:t>
+                          </a:r>
+                          <a:endParaRPr lang="ko-KR" altLang="en-US" sz="800" dirty="0"/>
+                        </a:p>
+                      </a:txBody>
+                      <a:tcPr/>
+                    </a:tc>
+                    <a:tc>
+                      <a:txBody>
+                        <a:bodyPr/>
+                        <a:lstStyle/>
+                        <a:p>
+                          <a:pPr algn="ctr" latinLnBrk="1"/>
+                          <a:r>
+                            <a:rPr lang="en-US" altLang="ko-KR" sz="800" dirty="0"/>
+                            <a:t>0</a:t>
+                          </a:r>
+                          <a:endParaRPr lang="ko-KR" altLang="en-US" sz="800" dirty="0"/>
+                        </a:p>
+                      </a:txBody>
+                      <a:tcPr/>
+                    </a:tc>
+                    <a:tc>
+                      <a:txBody>
+                        <a:bodyPr/>
+                        <a:lstStyle/>
+                        <a:p>
+                          <a:pPr algn="ctr" latinLnBrk="1"/>
+                          <a:r>
+                            <a:rPr lang="en-US" altLang="ko-KR" sz="800" dirty="0"/>
+                            <a:t>0</a:t>
+                          </a:r>
+                          <a:endParaRPr lang="ko-KR" altLang="en-US" sz="800" dirty="0"/>
+                        </a:p>
+                      </a:txBody>
+                      <a:tcPr/>
+                    </a:tc>
+                    <a:extLst>
+                      <a:ext uri="{0D108BD9-81ED-4DB2-BD59-A6C34878D82A}">
+                        <a16:rowId xmlns:a16="http://schemas.microsoft.com/office/drawing/2014/main" val="3559261267"/>
+                      </a:ext>
+                    </a:extLst>
+                  </a:tr>
+                  <a:tr h="213360">
+                    <a:tc>
+                      <a:txBody>
+                        <a:bodyPr/>
+                        <a:lstStyle/>
+                        <a:p>
+                          <a:endParaRPr lang="ko-KR"/>
+                        </a:p>
+                      </a:txBody>
+                      <a:tcPr>
+                        <a:blipFill>
+                          <a:blip r:embed="rId7"/>
+                          <a:stretch>
+                            <a:fillRect l="-621" t="-294444" r="-348447" b="-302778"/>
+                          </a:stretch>
+                        </a:blipFill>
+                      </a:tcPr>
+                    </a:tc>
+                    <a:tc>
+                      <a:txBody>
+                        <a:bodyPr/>
+                        <a:lstStyle/>
+                        <a:p>
+                          <a:pPr algn="ctr" latinLnBrk="1"/>
+                          <a:r>
+                            <a:rPr lang="en-US" altLang="ko-KR" sz="800" dirty="0"/>
+                            <a:t>1</a:t>
+                          </a:r>
+                          <a:endParaRPr lang="ko-KR" altLang="en-US" sz="800" dirty="0"/>
+                        </a:p>
+                      </a:txBody>
+                      <a:tcPr/>
+                    </a:tc>
+                    <a:tc>
+                      <a:txBody>
+                        <a:bodyPr/>
+                        <a:lstStyle/>
+                        <a:p>
+                          <a:pPr algn="ctr" latinLnBrk="1"/>
+                          <a:r>
+                            <a:rPr lang="en-US" altLang="ko-KR" sz="800" dirty="0"/>
+                            <a:t>1</a:t>
+                          </a:r>
+                          <a:endParaRPr lang="ko-KR" altLang="en-US" sz="800" dirty="0"/>
+                        </a:p>
+                      </a:txBody>
+                      <a:tcPr/>
+                    </a:tc>
+                    <a:tc>
+                      <a:txBody>
+                        <a:bodyPr/>
+                        <a:lstStyle/>
+                        <a:p>
+                          <a:pPr algn="ctr" latinLnBrk="1"/>
+                          <a:r>
+                            <a:rPr lang="en-US" altLang="ko-KR" sz="800" dirty="0"/>
+                            <a:t>0</a:t>
+                          </a:r>
+                          <a:endParaRPr lang="ko-KR" altLang="en-US" sz="800" dirty="0"/>
+                        </a:p>
+                      </a:txBody>
+                      <a:tcPr/>
+                    </a:tc>
+                    <a:tc>
+                      <a:txBody>
+                        <a:bodyPr/>
+                        <a:lstStyle/>
+                        <a:p>
+                          <a:pPr algn="ctr" latinLnBrk="1"/>
+                          <a:r>
+                            <a:rPr lang="en-US" altLang="ko-KR" sz="800" dirty="0"/>
+                            <a:t>0</a:t>
+                          </a:r>
+                          <a:endParaRPr lang="ko-KR" altLang="en-US" sz="800" dirty="0"/>
+                        </a:p>
+                      </a:txBody>
+                      <a:tcPr/>
+                    </a:tc>
+                    <a:extLst>
+                      <a:ext uri="{0D108BD9-81ED-4DB2-BD59-A6C34878D82A}">
+                        <a16:rowId xmlns:a16="http://schemas.microsoft.com/office/drawing/2014/main" val="692764268"/>
+                      </a:ext>
+                    </a:extLst>
+                  </a:tr>
+                  <a:tr h="213360">
+                    <a:tc>
+                      <a:txBody>
+                        <a:bodyPr/>
+                        <a:lstStyle/>
+                        <a:p>
+                          <a:endParaRPr lang="ko-KR"/>
+                        </a:p>
+                      </a:txBody>
+                      <a:tcPr>
+                        <a:blipFill>
+                          <a:blip r:embed="rId7"/>
+                          <a:stretch>
+                            <a:fillRect l="-621" t="-405714" r="-348447" b="-211429"/>
+                          </a:stretch>
+                        </a:blipFill>
+                      </a:tcPr>
+                    </a:tc>
+                    <a:tc>
+                      <a:txBody>
+                        <a:bodyPr/>
+                        <a:lstStyle/>
+                        <a:p>
+                          <a:pPr algn="ctr" latinLnBrk="1"/>
+                          <a:r>
+                            <a:rPr lang="en-US" altLang="ko-KR" sz="800" dirty="0"/>
+                            <a:t>1</a:t>
+                          </a:r>
+                          <a:endParaRPr lang="ko-KR" altLang="en-US" sz="800" dirty="0"/>
+                        </a:p>
+                      </a:txBody>
+                      <a:tcPr/>
+                    </a:tc>
+                    <a:tc>
+                      <a:txBody>
+                        <a:bodyPr/>
+                        <a:lstStyle/>
+                        <a:p>
+                          <a:pPr algn="ctr" latinLnBrk="1"/>
+                          <a:r>
+                            <a:rPr lang="en-US" altLang="ko-KR" sz="800" dirty="0"/>
+                            <a:t>1</a:t>
+                          </a:r>
+                          <a:endParaRPr lang="ko-KR" altLang="en-US" sz="800" dirty="0"/>
+                        </a:p>
+                      </a:txBody>
+                      <a:tcPr/>
+                    </a:tc>
+                    <a:tc>
+                      <a:txBody>
+                        <a:bodyPr/>
+                        <a:lstStyle/>
+                        <a:p>
+                          <a:pPr algn="ctr" latinLnBrk="1"/>
+                          <a:r>
+                            <a:rPr lang="en-US" altLang="ko-KR" sz="800" dirty="0"/>
+                            <a:t>1</a:t>
+                          </a:r>
+                          <a:endParaRPr lang="ko-KR" altLang="en-US" sz="800" dirty="0"/>
+                        </a:p>
+                      </a:txBody>
+                      <a:tcPr/>
+                    </a:tc>
+                    <a:tc>
+                      <a:txBody>
+                        <a:bodyPr/>
+                        <a:lstStyle/>
+                        <a:p>
+                          <a:pPr algn="ctr" latinLnBrk="1"/>
+                          <a:r>
+                            <a:rPr lang="en-US" altLang="ko-KR" sz="800" dirty="0"/>
+                            <a:t>0</a:t>
+                          </a:r>
+                          <a:endParaRPr lang="ko-KR" altLang="en-US" sz="800" dirty="0"/>
+                        </a:p>
+                      </a:txBody>
+                      <a:tcPr/>
+                    </a:tc>
+                    <a:extLst>
+                      <a:ext uri="{0D108BD9-81ED-4DB2-BD59-A6C34878D82A}">
+                        <a16:rowId xmlns:a16="http://schemas.microsoft.com/office/drawing/2014/main" val="555406816"/>
+                      </a:ext>
+                    </a:extLst>
+                  </a:tr>
+                  <a:tr h="213360">
+                    <a:tc>
+                      <a:txBody>
+                        <a:bodyPr/>
+                        <a:lstStyle/>
+                        <a:p>
+                          <a:endParaRPr lang="ko-KR"/>
+                        </a:p>
+                      </a:txBody>
+                      <a:tcPr>
+                        <a:blipFill>
+                          <a:blip r:embed="rId7"/>
+                          <a:stretch>
+                            <a:fillRect l="-621" t="-505714" r="-348447" b="-111429"/>
+                          </a:stretch>
+                        </a:blipFill>
+                      </a:tcPr>
+                    </a:tc>
+                    <a:tc>
+                      <a:txBody>
+                        <a:bodyPr/>
+                        <a:lstStyle/>
+                        <a:p>
+                          <a:pPr algn="ctr" latinLnBrk="1"/>
+                          <a:r>
+                            <a:rPr lang="en-US" altLang="ko-KR" sz="800" dirty="0"/>
+                            <a:t>0</a:t>
+                          </a:r>
+                          <a:endParaRPr lang="ko-KR" altLang="en-US" sz="800" dirty="0"/>
+                        </a:p>
+                      </a:txBody>
+                      <a:tcPr/>
+                    </a:tc>
+                    <a:tc>
+                      <a:txBody>
+                        <a:bodyPr/>
+                        <a:lstStyle/>
+                        <a:p>
+                          <a:pPr algn="ctr" latinLnBrk="1"/>
+                          <a:r>
+                            <a:rPr lang="en-US" altLang="ko-KR" sz="800" dirty="0"/>
+                            <a:t>1</a:t>
+                          </a:r>
+                          <a:endParaRPr lang="ko-KR" altLang="en-US" sz="800" dirty="0"/>
+                        </a:p>
+                      </a:txBody>
+                      <a:tcPr/>
+                    </a:tc>
+                    <a:tc>
+                      <a:txBody>
+                        <a:bodyPr/>
+                        <a:lstStyle/>
+                        <a:p>
+                          <a:pPr algn="ctr" latinLnBrk="1"/>
+                          <a:r>
+                            <a:rPr lang="en-US" altLang="ko-KR" sz="800" dirty="0"/>
+                            <a:t>1</a:t>
+                          </a:r>
+                          <a:endParaRPr lang="ko-KR" altLang="en-US" sz="800" dirty="0"/>
+                        </a:p>
+                      </a:txBody>
+                      <a:tcPr/>
+                    </a:tc>
+                    <a:tc>
+                      <a:txBody>
+                        <a:bodyPr/>
+                        <a:lstStyle/>
+                        <a:p>
+                          <a:pPr algn="ctr" latinLnBrk="1"/>
+                          <a:r>
+                            <a:rPr lang="en-US" altLang="ko-KR" sz="800" dirty="0"/>
+                            <a:t>1</a:t>
+                          </a:r>
+                          <a:endParaRPr lang="ko-KR" altLang="en-US" sz="800" dirty="0"/>
+                        </a:p>
+                      </a:txBody>
+                      <a:tcPr/>
+                    </a:tc>
+                    <a:extLst>
+                      <a:ext uri="{0D108BD9-81ED-4DB2-BD59-A6C34878D82A}">
+                        <a16:rowId xmlns:a16="http://schemas.microsoft.com/office/drawing/2014/main" val="2446665172"/>
+                      </a:ext>
+                    </a:extLst>
+                  </a:tr>
+                  <a:tr h="213360">
+                    <a:tc>
+                      <a:txBody>
+                        <a:bodyPr/>
+                        <a:lstStyle/>
+                        <a:p>
+                          <a:endParaRPr lang="ko-KR"/>
+                        </a:p>
+                      </a:txBody>
+                      <a:tcPr>
+                        <a:blipFill>
+                          <a:blip r:embed="rId7"/>
+                          <a:stretch>
+                            <a:fillRect l="-621" t="-605714" r="-348447" b="-11429"/>
+                          </a:stretch>
+                        </a:blipFill>
+                      </a:tcPr>
+                    </a:tc>
+                    <a:tc>
+                      <a:txBody>
+                        <a:bodyPr/>
+                        <a:lstStyle/>
+                        <a:p>
+                          <a:pPr algn="ctr" latinLnBrk="1"/>
+                          <a:r>
+                            <a:rPr lang="en-US" altLang="ko-KR" sz="800" dirty="0"/>
+                            <a:t>0</a:t>
+                          </a:r>
+                          <a:endParaRPr lang="ko-KR" altLang="en-US" sz="800" dirty="0"/>
+                        </a:p>
+                      </a:txBody>
+                      <a:tcPr/>
+                    </a:tc>
+                    <a:tc>
+                      <a:txBody>
+                        <a:bodyPr/>
+                        <a:lstStyle/>
+                        <a:p>
+                          <a:pPr algn="ctr" latinLnBrk="1"/>
+                          <a:r>
+                            <a:rPr lang="en-US" altLang="ko-KR" sz="800" dirty="0"/>
+                            <a:t>1</a:t>
+                          </a:r>
+                          <a:endParaRPr lang="ko-KR" altLang="en-US" sz="800" dirty="0"/>
+                        </a:p>
+                      </a:txBody>
+                      <a:tcPr/>
+                    </a:tc>
+                    <a:tc>
+                      <a:txBody>
+                        <a:bodyPr/>
+                        <a:lstStyle/>
+                        <a:p>
+                          <a:pPr algn="ctr" latinLnBrk="1"/>
+                          <a:r>
+                            <a:rPr lang="en-US" altLang="ko-KR" sz="800" dirty="0"/>
+                            <a:t>1</a:t>
+                          </a:r>
+                          <a:endParaRPr lang="ko-KR" altLang="en-US" sz="800" dirty="0"/>
+                        </a:p>
+                      </a:txBody>
+                      <a:tcPr/>
+                    </a:tc>
+                    <a:tc>
+                      <a:txBody>
+                        <a:bodyPr/>
+                        <a:lstStyle/>
+                        <a:p>
+                          <a:pPr algn="ctr" latinLnBrk="1"/>
+                          <a:r>
+                            <a:rPr lang="en-US" altLang="ko-KR" sz="800" dirty="0"/>
+                            <a:t>1</a:t>
+                          </a:r>
+                          <a:endParaRPr lang="ko-KR" altLang="en-US" sz="800" dirty="0"/>
+                        </a:p>
+                      </a:txBody>
+                      <a:tcPr/>
+                    </a:tc>
+                    <a:extLst>
+                      <a:ext uri="{0D108BD9-81ED-4DB2-BD59-A6C34878D82A}">
+                        <a16:rowId xmlns:a16="http://schemas.microsoft.com/office/drawing/2014/main" val="1976906470"/>
+                      </a:ext>
+                    </a:extLst>
+                  </a:tr>
+                </a:tbl>
+              </a:graphicData>
+            </a:graphic>
+          </p:graphicFrame>
+        </mc:Fallback>
+      </mc:AlternateContent>
+      <p:grpSp>
+        <p:nvGrpSpPr>
+          <p:cNvPr id="7" name="그룹 6">
             <a:extLst>
               <a:ext uri="{FF2B5EF4-FFF2-40B4-BE49-F238E27FC236}">
-                <a16:creationId xmlns:a16="http://schemas.microsoft.com/office/drawing/2014/main" id="{0C7337D5-99BC-4767-9B65-5D1C7A99C1BD}"/>
-              </a:ext>
-            </a:extLst>
-          </p:cNvPr>
-          <p:cNvSpPr/>
-          <p:nvPr/>
-        </p:nvSpPr>
-        <p:spPr>
-          <a:xfrm>
-            <a:off x="4384782" y="3955786"/>
-            <a:ext cx="64896" cy="66392"/>
-          </a:xfrm>
-          <a:prstGeom prst="ellipse">
-            <a:avLst/>
-          </a:prstGeom>
-        </p:spPr>
-        <p:style>
-          <a:lnRef idx="2">
-            <a:schemeClr val="accent4">
-              <a:shade val="50000"/>
-            </a:schemeClr>
-          </a:lnRef>
-          <a:fillRef idx="1">
-            <a:schemeClr val="accent4"/>
-          </a:fillRef>
-          <a:effectRef idx="0">
-            <a:schemeClr val="accent4"/>
-          </a:effectRef>
-          <a:fontRef idx="minor">
-            <a:schemeClr val="lt1"/>
-          </a:fontRef>
-        </p:style>
-        <p:txBody>
-          <a:bodyPr rtlCol="0" anchor="ctr"/>
-          <a:lstStyle/>
-          <a:p>
-            <a:pPr algn="ctr"/>
-            <a:endParaRPr lang="ko-KR" altLang="en-US" dirty="0"/>
-          </a:p>
-        </p:txBody>
-      </p:sp>
-      <p:sp>
-        <p:nvSpPr>
-          <p:cNvPr id="29" name="TextBox 28">
-            <a:extLst>
-              <a:ext uri="{FF2B5EF4-FFF2-40B4-BE49-F238E27FC236}">
-                <a16:creationId xmlns:a16="http://schemas.microsoft.com/office/drawing/2014/main" id="{E75F38D5-C683-47A0-B174-7DBCEDF7F173}"/>
-              </a:ext>
-            </a:extLst>
-          </p:cNvPr>
-          <p:cNvSpPr txBox="1"/>
-          <p:nvPr/>
-        </p:nvSpPr>
-        <p:spPr>
-          <a:xfrm>
-            <a:off x="4452678" y="3875475"/>
-            <a:ext cx="3265638" cy="261610"/>
-          </a:xfrm>
-          <a:prstGeom prst="rect">
-            <a:avLst/>
-          </a:prstGeom>
-          <a:noFill/>
-        </p:spPr>
-        <p:txBody>
-          <a:bodyPr wrap="none" rtlCol="0">
-            <a:spAutoFit/>
-          </a:bodyPr>
-          <a:lstStyle/>
-          <a:p>
-            <a:r>
-              <a:rPr lang="en-US" altLang="ko-KR" sz="1100" dirty="0"/>
-              <a:t>S,R,E Tag   [ST, RT, ET] : </a:t>
-            </a:r>
-            <a:r>
-              <a:rPr lang="ko-KR" altLang="en-US" sz="1100" dirty="0"/>
-              <a:t>인터페이스</a:t>
-            </a:r>
-            <a:r>
-              <a:rPr lang="en-US" altLang="ko-KR" sz="1100" dirty="0"/>
-              <a:t> </a:t>
-            </a:r>
-            <a:r>
-              <a:rPr lang="ko-KR" altLang="en-US" sz="1100" dirty="0"/>
-              <a:t>전송 데이터</a:t>
-            </a:r>
-          </a:p>
-        </p:txBody>
-      </p:sp>
-      <p:sp>
-        <p:nvSpPr>
-          <p:cNvPr id="30" name="타원 29">
-            <a:extLst>
-              <a:ext uri="{FF2B5EF4-FFF2-40B4-BE49-F238E27FC236}">
-                <a16:creationId xmlns:a16="http://schemas.microsoft.com/office/drawing/2014/main" id="{27C0C633-47CD-420B-889A-2EF14C500C85}"/>
-              </a:ext>
-            </a:extLst>
-          </p:cNvPr>
-          <p:cNvSpPr/>
-          <p:nvPr/>
-        </p:nvSpPr>
-        <p:spPr>
-          <a:xfrm>
-            <a:off x="4381782" y="4125758"/>
-            <a:ext cx="64896" cy="66392"/>
-          </a:xfrm>
-          <a:prstGeom prst="ellipse">
-            <a:avLst/>
-          </a:prstGeom>
-        </p:spPr>
-        <p:style>
-          <a:lnRef idx="2">
-            <a:schemeClr val="accent6">
-              <a:shade val="50000"/>
-            </a:schemeClr>
-          </a:lnRef>
-          <a:fillRef idx="1">
-            <a:schemeClr val="accent6"/>
-          </a:fillRef>
-          <a:effectRef idx="0">
-            <a:schemeClr val="accent6"/>
-          </a:effectRef>
-          <a:fontRef idx="minor">
-            <a:schemeClr val="lt1"/>
-          </a:fontRef>
-        </p:style>
-        <p:txBody>
-          <a:bodyPr rtlCol="0" anchor="ctr"/>
-          <a:lstStyle/>
-          <a:p>
-            <a:pPr algn="ctr"/>
-            <a:endParaRPr lang="ko-KR" altLang="en-US" dirty="0"/>
-          </a:p>
-        </p:txBody>
-      </p:sp>
-      <p:sp>
-        <p:nvSpPr>
-          <p:cNvPr id="31" name="TextBox 30">
-            <a:extLst>
-              <a:ext uri="{FF2B5EF4-FFF2-40B4-BE49-F238E27FC236}">
-                <a16:creationId xmlns:a16="http://schemas.microsoft.com/office/drawing/2014/main" id="{2A669B62-1DAF-4B90-9BD7-07BC2F446661}"/>
-              </a:ext>
-            </a:extLst>
-          </p:cNvPr>
-          <p:cNvSpPr txBox="1"/>
-          <p:nvPr/>
-        </p:nvSpPr>
-        <p:spPr>
-          <a:xfrm>
-            <a:off x="4449678" y="4033494"/>
-            <a:ext cx="2760692" cy="261610"/>
-          </a:xfrm>
-          <a:prstGeom prst="rect">
-            <a:avLst/>
-          </a:prstGeom>
-          <a:noFill/>
-        </p:spPr>
-        <p:txBody>
-          <a:bodyPr wrap="none" rtlCol="0">
-            <a:spAutoFit/>
-          </a:bodyPr>
-          <a:lstStyle/>
-          <a:p>
-            <a:r>
-              <a:rPr lang="en-US" altLang="ko-KR" sz="1100" dirty="0"/>
-              <a:t>S,R,E Relay [SR, RR, ER] : Edge</a:t>
-            </a:r>
-            <a:r>
-              <a:rPr lang="ko-KR" altLang="en-US" sz="1100" dirty="0"/>
-              <a:t> 수행 </a:t>
-            </a:r>
-            <a:r>
-              <a:rPr lang="en-US" altLang="ko-KR" sz="1100" dirty="0"/>
-              <a:t>Flag</a:t>
-            </a:r>
-            <a:endParaRPr lang="ko-KR" altLang="en-US" sz="1100" dirty="0"/>
-          </a:p>
-        </p:txBody>
-      </p:sp>
-      <p:sp>
-        <p:nvSpPr>
-          <p:cNvPr id="32" name="직사각형 31">
-            <a:extLst>
-              <a:ext uri="{FF2B5EF4-FFF2-40B4-BE49-F238E27FC236}">
-                <a16:creationId xmlns:a16="http://schemas.microsoft.com/office/drawing/2014/main" id="{58B0C4A2-D32E-4182-977A-588D2E5D81D9}"/>
-              </a:ext>
-            </a:extLst>
-          </p:cNvPr>
-          <p:cNvSpPr/>
-          <p:nvPr/>
-        </p:nvSpPr>
-        <p:spPr>
-          <a:xfrm>
-            <a:off x="4796461" y="2388383"/>
-            <a:ext cx="516885" cy="139730"/>
-          </a:xfrm>
-          <a:prstGeom prst="rect">
-            <a:avLst/>
-          </a:prstGeom>
-          <a:solidFill>
-            <a:schemeClr val="accent3">
-              <a:alpha val="50000"/>
-            </a:schemeClr>
-          </a:solidFill>
-          <a:ln>
-            <a:noFill/>
-          </a:ln>
-        </p:spPr>
-        <p:style>
-          <a:lnRef idx="0">
-            <a:scrgbClr r="0" g="0" b="0"/>
-          </a:lnRef>
-          <a:fillRef idx="0">
-            <a:scrgbClr r="0" g="0" b="0"/>
-          </a:fillRef>
-          <a:effectRef idx="0">
-            <a:scrgbClr r="0" g="0" b="0"/>
-          </a:effectRef>
-          <a:fontRef idx="minor">
-            <a:schemeClr val="lt1"/>
-          </a:fontRef>
-        </p:style>
-        <p:txBody>
-          <a:bodyPr rtlCol="0" anchor="ctr"/>
-          <a:lstStyle/>
-          <a:p>
-            <a:pPr algn="ctr"/>
-            <a:r>
-              <a:rPr lang="en-US" altLang="ko-KR" sz="800" dirty="0"/>
-              <a:t>S1_SP</a:t>
-            </a:r>
-            <a:endParaRPr lang="ko-KR" altLang="en-US" sz="800" dirty="0"/>
-          </a:p>
-        </p:txBody>
-      </p:sp>
-      <p:grpSp>
-        <p:nvGrpSpPr>
-          <p:cNvPr id="33" name="그룹 32">
-            <a:extLst>
-              <a:ext uri="{FF2B5EF4-FFF2-40B4-BE49-F238E27FC236}">
-                <a16:creationId xmlns:a16="http://schemas.microsoft.com/office/drawing/2014/main" id="{8375BE0C-DB12-4C05-B14A-8ED69325883C}"/>
+                <a16:creationId xmlns:a16="http://schemas.microsoft.com/office/drawing/2014/main" id="{884B5CD0-8939-498F-BD1A-192A846873EB}"/>
               </a:ext>
             </a:extLst>
           </p:cNvPr>
@@ -4714,38 +7120,202 @@
         </p:nvGrpSpPr>
         <p:grpSpPr>
           <a:xfrm>
-            <a:off x="4745691" y="2188219"/>
-            <a:ext cx="3040943" cy="374152"/>
-            <a:chOff x="736159" y="2383119"/>
-            <a:chExt cx="4636689" cy="838200"/>
+            <a:off x="3451342" y="4657518"/>
+            <a:ext cx="2457450" cy="2139818"/>
+            <a:chOff x="1552221" y="1958429"/>
+            <a:chExt cx="4831080" cy="4452806"/>
           </a:xfrm>
         </p:grpSpPr>
+        <p:pic>
+          <p:nvPicPr>
+            <p:cNvPr id="12" name="그림 11" descr="풀볼이(가) 표시된 사진&#10;&#10;자동 생성된 설명">
+              <a:extLst>
+                <a:ext uri="{FF2B5EF4-FFF2-40B4-BE49-F238E27FC236}">
+                  <a16:creationId xmlns:a16="http://schemas.microsoft.com/office/drawing/2014/main" id="{9A22ECE5-8997-45D7-82F4-4AA8CF27EA12}"/>
+                </a:ext>
+              </a:extLst>
+            </p:cNvPr>
+            <p:cNvPicPr>
+              <a:picLocks noChangeAspect="1"/>
+            </p:cNvPicPr>
+            <p:nvPr/>
+          </p:nvPicPr>
+          <p:blipFill rotWithShape="1">
+            <a:blip r:embed="rId8">
+              <a:alphaModFix amt="35000"/>
+              <a:extLst>
+                <a:ext uri="{28A0092B-C50C-407E-A947-70E740481C1C}">
+                  <a14:useLocalDpi xmlns:a14="http://schemas.microsoft.com/office/drawing/2010/main" val="0"/>
+                </a:ext>
+              </a:extLst>
+            </a:blip>
+            <a:srcRect l="17381" t="10467" r="13443" b="24635"/>
+            <a:stretch/>
+          </p:blipFill>
+          <p:spPr>
+            <a:xfrm>
+              <a:off x="1552221" y="1958429"/>
+              <a:ext cx="4831080" cy="4452806"/>
+            </a:xfrm>
+            <a:prstGeom prst="rect">
+              <a:avLst/>
+            </a:prstGeom>
+          </p:spPr>
+        </p:pic>
+        <p:pic>
+          <p:nvPicPr>
+            <p:cNvPr id="13" name="그림 12">
+              <a:extLst>
+                <a:ext uri="{FF2B5EF4-FFF2-40B4-BE49-F238E27FC236}">
+                  <a16:creationId xmlns:a16="http://schemas.microsoft.com/office/drawing/2014/main" id="{B551FBD4-2312-40C7-AEE2-E85B59686FC4}"/>
+                </a:ext>
+              </a:extLst>
+            </p:cNvPr>
+            <p:cNvPicPr>
+              <a:picLocks noChangeAspect="1"/>
+            </p:cNvPicPr>
+            <p:nvPr/>
+          </p:nvPicPr>
+          <p:blipFill>
+            <a:blip r:embed="rId9">
+              <a:duotone>
+                <a:prstClr val="black"/>
+                <a:schemeClr val="accent3">
+                  <a:tint val="45000"/>
+                  <a:satMod val="400000"/>
+                </a:schemeClr>
+              </a:duotone>
+              <a:extLst>
+                <a:ext uri="{28A0092B-C50C-407E-A947-70E740481C1C}">
+                  <a14:useLocalDpi xmlns:a14="http://schemas.microsoft.com/office/drawing/2010/main" val="0"/>
+                </a:ext>
+              </a:extLst>
+            </a:blip>
+            <a:stretch>
+              <a:fillRect/>
+            </a:stretch>
+          </p:blipFill>
+          <p:spPr>
+            <a:xfrm>
+              <a:off x="1979455" y="3802989"/>
+              <a:ext cx="763691" cy="763691"/>
+            </a:xfrm>
+            <a:prstGeom prst="rect">
+              <a:avLst/>
+            </a:prstGeom>
+          </p:spPr>
+        </p:pic>
+        <p:pic>
+          <p:nvPicPr>
+            <p:cNvPr id="14" name="그림 13" descr="옅은이(가) 표시된 사진&#10;&#10;자동 생성된 설명">
+              <a:extLst>
+                <a:ext uri="{FF2B5EF4-FFF2-40B4-BE49-F238E27FC236}">
+                  <a16:creationId xmlns:a16="http://schemas.microsoft.com/office/drawing/2014/main" id="{979068A3-B0AC-4C79-98CF-4FE69AEEBE60}"/>
+                </a:ext>
+              </a:extLst>
+            </p:cNvPr>
+            <p:cNvPicPr>
+              <a:picLocks noChangeAspect="1"/>
+            </p:cNvPicPr>
+            <p:nvPr/>
+          </p:nvPicPr>
+          <p:blipFill>
+            <a:blip r:embed="rId10">
+              <a:duotone>
+                <a:prstClr val="black"/>
+                <a:schemeClr val="accent3">
+                  <a:tint val="45000"/>
+                  <a:satMod val="400000"/>
+                </a:schemeClr>
+              </a:duotone>
+              <a:extLst>
+                <a:ext uri="{28A0092B-C50C-407E-A947-70E740481C1C}">
+                  <a14:useLocalDpi xmlns:a14="http://schemas.microsoft.com/office/drawing/2010/main" val="0"/>
+                </a:ext>
+              </a:extLst>
+            </a:blip>
+            <a:stretch>
+              <a:fillRect/>
+            </a:stretch>
+          </p:blipFill>
+          <p:spPr>
+            <a:xfrm>
+              <a:off x="3333798" y="4696199"/>
+              <a:ext cx="823921" cy="703464"/>
+            </a:xfrm>
+            <a:prstGeom prst="rect">
+              <a:avLst/>
+            </a:prstGeom>
+          </p:spPr>
+        </p:pic>
+        <p:pic>
+          <p:nvPicPr>
+            <p:cNvPr id="16" name="그림 15" descr="풀볼이(가) 표시된 사진&#10;&#10;자동 생성된 설명">
+              <a:extLst>
+                <a:ext uri="{FF2B5EF4-FFF2-40B4-BE49-F238E27FC236}">
+                  <a16:creationId xmlns:a16="http://schemas.microsoft.com/office/drawing/2014/main" id="{2DC56482-6110-4E40-AE53-649257395E66}"/>
+                </a:ext>
+              </a:extLst>
+            </p:cNvPr>
+            <p:cNvPicPr>
+              <a:picLocks noChangeAspect="1"/>
+            </p:cNvPicPr>
+            <p:nvPr/>
+          </p:nvPicPr>
+          <p:blipFill>
+            <a:blip r:embed="rId8">
+              <a:duotone>
+                <a:prstClr val="black"/>
+                <a:schemeClr val="accent2">
+                  <a:tint val="45000"/>
+                  <a:satMod val="400000"/>
+                </a:schemeClr>
+              </a:duotone>
+              <a:extLst>
+                <a:ext uri="{28A0092B-C50C-407E-A947-70E740481C1C}">
+                  <a14:useLocalDpi xmlns:a14="http://schemas.microsoft.com/office/drawing/2010/main" val="0"/>
+                </a:ext>
+              </a:extLst>
+            </a:blip>
+            <a:stretch>
+              <a:fillRect/>
+            </a:stretch>
+          </p:blipFill>
+          <p:spPr>
+            <a:xfrm>
+              <a:off x="3778502" y="3466072"/>
+              <a:ext cx="823920" cy="809465"/>
+            </a:xfrm>
+            <a:prstGeom prst="rect">
+              <a:avLst/>
+            </a:prstGeom>
+          </p:spPr>
+        </p:pic>
         <p:cxnSp>
           <p:nvCxnSpPr>
-            <p:cNvPr id="34" name="직선 연결선 33">
+            <p:cNvPr id="19" name="직선 화살표 연결선 18">
               <a:extLst>
                 <a:ext uri="{FF2B5EF4-FFF2-40B4-BE49-F238E27FC236}">
-                  <a16:creationId xmlns:a16="http://schemas.microsoft.com/office/drawing/2014/main" id="{6279CB7D-BF78-4811-A3E1-8A4853EE81F8}"/>
+                  <a16:creationId xmlns:a16="http://schemas.microsoft.com/office/drawing/2014/main" id="{F699A37A-9026-46D2-9895-F4652E9805A7}"/>
                 </a:ext>
               </a:extLst>
             </p:cNvPr>
             <p:cNvCxnSpPr>
-              <a:cxnSpLocks/>
+              <a:stCxn id="13" idx="3"/>
+              <a:endCxn id="16" idx="1"/>
             </p:cNvCxnSpPr>
             <p:nvPr/>
           </p:nvCxnSpPr>
           <p:spPr>
-            <a:xfrm>
-              <a:off x="736159" y="3221319"/>
-              <a:ext cx="2950049" cy="0"/>
+            <a:xfrm flipV="1">
+              <a:off x="2743146" y="3870805"/>
+              <a:ext cx="1035356" cy="314030"/>
             </a:xfrm>
-            <a:prstGeom prst="line">
+            <a:prstGeom prst="straightConnector1">
               <a:avLst/>
             </a:prstGeom>
             <a:ln>
-              <a:solidFill>
-                <a:schemeClr val="accent1"/>
-              </a:solidFill>
+              <a:tailEnd type="triangle"/>
             </a:ln>
           </p:spPr>
           <p:style>
@@ -4765,30 +7335,29 @@
         </p:cxnSp>
         <p:cxnSp>
           <p:nvCxnSpPr>
-            <p:cNvPr id="35" name="직선 연결선 34">
+            <p:cNvPr id="20" name="직선 화살표 연결선 19">
               <a:extLst>
                 <a:ext uri="{FF2B5EF4-FFF2-40B4-BE49-F238E27FC236}">
-                  <a16:creationId xmlns:a16="http://schemas.microsoft.com/office/drawing/2014/main" id="{C32A9C06-EF77-4912-BB2E-E01EE2A94899}"/>
+                  <a16:creationId xmlns:a16="http://schemas.microsoft.com/office/drawing/2014/main" id="{CA11249B-9D91-4DAD-A3CA-01FFF6CFF10F}"/>
                 </a:ext>
               </a:extLst>
             </p:cNvPr>
             <p:cNvCxnSpPr>
               <a:cxnSpLocks/>
+              <a:stCxn id="16" idx="3"/>
             </p:cNvCxnSpPr>
             <p:nvPr/>
           </p:nvCxnSpPr>
           <p:spPr>
             <a:xfrm>
-              <a:off x="4616728" y="3221319"/>
-              <a:ext cx="756120" cy="0"/>
+              <a:off x="4602422" y="3870805"/>
+              <a:ext cx="360189" cy="588610"/>
             </a:xfrm>
-            <a:prstGeom prst="line">
+            <a:prstGeom prst="straightConnector1">
               <a:avLst/>
             </a:prstGeom>
             <a:ln>
-              <a:solidFill>
-                <a:schemeClr val="accent1"/>
-              </a:solidFill>
+              <a:tailEnd type="triangle"/>
             </a:ln>
           </p:spPr>
           <p:style>
@@ -4808,30 +7377,29 @@
         </p:cxnSp>
         <p:cxnSp>
           <p:nvCxnSpPr>
-            <p:cNvPr id="36" name="직선 연결선 35">
+            <p:cNvPr id="21" name="직선 화살표 연결선 20">
               <a:extLst>
                 <a:ext uri="{FF2B5EF4-FFF2-40B4-BE49-F238E27FC236}">
-                  <a16:creationId xmlns:a16="http://schemas.microsoft.com/office/drawing/2014/main" id="{DDF4A95D-1420-41F8-9CC1-2E1A2410E4D4}"/>
+                  <a16:creationId xmlns:a16="http://schemas.microsoft.com/office/drawing/2014/main" id="{2CFEB9C8-6F23-495B-8CF1-656D3E383424}"/>
                 </a:ext>
               </a:extLst>
             </p:cNvPr>
             <p:cNvCxnSpPr>
               <a:cxnSpLocks/>
+              <a:stCxn id="13" idx="3"/>
             </p:cNvCxnSpPr>
             <p:nvPr/>
           </p:nvCxnSpPr>
           <p:spPr>
             <a:xfrm>
-              <a:off x="3686208" y="2383119"/>
-              <a:ext cx="930520" cy="0"/>
+              <a:off x="2743146" y="4184835"/>
+              <a:ext cx="683626" cy="732038"/>
             </a:xfrm>
-            <a:prstGeom prst="line">
+            <a:prstGeom prst="straightConnector1">
               <a:avLst/>
             </a:prstGeom>
             <a:ln>
-              <a:solidFill>
-                <a:schemeClr val="accent1"/>
-              </a:solidFill>
+              <a:tailEnd type="triangle"/>
             </a:ln>
           </p:spPr>
           <p:style>
@@ -4851,10 +7419,10 @@
         </p:cxnSp>
         <p:cxnSp>
           <p:nvCxnSpPr>
-            <p:cNvPr id="37" name="직선 연결선 36">
+            <p:cNvPr id="24" name="직선 화살표 연결선 23">
               <a:extLst>
                 <a:ext uri="{FF2B5EF4-FFF2-40B4-BE49-F238E27FC236}">
-                  <a16:creationId xmlns:a16="http://schemas.microsoft.com/office/drawing/2014/main" id="{184868FD-A23F-4441-9176-4997272B88F2}"/>
+                  <a16:creationId xmlns:a16="http://schemas.microsoft.com/office/drawing/2014/main" id="{43D7E7C3-00A9-494B-BEA4-ABB2D084F423}"/>
                 </a:ext>
               </a:extLst>
             </p:cNvPr>
@@ -4865,16 +7433,14 @@
           </p:nvCxnSpPr>
           <p:spPr>
             <a:xfrm flipV="1">
-              <a:off x="3686208" y="2383119"/>
-              <a:ext cx="0" cy="838200"/>
+              <a:off x="4190462" y="4459415"/>
+              <a:ext cx="772149" cy="457458"/>
             </a:xfrm>
-            <a:prstGeom prst="line">
+            <a:prstGeom prst="straightConnector1">
               <a:avLst/>
             </a:prstGeom>
             <a:ln>
-              <a:solidFill>
-                <a:schemeClr val="accent1"/>
-              </a:solidFill>
+              <a:tailEnd type="triangle"/>
             </a:ln>
           </p:spPr>
           <p:style>
@@ -4892,32 +7458,216 @@
             </a:fontRef>
           </p:style>
         </p:cxnSp>
+        <p:sp>
+          <p:nvSpPr>
+            <p:cNvPr id="25" name="TextBox 24">
+              <a:extLst>
+                <a:ext uri="{FF2B5EF4-FFF2-40B4-BE49-F238E27FC236}">
+                  <a16:creationId xmlns:a16="http://schemas.microsoft.com/office/drawing/2014/main" id="{8D0E2D6E-6CF4-4499-9643-C08D9846E421}"/>
+                </a:ext>
+              </a:extLst>
+            </p:cNvPr>
+            <p:cNvSpPr txBox="1"/>
+            <p:nvPr/>
+          </p:nvSpPr>
+          <p:spPr>
+            <a:xfrm>
+              <a:off x="2026718" y="4365646"/>
+              <a:ext cx="854640" cy="512368"/>
+            </a:xfrm>
+            <a:prstGeom prst="rect">
+              <a:avLst/>
+            </a:prstGeom>
+            <a:noFill/>
+          </p:spPr>
+          <p:txBody>
+            <a:bodyPr wrap="none" rtlCol="0">
+              <a:spAutoFit/>
+            </a:bodyPr>
+            <a:lstStyle/>
+            <a:p>
+              <a:r>
+                <a:rPr lang="en-US" altLang="ko-KR" sz="1000" dirty="0"/>
+                <a:t>Seg1</a:t>
+              </a:r>
+              <a:endParaRPr lang="ko-KR" altLang="en-US" sz="1000" dirty="0"/>
+            </a:p>
+          </p:txBody>
+        </p:sp>
+        <p:sp>
+          <p:nvSpPr>
+            <p:cNvPr id="26" name="TextBox 25">
+              <a:extLst>
+                <a:ext uri="{FF2B5EF4-FFF2-40B4-BE49-F238E27FC236}">
+                  <a16:creationId xmlns:a16="http://schemas.microsoft.com/office/drawing/2014/main" id="{9C29F680-AE6F-4BB1-B044-4F2959F0CDF3}"/>
+                </a:ext>
+              </a:extLst>
+            </p:cNvPr>
+            <p:cNvSpPr txBox="1"/>
+            <p:nvPr/>
+          </p:nvSpPr>
+          <p:spPr>
+            <a:xfrm>
+              <a:off x="3426773" y="5287803"/>
+              <a:ext cx="801069" cy="480345"/>
+            </a:xfrm>
+            <a:prstGeom prst="rect">
+              <a:avLst/>
+            </a:prstGeom>
+            <a:noFill/>
+          </p:spPr>
+          <p:txBody>
+            <a:bodyPr wrap="none" rtlCol="0">
+              <a:spAutoFit/>
+            </a:bodyPr>
+            <a:lstStyle/>
+            <a:p>
+              <a:r>
+                <a:rPr lang="en-US" altLang="ko-KR" sz="900" dirty="0"/>
+                <a:t>Seg3</a:t>
+              </a:r>
+              <a:endParaRPr lang="ko-KR" altLang="en-US" sz="900" dirty="0"/>
+            </a:p>
+          </p:txBody>
+        </p:sp>
+        <p:sp>
+          <p:nvSpPr>
+            <p:cNvPr id="27" name="TextBox 26">
+              <a:extLst>
+                <a:ext uri="{FF2B5EF4-FFF2-40B4-BE49-F238E27FC236}">
+                  <a16:creationId xmlns:a16="http://schemas.microsoft.com/office/drawing/2014/main" id="{3A05951A-4444-45A2-B4BE-F4710E0D9C64}"/>
+                </a:ext>
+              </a:extLst>
+            </p:cNvPr>
+            <p:cNvSpPr txBox="1"/>
+            <p:nvPr/>
+          </p:nvSpPr>
+          <p:spPr>
+            <a:xfrm>
+              <a:off x="3667550" y="4050477"/>
+              <a:ext cx="854640" cy="512368"/>
+            </a:xfrm>
+            <a:prstGeom prst="rect">
+              <a:avLst/>
+            </a:prstGeom>
+            <a:noFill/>
+          </p:spPr>
+          <p:txBody>
+            <a:bodyPr wrap="none" rtlCol="0">
+              <a:spAutoFit/>
+            </a:bodyPr>
+            <a:lstStyle/>
+            <a:p>
+              <a:r>
+                <a:rPr lang="en-US" altLang="ko-KR" sz="1000" dirty="0"/>
+                <a:t>Seg2</a:t>
+              </a:r>
+              <a:endParaRPr lang="ko-KR" altLang="en-US" sz="1000" dirty="0"/>
+            </a:p>
+          </p:txBody>
+        </p:sp>
+        <p:sp>
+          <p:nvSpPr>
+            <p:cNvPr id="28" name="TextBox 27">
+              <a:extLst>
+                <a:ext uri="{FF2B5EF4-FFF2-40B4-BE49-F238E27FC236}">
+                  <a16:creationId xmlns:a16="http://schemas.microsoft.com/office/drawing/2014/main" id="{D9465F9D-EA16-4277-AD78-0F4B119E884D}"/>
+                </a:ext>
+              </a:extLst>
+            </p:cNvPr>
+            <p:cNvSpPr txBox="1"/>
+            <p:nvPr/>
+          </p:nvSpPr>
+          <p:spPr>
+            <a:xfrm>
+              <a:off x="4489660" y="4550312"/>
+              <a:ext cx="854640" cy="512368"/>
+            </a:xfrm>
+            <a:prstGeom prst="rect">
+              <a:avLst/>
+            </a:prstGeom>
+            <a:noFill/>
+          </p:spPr>
+          <p:txBody>
+            <a:bodyPr wrap="none" rtlCol="0">
+              <a:spAutoFit/>
+            </a:bodyPr>
+            <a:lstStyle/>
+            <a:p>
+              <a:r>
+                <a:rPr lang="en-US" altLang="ko-KR" sz="1000" dirty="0"/>
+                <a:t>Seg4</a:t>
+              </a:r>
+              <a:endParaRPr lang="ko-KR" altLang="en-US" sz="1000" dirty="0"/>
+            </a:p>
+          </p:txBody>
+        </p:sp>
+        <p:sp>
+          <p:nvSpPr>
+            <p:cNvPr id="31" name="TextBox 30">
+              <a:extLst>
+                <a:ext uri="{FF2B5EF4-FFF2-40B4-BE49-F238E27FC236}">
+                  <a16:creationId xmlns:a16="http://schemas.microsoft.com/office/drawing/2014/main" id="{A5EE6E8A-EF39-4FB0-A636-64459CDDA725}"/>
+                </a:ext>
+              </a:extLst>
+            </p:cNvPr>
+            <p:cNvSpPr txBox="1"/>
+            <p:nvPr/>
+          </p:nvSpPr>
+          <p:spPr>
+            <a:xfrm>
+              <a:off x="3206179" y="2535231"/>
+              <a:ext cx="1529025" cy="528381"/>
+            </a:xfrm>
+            <a:prstGeom prst="rect">
+              <a:avLst/>
+            </a:prstGeom>
+            <a:noFill/>
+          </p:spPr>
+          <p:txBody>
+            <a:bodyPr wrap="none" rtlCol="0">
+              <a:spAutoFit/>
+            </a:bodyPr>
+            <a:lstStyle/>
+            <a:p>
+              <a:r>
+                <a:rPr lang="en-US" altLang="ko-KR" sz="1000" dirty="0"/>
+                <a:t>Segment A</a:t>
+              </a:r>
+              <a:endParaRPr lang="ko-KR" altLang="en-US" sz="1000" dirty="0"/>
+            </a:p>
+          </p:txBody>
+        </p:sp>
         <p:cxnSp>
           <p:nvCxnSpPr>
-            <p:cNvPr id="38" name="직선 연결선 37">
+            <p:cNvPr id="33" name="연결선: 꺾임 32">
               <a:extLst>
                 <a:ext uri="{FF2B5EF4-FFF2-40B4-BE49-F238E27FC236}">
-                  <a16:creationId xmlns:a16="http://schemas.microsoft.com/office/drawing/2014/main" id="{34435647-FB71-4718-B9FA-52930303539D}"/>
+                  <a16:creationId xmlns:a16="http://schemas.microsoft.com/office/drawing/2014/main" id="{B3CF6E51-2CC1-4A92-A4CD-32E420ABB585}"/>
                 </a:ext>
               </a:extLst>
             </p:cNvPr>
             <p:cNvCxnSpPr>
               <a:cxnSpLocks/>
+              <a:stCxn id="13" idx="0"/>
+              <a:endCxn id="34" idx="0"/>
             </p:cNvCxnSpPr>
             <p:nvPr/>
           </p:nvCxnSpPr>
           <p:spPr>
-            <a:xfrm flipV="1">
-              <a:off x="4616728" y="2383119"/>
-              <a:ext cx="0" cy="838200"/>
+            <a:xfrm rot="16200000" flipH="1">
+              <a:off x="3692944" y="2471345"/>
+              <a:ext cx="284024" cy="2947314"/>
             </a:xfrm>
-            <a:prstGeom prst="line">
-              <a:avLst/>
+            <a:prstGeom prst="bentConnector3">
+              <a:avLst>
+                <a:gd name="adj1" fmla="val -167486"/>
+              </a:avLst>
             </a:prstGeom>
             <a:ln>
-              <a:solidFill>
-                <a:schemeClr val="accent1"/>
-              </a:solidFill>
+              <a:prstDash val="dash"/>
+              <a:headEnd type="triangle"/>
+              <a:tailEnd type="triangle"/>
             </a:ln>
           </p:spPr>
           <p:style>
@@ -4935,597 +7685,56 @@
             </a:fontRef>
           </p:style>
         </p:cxnSp>
-      </p:grpSp>
-      <p:grpSp>
-        <p:nvGrpSpPr>
-          <p:cNvPr id="39" name="그룹 38">
-            <a:extLst>
-              <a:ext uri="{FF2B5EF4-FFF2-40B4-BE49-F238E27FC236}">
-                <a16:creationId xmlns:a16="http://schemas.microsoft.com/office/drawing/2014/main" id="{B2850216-B7A7-4764-BEE1-C85B48776150}"/>
-              </a:ext>
-            </a:extLst>
-          </p:cNvPr>
-          <p:cNvGrpSpPr/>
-          <p:nvPr/>
-        </p:nvGrpSpPr>
-        <p:grpSpPr>
-          <a:xfrm>
-            <a:off x="4796461" y="3136785"/>
-            <a:ext cx="3081786" cy="376998"/>
-            <a:chOff x="-1555557" y="1306954"/>
-            <a:chExt cx="5702494" cy="844577"/>
-          </a:xfrm>
-        </p:grpSpPr>
-        <p:cxnSp>
-          <p:nvCxnSpPr>
-            <p:cNvPr id="40" name="직선 연결선 39">
+        <p:pic>
+          <p:nvPicPr>
+            <p:cNvPr id="34" name="그림 33" descr="옅은이(가) 표시된 사진&#10;&#10;자동 생성된 설명">
               <a:extLst>
                 <a:ext uri="{FF2B5EF4-FFF2-40B4-BE49-F238E27FC236}">
-                  <a16:creationId xmlns:a16="http://schemas.microsoft.com/office/drawing/2014/main" id="{CFE83A2A-7DB5-48B8-9903-933358BB6F84}"/>
+                  <a16:creationId xmlns:a16="http://schemas.microsoft.com/office/drawing/2014/main" id="{147D48C3-42C0-4AA8-A0AD-49AB50EE800A}"/>
                 </a:ext>
               </a:extLst>
             </p:cNvPr>
-            <p:cNvCxnSpPr>
-              <a:cxnSpLocks/>
-            </p:cNvCxnSpPr>
+            <p:cNvPicPr>
+              <a:picLocks noChangeAspect="1"/>
+            </p:cNvPicPr>
             <p:nvPr/>
-          </p:nvCxnSpPr>
+          </p:nvPicPr>
+          <p:blipFill>
+            <a:blip r:embed="rId10">
+              <a:duotone>
+                <a:prstClr val="black"/>
+                <a:schemeClr val="accent2">
+                  <a:tint val="45000"/>
+                  <a:satMod val="400000"/>
+                </a:schemeClr>
+              </a:duotone>
+              <a:extLst>
+                <a:ext uri="{28A0092B-C50C-407E-A947-70E740481C1C}">
+                  <a14:useLocalDpi xmlns:a14="http://schemas.microsoft.com/office/drawing/2010/main" val="0"/>
+                </a:ext>
+              </a:extLst>
+            </a:blip>
+            <a:stretch>
+              <a:fillRect/>
+            </a:stretch>
+          </p:blipFill>
           <p:spPr>
             <a:xfrm>
-              <a:off x="-1555557" y="2151531"/>
-              <a:ext cx="2570173" cy="0"/>
+              <a:off x="4896654" y="4087013"/>
+              <a:ext cx="823921" cy="703464"/>
             </a:xfrm>
-            <a:prstGeom prst="line">
+            <a:prstGeom prst="rect">
               <a:avLst/>
             </a:prstGeom>
-            <a:ln>
-              <a:solidFill>
-                <a:srgbClr val="C00000"/>
-              </a:solidFill>
-            </a:ln>
           </p:spPr>
-          <p:style>
-            <a:lnRef idx="1">
-              <a:schemeClr val="accent1"/>
-            </a:lnRef>
-            <a:fillRef idx="0">
-              <a:schemeClr val="accent1"/>
-            </a:fillRef>
-            <a:effectRef idx="0">
-              <a:schemeClr val="accent1"/>
-            </a:effectRef>
-            <a:fontRef idx="minor">
-              <a:schemeClr val="tx1"/>
-            </a:fontRef>
-          </p:style>
-        </p:cxnSp>
-        <p:cxnSp>
-          <p:nvCxnSpPr>
-            <p:cNvPr id="41" name="직선 연결선 40">
-              <a:extLst>
-                <a:ext uri="{FF2B5EF4-FFF2-40B4-BE49-F238E27FC236}">
-                  <a16:creationId xmlns:a16="http://schemas.microsoft.com/office/drawing/2014/main" id="{0E672C5E-7751-4F0B-A888-00522630147A}"/>
-                </a:ext>
-              </a:extLst>
-            </p:cNvPr>
-            <p:cNvCxnSpPr>
-              <a:cxnSpLocks/>
-            </p:cNvCxnSpPr>
-            <p:nvPr/>
-          </p:nvCxnSpPr>
-          <p:spPr>
-            <a:xfrm>
-              <a:off x="2209083" y="2151531"/>
-              <a:ext cx="1937854" cy="0"/>
-            </a:xfrm>
-            <a:prstGeom prst="line">
-              <a:avLst/>
-            </a:prstGeom>
-            <a:ln>
-              <a:solidFill>
-                <a:srgbClr val="C00000"/>
-              </a:solidFill>
-            </a:ln>
-          </p:spPr>
-          <p:style>
-            <a:lnRef idx="1">
-              <a:schemeClr val="accent1"/>
-            </a:lnRef>
-            <a:fillRef idx="0">
-              <a:schemeClr val="accent1"/>
-            </a:fillRef>
-            <a:effectRef idx="0">
-              <a:schemeClr val="accent1"/>
-            </a:effectRef>
-            <a:fontRef idx="minor">
-              <a:schemeClr val="tx1"/>
-            </a:fontRef>
-          </p:style>
-        </p:cxnSp>
-        <p:cxnSp>
-          <p:nvCxnSpPr>
-            <p:cNvPr id="42" name="직선 연결선 41">
-              <a:extLst>
-                <a:ext uri="{FF2B5EF4-FFF2-40B4-BE49-F238E27FC236}">
-                  <a16:creationId xmlns:a16="http://schemas.microsoft.com/office/drawing/2014/main" id="{1E4A9382-6067-4131-B64B-877C01F4C3F3}"/>
-                </a:ext>
-              </a:extLst>
-            </p:cNvPr>
-            <p:cNvCxnSpPr>
-              <a:cxnSpLocks/>
-            </p:cNvCxnSpPr>
-            <p:nvPr/>
-          </p:nvCxnSpPr>
-          <p:spPr>
-            <a:xfrm>
-              <a:off x="1014616" y="1313332"/>
-              <a:ext cx="1194469" cy="0"/>
-            </a:xfrm>
-            <a:prstGeom prst="line">
-              <a:avLst/>
-            </a:prstGeom>
-            <a:ln>
-              <a:solidFill>
-                <a:srgbClr val="C00000"/>
-              </a:solidFill>
-            </a:ln>
-          </p:spPr>
-          <p:style>
-            <a:lnRef idx="1">
-              <a:schemeClr val="accent1"/>
-            </a:lnRef>
-            <a:fillRef idx="0">
-              <a:schemeClr val="accent1"/>
-            </a:fillRef>
-            <a:effectRef idx="0">
-              <a:schemeClr val="accent1"/>
-            </a:effectRef>
-            <a:fontRef idx="minor">
-              <a:schemeClr val="tx1"/>
-            </a:fontRef>
-          </p:style>
-        </p:cxnSp>
-        <p:cxnSp>
-          <p:nvCxnSpPr>
-            <p:cNvPr id="43" name="직선 연결선 42">
-              <a:extLst>
-                <a:ext uri="{FF2B5EF4-FFF2-40B4-BE49-F238E27FC236}">
-                  <a16:creationId xmlns:a16="http://schemas.microsoft.com/office/drawing/2014/main" id="{C1846B80-BDC8-4327-AD67-A0558D1C9E91}"/>
-                </a:ext>
-              </a:extLst>
-            </p:cNvPr>
-            <p:cNvCxnSpPr>
-              <a:cxnSpLocks/>
-            </p:cNvCxnSpPr>
-            <p:nvPr/>
-          </p:nvCxnSpPr>
-          <p:spPr>
-            <a:xfrm flipV="1">
-              <a:off x="1014616" y="1311051"/>
-              <a:ext cx="0" cy="838199"/>
-            </a:xfrm>
-            <a:prstGeom prst="line">
-              <a:avLst/>
-            </a:prstGeom>
-            <a:ln>
-              <a:solidFill>
-                <a:srgbClr val="C00000"/>
-              </a:solidFill>
-            </a:ln>
-          </p:spPr>
-          <p:style>
-            <a:lnRef idx="1">
-              <a:schemeClr val="accent1"/>
-            </a:lnRef>
-            <a:fillRef idx="0">
-              <a:schemeClr val="accent1"/>
-            </a:fillRef>
-            <a:effectRef idx="0">
-              <a:schemeClr val="accent1"/>
-            </a:effectRef>
-            <a:fontRef idx="minor">
-              <a:schemeClr val="tx1"/>
-            </a:fontRef>
-          </p:style>
-        </p:cxnSp>
-        <p:cxnSp>
-          <p:nvCxnSpPr>
-            <p:cNvPr id="44" name="직선 연결선 43">
-              <a:extLst>
-                <a:ext uri="{FF2B5EF4-FFF2-40B4-BE49-F238E27FC236}">
-                  <a16:creationId xmlns:a16="http://schemas.microsoft.com/office/drawing/2014/main" id="{D8E1588D-F592-44C2-82EB-2C2ECD9843C7}"/>
-                </a:ext>
-              </a:extLst>
-            </p:cNvPr>
-            <p:cNvCxnSpPr>
-              <a:cxnSpLocks/>
-            </p:cNvCxnSpPr>
-            <p:nvPr/>
-          </p:nvCxnSpPr>
-          <p:spPr>
-            <a:xfrm flipV="1">
-              <a:off x="2209085" y="1306954"/>
-              <a:ext cx="0" cy="838199"/>
-            </a:xfrm>
-            <a:prstGeom prst="line">
-              <a:avLst/>
-            </a:prstGeom>
-            <a:ln>
-              <a:solidFill>
-                <a:srgbClr val="C00000"/>
-              </a:solidFill>
-            </a:ln>
-          </p:spPr>
-          <p:style>
-            <a:lnRef idx="1">
-              <a:schemeClr val="accent1"/>
-            </a:lnRef>
-            <a:fillRef idx="0">
-              <a:schemeClr val="accent1"/>
-            </a:fillRef>
-            <a:effectRef idx="0">
-              <a:schemeClr val="accent1"/>
-            </a:effectRef>
-            <a:fontRef idx="minor">
-              <a:schemeClr val="tx1"/>
-            </a:fontRef>
-          </p:style>
-        </p:cxnSp>
+        </p:pic>
       </p:grpSp>
       <p:sp>
         <p:nvSpPr>
-          <p:cNvPr id="45" name="직사각형 44">
+          <p:cNvPr id="8" name="TextBox 7">
             <a:extLst>
               <a:ext uri="{FF2B5EF4-FFF2-40B4-BE49-F238E27FC236}">
-                <a16:creationId xmlns:a16="http://schemas.microsoft.com/office/drawing/2014/main" id="{A999B301-0C11-48AA-9748-2FB230E35B14}"/>
-              </a:ext>
-            </a:extLst>
-          </p:cNvPr>
-          <p:cNvSpPr/>
-          <p:nvPr/>
-        </p:nvSpPr>
-        <p:spPr>
-          <a:xfrm>
-            <a:off x="4800380" y="2900006"/>
-            <a:ext cx="516885" cy="139730"/>
-          </a:xfrm>
-          <a:prstGeom prst="rect">
-            <a:avLst/>
-          </a:prstGeom>
-          <a:solidFill>
-            <a:schemeClr val="accent3">
-              <a:alpha val="50000"/>
-            </a:schemeClr>
-          </a:solidFill>
-          <a:ln>
-            <a:noFill/>
-          </a:ln>
-        </p:spPr>
-        <p:style>
-          <a:lnRef idx="0">
-            <a:scrgbClr r="0" g="0" b="0"/>
-          </a:lnRef>
-          <a:fillRef idx="0">
-            <a:scrgbClr r="0" g="0" b="0"/>
-          </a:fillRef>
-          <a:effectRef idx="0">
-            <a:scrgbClr r="0" g="0" b="0"/>
-          </a:effectRef>
-          <a:fontRef idx="minor">
-            <a:schemeClr val="lt1"/>
-          </a:fontRef>
-        </p:style>
-        <p:txBody>
-          <a:bodyPr rtlCol="0" anchor="ctr"/>
-          <a:lstStyle/>
-          <a:p>
-            <a:pPr algn="ctr"/>
-            <a:r>
-              <a:rPr lang="en-US" altLang="ko-KR" sz="800" dirty="0"/>
-              <a:t>S1_ST</a:t>
-            </a:r>
-            <a:endParaRPr lang="ko-KR" altLang="en-US" sz="800" dirty="0"/>
-          </a:p>
-        </p:txBody>
-      </p:sp>
-      <p:grpSp>
-        <p:nvGrpSpPr>
-          <p:cNvPr id="46" name="그룹 45">
-            <a:extLst>
-              <a:ext uri="{FF2B5EF4-FFF2-40B4-BE49-F238E27FC236}">
-                <a16:creationId xmlns:a16="http://schemas.microsoft.com/office/drawing/2014/main" id="{3F91FF64-8104-4185-8AAF-A4E96A0E3B3B}"/>
-              </a:ext>
-            </a:extLst>
-          </p:cNvPr>
-          <p:cNvGrpSpPr/>
-          <p:nvPr/>
-        </p:nvGrpSpPr>
-        <p:grpSpPr>
-          <a:xfrm>
-            <a:off x="4749611" y="2699843"/>
-            <a:ext cx="3087704" cy="374152"/>
-            <a:chOff x="491123" y="3361952"/>
-            <a:chExt cx="5686579" cy="838200"/>
-          </a:xfrm>
-        </p:grpSpPr>
-        <p:cxnSp>
-          <p:nvCxnSpPr>
-            <p:cNvPr id="47" name="직선 연결선 46">
-              <a:extLst>
-                <a:ext uri="{FF2B5EF4-FFF2-40B4-BE49-F238E27FC236}">
-                  <a16:creationId xmlns:a16="http://schemas.microsoft.com/office/drawing/2014/main" id="{F617F0FA-4B66-41CC-8F8E-DF2DFEDC6C37}"/>
-                </a:ext>
-              </a:extLst>
-            </p:cNvPr>
-            <p:cNvCxnSpPr>
-              <a:cxnSpLocks/>
-            </p:cNvCxnSpPr>
-            <p:nvPr/>
-          </p:nvCxnSpPr>
-          <p:spPr>
-            <a:xfrm>
-              <a:off x="491123" y="4200152"/>
-              <a:ext cx="2950049" cy="0"/>
-            </a:xfrm>
-            <a:prstGeom prst="line">
-              <a:avLst/>
-            </a:prstGeom>
-            <a:ln>
-              <a:solidFill>
-                <a:schemeClr val="accent6"/>
-              </a:solidFill>
-            </a:ln>
-          </p:spPr>
-          <p:style>
-            <a:lnRef idx="1">
-              <a:schemeClr val="accent1"/>
-            </a:lnRef>
-            <a:fillRef idx="0">
-              <a:schemeClr val="accent1"/>
-            </a:fillRef>
-            <a:effectRef idx="0">
-              <a:schemeClr val="accent1"/>
-            </a:effectRef>
-            <a:fontRef idx="minor">
-              <a:schemeClr val="tx1"/>
-            </a:fontRef>
-          </p:style>
-        </p:cxnSp>
-        <p:cxnSp>
-          <p:nvCxnSpPr>
-            <p:cNvPr id="48" name="직선 연결선 47">
-              <a:extLst>
-                <a:ext uri="{FF2B5EF4-FFF2-40B4-BE49-F238E27FC236}">
-                  <a16:creationId xmlns:a16="http://schemas.microsoft.com/office/drawing/2014/main" id="{27C50160-370D-4EAA-AA8D-91D20A74CE32}"/>
-                </a:ext>
-              </a:extLst>
-            </p:cNvPr>
-            <p:cNvCxnSpPr>
-              <a:cxnSpLocks/>
-            </p:cNvCxnSpPr>
-            <p:nvPr/>
-          </p:nvCxnSpPr>
-          <p:spPr>
-            <a:xfrm>
-              <a:off x="4609111" y="4200152"/>
-              <a:ext cx="1568591" cy="0"/>
-            </a:xfrm>
-            <a:prstGeom prst="line">
-              <a:avLst/>
-            </a:prstGeom>
-            <a:ln>
-              <a:solidFill>
-                <a:schemeClr val="accent6"/>
-              </a:solidFill>
-            </a:ln>
-          </p:spPr>
-          <p:style>
-            <a:lnRef idx="1">
-              <a:schemeClr val="accent1"/>
-            </a:lnRef>
-            <a:fillRef idx="0">
-              <a:schemeClr val="accent1"/>
-            </a:fillRef>
-            <a:effectRef idx="0">
-              <a:schemeClr val="accent1"/>
-            </a:effectRef>
-            <a:fontRef idx="minor">
-              <a:schemeClr val="tx1"/>
-            </a:fontRef>
-          </p:style>
-        </p:cxnSp>
-        <p:cxnSp>
-          <p:nvCxnSpPr>
-            <p:cNvPr id="49" name="직선 연결선 48">
-              <a:extLst>
-                <a:ext uri="{FF2B5EF4-FFF2-40B4-BE49-F238E27FC236}">
-                  <a16:creationId xmlns:a16="http://schemas.microsoft.com/office/drawing/2014/main" id="{78EA211F-90CF-4A7F-A101-BCFBF076A8C4}"/>
-                </a:ext>
-              </a:extLst>
-            </p:cNvPr>
-            <p:cNvCxnSpPr>
-              <a:cxnSpLocks/>
-            </p:cNvCxnSpPr>
-            <p:nvPr/>
-          </p:nvCxnSpPr>
-          <p:spPr>
-            <a:xfrm>
-              <a:off x="3441171" y="3361952"/>
-              <a:ext cx="1200409" cy="0"/>
-            </a:xfrm>
-            <a:prstGeom prst="line">
-              <a:avLst/>
-            </a:prstGeom>
-            <a:ln>
-              <a:solidFill>
-                <a:schemeClr val="accent6"/>
-              </a:solidFill>
-            </a:ln>
-          </p:spPr>
-          <p:style>
-            <a:lnRef idx="1">
-              <a:schemeClr val="accent1"/>
-            </a:lnRef>
-            <a:fillRef idx="0">
-              <a:schemeClr val="accent1"/>
-            </a:fillRef>
-            <a:effectRef idx="0">
-              <a:schemeClr val="accent1"/>
-            </a:effectRef>
-            <a:fontRef idx="minor">
-              <a:schemeClr val="tx1"/>
-            </a:fontRef>
-          </p:style>
-        </p:cxnSp>
-        <p:cxnSp>
-          <p:nvCxnSpPr>
-            <p:cNvPr id="50" name="직선 연결선 49">
-              <a:extLst>
-                <a:ext uri="{FF2B5EF4-FFF2-40B4-BE49-F238E27FC236}">
-                  <a16:creationId xmlns:a16="http://schemas.microsoft.com/office/drawing/2014/main" id="{F0B594AB-17D6-4A2B-98EA-F2D860B31350}"/>
-                </a:ext>
-              </a:extLst>
-            </p:cNvPr>
-            <p:cNvCxnSpPr>
-              <a:cxnSpLocks/>
-            </p:cNvCxnSpPr>
-            <p:nvPr/>
-          </p:nvCxnSpPr>
-          <p:spPr>
-            <a:xfrm flipV="1">
-              <a:off x="3441172" y="3361952"/>
-              <a:ext cx="0" cy="838200"/>
-            </a:xfrm>
-            <a:prstGeom prst="line">
-              <a:avLst/>
-            </a:prstGeom>
-            <a:ln>
-              <a:solidFill>
-                <a:schemeClr val="accent6"/>
-              </a:solidFill>
-            </a:ln>
-          </p:spPr>
-          <p:style>
-            <a:lnRef idx="1">
-              <a:schemeClr val="accent1"/>
-            </a:lnRef>
-            <a:fillRef idx="0">
-              <a:schemeClr val="accent1"/>
-            </a:fillRef>
-            <a:effectRef idx="0">
-              <a:schemeClr val="accent1"/>
-            </a:effectRef>
-            <a:fontRef idx="minor">
-              <a:schemeClr val="tx1"/>
-            </a:fontRef>
-          </p:style>
-        </p:cxnSp>
-        <p:cxnSp>
-          <p:nvCxnSpPr>
-            <p:cNvPr id="51" name="직선 연결선 50">
-              <a:extLst>
-                <a:ext uri="{FF2B5EF4-FFF2-40B4-BE49-F238E27FC236}">
-                  <a16:creationId xmlns:a16="http://schemas.microsoft.com/office/drawing/2014/main" id="{AF460A8C-4BA0-4B62-B012-1CDC7B97FB63}"/>
-                </a:ext>
-              </a:extLst>
-            </p:cNvPr>
-            <p:cNvCxnSpPr>
-              <a:cxnSpLocks/>
-            </p:cNvCxnSpPr>
-            <p:nvPr/>
-          </p:nvCxnSpPr>
-          <p:spPr>
-            <a:xfrm flipV="1">
-              <a:off x="4639771" y="3361952"/>
-              <a:ext cx="0" cy="838200"/>
-            </a:xfrm>
-            <a:prstGeom prst="line">
-              <a:avLst/>
-            </a:prstGeom>
-            <a:ln>
-              <a:solidFill>
-                <a:schemeClr val="accent6"/>
-              </a:solidFill>
-            </a:ln>
-          </p:spPr>
-          <p:style>
-            <a:lnRef idx="1">
-              <a:schemeClr val="accent1"/>
-            </a:lnRef>
-            <a:fillRef idx="0">
-              <a:schemeClr val="accent1"/>
-            </a:fillRef>
-            <a:effectRef idx="0">
-              <a:schemeClr val="accent1"/>
-            </a:effectRef>
-            <a:fontRef idx="minor">
-              <a:schemeClr val="tx1"/>
-            </a:fontRef>
-          </p:style>
-        </p:cxnSp>
-      </p:grpSp>
-      <p:sp>
-        <p:nvSpPr>
-          <p:cNvPr id="52" name="직사각형 51">
-            <a:extLst>
-              <a:ext uri="{FF2B5EF4-FFF2-40B4-BE49-F238E27FC236}">
-                <a16:creationId xmlns:a16="http://schemas.microsoft.com/office/drawing/2014/main" id="{5422AED3-4D29-451F-9C45-4C23AD160EE0}"/>
-              </a:ext>
-            </a:extLst>
-          </p:cNvPr>
-          <p:cNvSpPr/>
-          <p:nvPr/>
-        </p:nvSpPr>
-        <p:spPr>
-          <a:xfrm>
-            <a:off x="4796461" y="3336046"/>
-            <a:ext cx="516885" cy="139730"/>
-          </a:xfrm>
-          <a:prstGeom prst="rect">
-            <a:avLst/>
-          </a:prstGeom>
-          <a:solidFill>
-            <a:schemeClr val="accent3">
-              <a:alpha val="50000"/>
-            </a:schemeClr>
-          </a:solidFill>
-          <a:ln>
-            <a:noFill/>
-          </a:ln>
-        </p:spPr>
-        <p:style>
-          <a:lnRef idx="0">
-            <a:scrgbClr r="0" g="0" b="0"/>
-          </a:lnRef>
-          <a:fillRef idx="0">
-            <a:scrgbClr r="0" g="0" b="0"/>
-          </a:fillRef>
-          <a:effectRef idx="0">
-            <a:scrgbClr r="0" g="0" b="0"/>
-          </a:effectRef>
-          <a:fontRef idx="minor">
-            <a:schemeClr val="lt1"/>
-          </a:fontRef>
-        </p:style>
-        <p:txBody>
-          <a:bodyPr rtlCol="0" anchor="ctr"/>
-          <a:lstStyle/>
-          <a:p>
-            <a:pPr algn="ctr"/>
-            <a:r>
-              <a:rPr lang="en-US" altLang="ko-KR" sz="800" dirty="0"/>
-              <a:t>S1_SR</a:t>
-            </a:r>
-            <a:endParaRPr lang="ko-KR" altLang="en-US" sz="800" dirty="0"/>
-          </a:p>
-        </p:txBody>
-      </p:sp>
-      <p:sp>
-        <p:nvSpPr>
-          <p:cNvPr id="53" name="TextBox 52">
-            <a:extLst>
-              <a:ext uri="{FF2B5EF4-FFF2-40B4-BE49-F238E27FC236}">
-                <a16:creationId xmlns:a16="http://schemas.microsoft.com/office/drawing/2014/main" id="{119C93CC-B235-4756-8A71-941A72C5F857}"/>
+                <a16:creationId xmlns:a16="http://schemas.microsoft.com/office/drawing/2014/main" id="{49B4E998-7D9B-4306-BE7F-6FE2C8A48B7E}"/>
               </a:ext>
             </a:extLst>
           </p:cNvPr>
@@ -5534,8 +7743,8 @@
         </p:nvSpPr>
         <p:spPr>
           <a:xfrm>
-            <a:off x="5925573" y="3223333"/>
-            <a:ext cx="297733" cy="307777"/>
+            <a:off x="1520986" y="5502043"/>
+            <a:ext cx="2050561" cy="900246"/>
           </a:xfrm>
           <a:prstGeom prst="rect">
             <a:avLst/>
@@ -5549,264 +7758,1973 @@
           <a:lstStyle/>
           <a:p>
             <a:r>
-              <a:rPr lang="ko-KR" altLang="en-US" sz="1400" dirty="0"/>
-              <a:t>↑</a:t>
+              <a:rPr lang="en-US" altLang="ko-KR" sz="1050" dirty="0"/>
+              <a:t>Ex) Segment A = { </a:t>
             </a:r>
+          </a:p>
+          <a:p>
             <a:r>
-              <a:rPr lang="en-US" altLang="ko-KR" sz="1400" dirty="0"/>
-              <a:t>1</a:t>
+              <a:rPr lang="en-US" altLang="ko-KR" sz="1050" dirty="0"/>
+              <a:t>	Seg1 &gt; Seg2 ; Seg1 &gt; Seg3</a:t>
             </a:r>
-            <a:endParaRPr lang="ko-KR" altLang="en-US" sz="1400" dirty="0"/>
+          </a:p>
+          <a:p>
+            <a:r>
+              <a:rPr lang="en-US" altLang="ko-KR" sz="1050" dirty="0"/>
+              <a:t>	Seg2 &gt; Seg4 ; Seg3 &gt; Seg4</a:t>
+            </a:r>
+          </a:p>
+          <a:p>
+            <a:r>
+              <a:rPr lang="en-US" altLang="ko-KR" sz="1050" dirty="0"/>
+              <a:t>	Seg1 &lt;|&gt; Seg4</a:t>
+            </a:r>
+          </a:p>
+          <a:p>
+            <a:r>
+              <a:rPr lang="en-US" altLang="ko-KR" sz="1050" dirty="0"/>
+              <a:t> }</a:t>
+            </a:r>
+            <a:endParaRPr lang="ko-KR" altLang="en-US" sz="1050" dirty="0"/>
           </a:p>
         </p:txBody>
       </p:sp>
-      <p:sp>
-        <p:nvSpPr>
-          <p:cNvPr id="54" name="TextBox 53">
-            <a:extLst>
-              <a:ext uri="{FF2B5EF4-FFF2-40B4-BE49-F238E27FC236}">
-                <a16:creationId xmlns:a16="http://schemas.microsoft.com/office/drawing/2014/main" id="{A3ACC31A-7A3F-4C14-8D7A-5E547EA0E8FC}"/>
-              </a:ext>
-            </a:extLst>
-          </p:cNvPr>
-          <p:cNvSpPr txBox="1"/>
-          <p:nvPr/>
-        </p:nvSpPr>
-        <p:spPr>
-          <a:xfrm>
-            <a:off x="6753603" y="2770766"/>
-            <a:ext cx="643757" cy="307777"/>
-          </a:xfrm>
-          <a:prstGeom prst="rect">
-            <a:avLst/>
-          </a:prstGeom>
-          <a:noFill/>
-        </p:spPr>
-        <p:txBody>
-          <a:bodyPr wrap="square">
-            <a:spAutoFit/>
-          </a:bodyPr>
-          <a:lstStyle/>
-          <a:p>
-            <a:r>
-              <a:rPr lang="ko-KR" altLang="en-US" sz="1400" dirty="0"/>
-              <a:t>↓</a:t>
-            </a:r>
-            <a:r>
-              <a:rPr lang="en-US" altLang="ko-KR" sz="1400" dirty="0"/>
-              <a:t>5</a:t>
-            </a:r>
-            <a:endParaRPr lang="ko-KR" altLang="en-US" sz="1400" dirty="0"/>
-          </a:p>
-        </p:txBody>
-      </p:sp>
-      <p:sp>
-        <p:nvSpPr>
-          <p:cNvPr id="55" name="TextBox 54">
-            <a:extLst>
-              <a:ext uri="{FF2B5EF4-FFF2-40B4-BE49-F238E27FC236}">
-                <a16:creationId xmlns:a16="http://schemas.microsoft.com/office/drawing/2014/main" id="{3D39EC89-2B53-4871-808E-FCFB4DB2781B}"/>
-              </a:ext>
-            </a:extLst>
-          </p:cNvPr>
-          <p:cNvSpPr txBox="1"/>
-          <p:nvPr/>
-        </p:nvSpPr>
-        <p:spPr>
-          <a:xfrm>
-            <a:off x="6133302" y="2770767"/>
-            <a:ext cx="297733" cy="307777"/>
-          </a:xfrm>
-          <a:prstGeom prst="rect">
-            <a:avLst/>
-          </a:prstGeom>
-          <a:noFill/>
-        </p:spPr>
-        <p:txBody>
-          <a:bodyPr wrap="none" rtlCol="0">
-            <a:spAutoFit/>
-          </a:bodyPr>
-          <a:lstStyle/>
-          <a:p>
-            <a:r>
-              <a:rPr lang="ko-KR" altLang="en-US" sz="1400" dirty="0"/>
-              <a:t>↑</a:t>
-            </a:r>
-            <a:r>
-              <a:rPr lang="en-US" altLang="ko-KR" sz="1400" dirty="0"/>
-              <a:t>2</a:t>
-            </a:r>
-            <a:endParaRPr lang="ko-KR" altLang="en-US" sz="1400" dirty="0"/>
-          </a:p>
-        </p:txBody>
-      </p:sp>
-      <p:sp>
-        <p:nvSpPr>
-          <p:cNvPr id="56" name="TextBox 55">
-            <a:extLst>
-              <a:ext uri="{FF2B5EF4-FFF2-40B4-BE49-F238E27FC236}">
-                <a16:creationId xmlns:a16="http://schemas.microsoft.com/office/drawing/2014/main" id="{9F95A7BF-63A6-49F9-BBBB-E640E5507E72}"/>
-              </a:ext>
-            </a:extLst>
-          </p:cNvPr>
-          <p:cNvSpPr txBox="1"/>
-          <p:nvPr/>
-        </p:nvSpPr>
-        <p:spPr>
-          <a:xfrm>
-            <a:off x="6496423" y="2532347"/>
-            <a:ext cx="1512047" cy="200055"/>
-          </a:xfrm>
-          <a:prstGeom prst="rect">
-            <a:avLst/>
-          </a:prstGeom>
-          <a:noFill/>
-        </p:spPr>
-        <p:txBody>
-          <a:bodyPr wrap="square">
-            <a:spAutoFit/>
-          </a:bodyPr>
-          <a:lstStyle/>
-          <a:p>
-            <a:r>
-              <a:rPr lang="en-US" altLang="ko-KR" sz="700" dirty="0"/>
-              <a:t>Off</a:t>
-            </a:r>
-            <a:r>
-              <a:rPr lang="ko-KR" altLang="en-US" sz="700" dirty="0"/>
-              <a:t>조건은 다른 </a:t>
-            </a:r>
-            <a:r>
-              <a:rPr lang="en-US" altLang="ko-KR" sz="700" dirty="0"/>
-              <a:t>TAG</a:t>
-            </a:r>
-            <a:r>
-              <a:rPr lang="ko-KR" altLang="en-US" sz="700" dirty="0"/>
-              <a:t>에 조건확인</a:t>
-            </a:r>
-          </a:p>
-        </p:txBody>
-      </p:sp>
-      <p:sp>
-        <p:nvSpPr>
-          <p:cNvPr id="57" name="TextBox 56">
-            <a:extLst>
-              <a:ext uri="{FF2B5EF4-FFF2-40B4-BE49-F238E27FC236}">
-                <a16:creationId xmlns:a16="http://schemas.microsoft.com/office/drawing/2014/main" id="{6F3D2276-13CA-4B30-81B7-29C57D7DAD8A}"/>
-              </a:ext>
-            </a:extLst>
-          </p:cNvPr>
-          <p:cNvSpPr txBox="1"/>
-          <p:nvPr/>
-        </p:nvSpPr>
-        <p:spPr>
-          <a:xfrm>
-            <a:off x="6452390" y="2267233"/>
-            <a:ext cx="453970" cy="307777"/>
-          </a:xfrm>
-          <a:prstGeom prst="rect">
-            <a:avLst/>
-          </a:prstGeom>
-          <a:noFill/>
-        </p:spPr>
-        <p:txBody>
-          <a:bodyPr wrap="none" rtlCol="0">
-            <a:spAutoFit/>
-          </a:bodyPr>
-          <a:lstStyle/>
-          <a:p>
-            <a:r>
-              <a:rPr lang="ko-KR" altLang="en-US" sz="1400" dirty="0"/>
-              <a:t>↑</a:t>
-            </a:r>
-            <a:r>
-              <a:rPr lang="en-US" altLang="ko-KR" sz="1400" dirty="0"/>
-              <a:t>3</a:t>
-            </a:r>
-            <a:endParaRPr lang="ko-KR" altLang="en-US" sz="1400" dirty="0"/>
-          </a:p>
-        </p:txBody>
-      </p:sp>
-      <p:sp>
-        <p:nvSpPr>
-          <p:cNvPr id="58" name="TextBox 57">
-            <a:extLst>
-              <a:ext uri="{FF2B5EF4-FFF2-40B4-BE49-F238E27FC236}">
-                <a16:creationId xmlns:a16="http://schemas.microsoft.com/office/drawing/2014/main" id="{8AA7AA42-6B5D-41DB-B3F9-1A1E538D201D}"/>
-              </a:ext>
-            </a:extLst>
-          </p:cNvPr>
-          <p:cNvSpPr txBox="1"/>
-          <p:nvPr/>
-        </p:nvSpPr>
-        <p:spPr>
-          <a:xfrm>
-            <a:off x="6608995" y="3204011"/>
-            <a:ext cx="643757" cy="307777"/>
-          </a:xfrm>
-          <a:prstGeom prst="rect">
-            <a:avLst/>
-          </a:prstGeom>
-          <a:noFill/>
-        </p:spPr>
-        <p:txBody>
-          <a:bodyPr wrap="square">
-            <a:spAutoFit/>
-          </a:bodyPr>
-          <a:lstStyle/>
-          <a:p>
-            <a:r>
-              <a:rPr lang="ko-KR" altLang="en-US" sz="1400" dirty="0"/>
-              <a:t>↓</a:t>
-            </a:r>
-            <a:r>
-              <a:rPr lang="en-US" altLang="ko-KR" sz="1400" dirty="0"/>
-              <a:t>4</a:t>
-            </a:r>
-            <a:endParaRPr lang="ko-KR" altLang="en-US" sz="1400" dirty="0"/>
-          </a:p>
-        </p:txBody>
-      </p:sp>
-      <p:sp>
-        <p:nvSpPr>
-          <p:cNvPr id="59" name="TextBox 58">
-            <a:extLst>
-              <a:ext uri="{FF2B5EF4-FFF2-40B4-BE49-F238E27FC236}">
-                <a16:creationId xmlns:a16="http://schemas.microsoft.com/office/drawing/2014/main" id="{209D814C-9EC2-4A62-90F8-7004A195E95B}"/>
-              </a:ext>
-            </a:extLst>
-          </p:cNvPr>
-          <p:cNvSpPr txBox="1"/>
-          <p:nvPr/>
-        </p:nvSpPr>
-        <p:spPr>
-          <a:xfrm>
-            <a:off x="1526774" y="1220498"/>
-            <a:ext cx="3577922" cy="369332"/>
-          </a:xfrm>
-          <a:prstGeom prst="rect">
-            <a:avLst/>
-          </a:prstGeom>
-          <a:noFill/>
-        </p:spPr>
-        <p:txBody>
-          <a:bodyPr wrap="square" rtlCol="0">
-            <a:spAutoFit/>
-          </a:bodyPr>
-          <a:lstStyle/>
-          <a:p>
-            <a:r>
-              <a:rPr lang="en-US" altLang="ko-KR"/>
-              <a:t>S/R/E</a:t>
-            </a:r>
-            <a:endParaRPr lang="ko-KR" altLang="en-US" dirty="0"/>
-          </a:p>
-        </p:txBody>
-      </p:sp>
+      <mc:AlternateContent xmlns:mc="http://schemas.openxmlformats.org/markup-compatibility/2006" xmlns:a14="http://schemas.microsoft.com/office/drawing/2010/main">
+        <mc:Choice Requires="a14">
+          <p:graphicFrame>
+            <p:nvGraphicFramePr>
+              <p:cNvPr id="41" name="표 2">
+                <a:extLst>
+                  <a:ext uri="{FF2B5EF4-FFF2-40B4-BE49-F238E27FC236}">
+                    <a16:creationId xmlns:a16="http://schemas.microsoft.com/office/drawing/2014/main" id="{1FBA5F26-4C31-46B0-A57A-EA8F5D62E739}"/>
+                  </a:ext>
+                </a:extLst>
+              </p:cNvPr>
+              <p:cNvGraphicFramePr>
+                <a:graphicFrameLocks noGrp="1"/>
+              </p:cNvGraphicFramePr>
+              <p:nvPr/>
+            </p:nvGraphicFramePr>
+            <p:xfrm>
+              <a:off x="6649860" y="5416036"/>
+              <a:ext cx="4368800" cy="1072261"/>
+            </p:xfrm>
+            <a:graphic>
+              <a:graphicData uri="http://schemas.openxmlformats.org/drawingml/2006/table">
+                <a:tbl>
+                  <a:tblPr firstRow="1" bandRow="1">
+                    <a:tableStyleId>{21E4AEA4-8DFA-4A89-87EB-49C32662AFE0}</a:tableStyleId>
+                  </a:tblPr>
+                  <a:tblGrid>
+                    <a:gridCol w="981870">
+                      <a:extLst>
+                        <a:ext uri="{9D8B030D-6E8A-4147-A177-3AD203B41FA5}">
+                          <a16:colId xmlns:a16="http://schemas.microsoft.com/office/drawing/2014/main" val="4240707279"/>
+                        </a:ext>
+                      </a:extLst>
+                    </a:gridCol>
+                    <a:gridCol w="765650">
+                      <a:extLst>
+                        <a:ext uri="{9D8B030D-6E8A-4147-A177-3AD203B41FA5}">
+                          <a16:colId xmlns:a16="http://schemas.microsoft.com/office/drawing/2014/main" val="2825683218"/>
+                        </a:ext>
+                      </a:extLst>
+                    </a:gridCol>
+                    <a:gridCol w="873760">
+                      <a:extLst>
+                        <a:ext uri="{9D8B030D-6E8A-4147-A177-3AD203B41FA5}">
+                          <a16:colId xmlns:a16="http://schemas.microsoft.com/office/drawing/2014/main" val="338525937"/>
+                        </a:ext>
+                      </a:extLst>
+                    </a:gridCol>
+                    <a:gridCol w="873760">
+                      <a:extLst>
+                        <a:ext uri="{9D8B030D-6E8A-4147-A177-3AD203B41FA5}">
+                          <a16:colId xmlns:a16="http://schemas.microsoft.com/office/drawing/2014/main" val="3323042440"/>
+                        </a:ext>
+                      </a:extLst>
+                    </a:gridCol>
+                    <a:gridCol w="873760">
+                      <a:extLst>
+                        <a:ext uri="{9D8B030D-6E8A-4147-A177-3AD203B41FA5}">
+                          <a16:colId xmlns:a16="http://schemas.microsoft.com/office/drawing/2014/main" val="3075476040"/>
+                        </a:ext>
+                      </a:extLst>
+                    </a:gridCol>
+                  </a:tblGrid>
+                  <a:tr h="172566">
+                    <a:tc>
+                      <a:txBody>
+                        <a:bodyPr/>
+                        <a:lstStyle/>
+                        <a:p>
+                          <a:pPr algn="ctr" latinLnBrk="1"/>
+                          <a:r>
+                            <a:rPr lang="en-US" altLang="ko-KR" sz="800" dirty="0"/>
+                            <a:t>Causal of Child</a:t>
+                          </a:r>
+                          <a:endParaRPr lang="ko-KR" altLang="en-US" sz="800" dirty="0"/>
+                        </a:p>
+                      </a:txBody>
+                      <a:tcPr/>
+                    </a:tc>
+                    <a:tc>
+                      <a:txBody>
+                        <a:bodyPr/>
+                        <a:lstStyle/>
+                        <a:p>
+                          <a:pPr algn="ctr" latinLnBrk="1"/>
+                          <a14:m>
+                            <m:oMathPara xmlns:m="http://schemas.openxmlformats.org/officeDocument/2006/math">
+                              <m:oMathParaPr>
+                                <m:jc m:val="centerGroup"/>
+                              </m:oMathParaPr>
+                              <m:oMath xmlns:m="http://schemas.openxmlformats.org/officeDocument/2006/math">
+                                <m:r>
+                                  <m:rPr>
+                                    <m:sty m:val="p"/>
+                                  </m:rPr>
+                                  <a:rPr lang="en-US" altLang="ko-KR" sz="800" dirty="0" smtClean="0">
+                                    <a:latin typeface="Cambria Math" panose="02040503050406030204" pitchFamily="18" charset="0"/>
+                                  </a:rPr>
+                                  <m:t>Seg</m:t>
+                                </m:r>
+                                <m:r>
+                                  <a:rPr lang="en-US" altLang="ko-KR" sz="800" b="1" dirty="0" smtClean="0">
+                                    <a:latin typeface="Cambria Math" panose="02040503050406030204" pitchFamily="18" charset="0"/>
+                                  </a:rPr>
+                                  <m:t> </m:t>
+                                </m:r>
+                                <m:sSub>
+                                  <m:sSubPr>
+                                    <m:ctrlPr>
+                                      <a:rPr lang="en-US" altLang="ko-KR" sz="800" i="1" dirty="0" smtClean="0">
+                                        <a:latin typeface="Cambria Math" panose="02040503050406030204" pitchFamily="18" charset="0"/>
+                                      </a:rPr>
+                                    </m:ctrlPr>
+                                  </m:sSubPr>
+                                  <m:e>
+                                    <m:r>
+                                      <m:rPr>
+                                        <m:sty m:val="p"/>
+                                      </m:rPr>
+                                      <a:rPr lang="en-US" altLang="ko-KR" sz="800" i="1" dirty="0" smtClean="0">
+                                        <a:latin typeface="Cambria Math" panose="02040503050406030204" pitchFamily="18" charset="0"/>
+                                      </a:rPr>
+                                      <m:t>C</m:t>
+                                    </m:r>
+                                  </m:e>
+                                  <m:sub>
+                                    <m:r>
+                                      <a:rPr lang="en-US" altLang="ko-KR" sz="800" b="0" dirty="0" smtClean="0">
+                                        <a:latin typeface="Cambria Math" panose="02040503050406030204" pitchFamily="18" charset="0"/>
+                                      </a:rPr>
+                                      <m:t>1</m:t>
+                                    </m:r>
+                                    <m:r>
+                                      <a:rPr lang="en-US" altLang="ko-KR" sz="800" b="0" i="1" dirty="0" smtClean="0">
+                                        <a:latin typeface="Cambria Math" panose="02040503050406030204" pitchFamily="18" charset="0"/>
+                                      </a:rPr>
+                                      <m:t>,</m:t>
+                                    </m:r>
+                                    <m:r>
+                                      <a:rPr lang="en-US" altLang="ko-KR" sz="800" b="1" i="0" dirty="0" smtClean="0">
+                                        <a:latin typeface="Cambria Math" panose="02040503050406030204" pitchFamily="18" charset="0"/>
+                                      </a:rPr>
+                                      <m:t> </m:t>
+                                    </m:r>
+                                    <m:r>
+                                      <a:rPr lang="ko-KR" altLang="en-US" sz="800" dirty="0" smtClean="0">
+                                        <a:latin typeface="Cambria Math" panose="02040503050406030204" pitchFamily="18" charset="0"/>
+                                      </a:rPr>
+                                      <m:t>𝜃</m:t>
+                                    </m:r>
+                                  </m:sub>
+                                </m:sSub>
+                              </m:oMath>
+                            </m:oMathPara>
+                          </a14:m>
+                          <a:endParaRPr lang="ko-KR" altLang="en-US" sz="800" dirty="0"/>
+                        </a:p>
+                      </a:txBody>
+                      <a:tcPr/>
+                    </a:tc>
+                    <a:tc>
+                      <a:txBody>
+                        <a:bodyPr/>
+                        <a:lstStyle/>
+                        <a:p>
+                          <a:pPr marL="0" marR="0" lvl="0" indent="0" algn="ctr" defTabSz="457200" rtl="0" eaLnBrk="1" fontAlgn="auto" latinLnBrk="1" hangingPunct="1">
+                            <a:lnSpc>
+                              <a:spcPct val="100000"/>
+                            </a:lnSpc>
+                            <a:spcBef>
+                              <a:spcPts val="0"/>
+                            </a:spcBef>
+                            <a:spcAft>
+                              <a:spcPts val="0"/>
+                            </a:spcAft>
+                            <a:buClrTx/>
+                            <a:buSzTx/>
+                            <a:buFontTx/>
+                            <a:buNone/>
+                            <a:tabLst/>
+                            <a:defRPr/>
+                          </a:pPr>
+                          <a14:m>
+                            <m:oMathPara xmlns:m="http://schemas.openxmlformats.org/officeDocument/2006/math">
+                              <m:oMathParaPr>
+                                <m:jc m:val="centerGroup"/>
+                              </m:oMathParaPr>
+                              <m:oMath xmlns:m="http://schemas.openxmlformats.org/officeDocument/2006/math">
+                                <m:r>
+                                  <m:rPr>
+                                    <m:sty m:val="p"/>
+                                  </m:rPr>
+                                  <a:rPr lang="en-US" altLang="ko-KR" sz="800" dirty="0" smtClean="0">
+                                    <a:latin typeface="Cambria Math" panose="02040503050406030204" pitchFamily="18" charset="0"/>
+                                  </a:rPr>
+                                  <m:t>Seg</m:t>
+                                </m:r>
+                                <m:r>
+                                  <a:rPr lang="en-US" altLang="ko-KR" sz="800" b="1" dirty="0" smtClean="0">
+                                    <a:latin typeface="Cambria Math" panose="02040503050406030204" pitchFamily="18" charset="0"/>
+                                  </a:rPr>
+                                  <m:t> </m:t>
+                                </m:r>
+                                <m:sSub>
+                                  <m:sSubPr>
+                                    <m:ctrlPr>
+                                      <a:rPr lang="en-US" altLang="ko-KR" sz="800" i="1" dirty="0" smtClean="0">
+                                        <a:latin typeface="Cambria Math" panose="02040503050406030204" pitchFamily="18" charset="0"/>
+                                      </a:rPr>
+                                    </m:ctrlPr>
+                                  </m:sSubPr>
+                                  <m:e>
+                                    <m:r>
+                                      <m:rPr>
+                                        <m:sty m:val="p"/>
+                                      </m:rPr>
+                                      <a:rPr lang="en-US" altLang="ko-KR" sz="800" i="1" dirty="0" smtClean="0">
+                                        <a:latin typeface="Cambria Math" panose="02040503050406030204" pitchFamily="18" charset="0"/>
+                                      </a:rPr>
+                                      <m:t>C</m:t>
+                                    </m:r>
+                                  </m:e>
+                                  <m:sub>
+                                    <m:r>
+                                      <a:rPr lang="en-US" altLang="ko-KR" sz="800" i="1" dirty="0" smtClean="0">
+                                        <a:latin typeface="Cambria Math" panose="02040503050406030204" pitchFamily="18" charset="0"/>
+                                      </a:rPr>
+                                      <m:t>2</m:t>
+                                    </m:r>
+                                    <m:r>
+                                      <a:rPr lang="en-US" altLang="ko-KR" sz="800" b="0" i="1" dirty="0" smtClean="0">
+                                        <a:latin typeface="Cambria Math" panose="02040503050406030204" pitchFamily="18" charset="0"/>
+                                      </a:rPr>
+                                      <m:t>,</m:t>
+                                    </m:r>
+                                    <m:r>
+                                      <a:rPr lang="en-US" altLang="ko-KR" sz="800" b="1" i="0" dirty="0" smtClean="0">
+                                        <a:latin typeface="Cambria Math" panose="02040503050406030204" pitchFamily="18" charset="0"/>
+                                      </a:rPr>
+                                      <m:t> </m:t>
+                                    </m:r>
+                                    <m:r>
+                                      <a:rPr lang="ko-KR" altLang="en-US" sz="800" dirty="0" smtClean="0">
+                                        <a:latin typeface="Cambria Math" panose="02040503050406030204" pitchFamily="18" charset="0"/>
+                                      </a:rPr>
+                                      <m:t>𝜃</m:t>
+                                    </m:r>
+                                  </m:sub>
+                                </m:sSub>
+                              </m:oMath>
+                            </m:oMathPara>
+                          </a14:m>
+                          <a:endParaRPr lang="ko-KR" altLang="en-US" sz="800" dirty="0"/>
+                        </a:p>
+                      </a:txBody>
+                      <a:tcPr/>
+                    </a:tc>
+                    <a:tc>
+                      <a:txBody>
+                        <a:bodyPr/>
+                        <a:lstStyle/>
+                        <a:p>
+                          <a:pPr algn="ctr" latinLnBrk="1"/>
+                          <a14:m>
+                            <m:oMathPara xmlns:m="http://schemas.openxmlformats.org/officeDocument/2006/math">
+                              <m:oMathParaPr>
+                                <m:jc m:val="centerGroup"/>
+                              </m:oMathParaPr>
+                              <m:oMath xmlns:m="http://schemas.openxmlformats.org/officeDocument/2006/math">
+                                <m:r>
+                                  <m:rPr>
+                                    <m:sty m:val="p"/>
+                                  </m:rPr>
+                                  <a:rPr lang="en-US" altLang="ko-KR" sz="800" dirty="0" smtClean="0">
+                                    <a:latin typeface="Cambria Math" panose="02040503050406030204" pitchFamily="18" charset="0"/>
+                                  </a:rPr>
+                                  <m:t>Seg</m:t>
+                                </m:r>
+                                <m:r>
+                                  <a:rPr lang="en-US" altLang="ko-KR" sz="800" b="1" dirty="0" smtClean="0">
+                                    <a:latin typeface="Cambria Math" panose="02040503050406030204" pitchFamily="18" charset="0"/>
+                                  </a:rPr>
+                                  <m:t> </m:t>
+                                </m:r>
+                                <m:sSub>
+                                  <m:sSubPr>
+                                    <m:ctrlPr>
+                                      <a:rPr lang="en-US" altLang="ko-KR" sz="800" i="1" dirty="0" smtClean="0">
+                                        <a:latin typeface="Cambria Math" panose="02040503050406030204" pitchFamily="18" charset="0"/>
+                                      </a:rPr>
+                                    </m:ctrlPr>
+                                  </m:sSubPr>
+                                  <m:e>
+                                    <m:r>
+                                      <m:rPr>
+                                        <m:sty m:val="p"/>
+                                      </m:rPr>
+                                      <a:rPr lang="en-US" altLang="ko-KR" sz="800" i="1" dirty="0" smtClean="0">
+                                        <a:latin typeface="Cambria Math" panose="02040503050406030204" pitchFamily="18" charset="0"/>
+                                      </a:rPr>
+                                      <m:t>C</m:t>
+                                    </m:r>
+                                  </m:e>
+                                  <m:sub>
+                                    <m:r>
+                                      <a:rPr lang="en-US" altLang="ko-KR" sz="800" i="1" dirty="0" smtClean="0">
+                                        <a:latin typeface="Cambria Math" panose="02040503050406030204" pitchFamily="18" charset="0"/>
+                                      </a:rPr>
+                                      <m:t>3</m:t>
+                                    </m:r>
+                                    <m:r>
+                                      <a:rPr lang="en-US" altLang="ko-KR" sz="800" b="0" i="1" dirty="0" smtClean="0">
+                                        <a:latin typeface="Cambria Math" panose="02040503050406030204" pitchFamily="18" charset="0"/>
+                                      </a:rPr>
+                                      <m:t>,</m:t>
+                                    </m:r>
+                                    <m:r>
+                                      <a:rPr lang="en-US" altLang="ko-KR" sz="800" b="1" i="0" dirty="0" smtClean="0">
+                                        <a:latin typeface="Cambria Math" panose="02040503050406030204" pitchFamily="18" charset="0"/>
+                                      </a:rPr>
+                                      <m:t> </m:t>
+                                    </m:r>
+                                    <m:r>
+                                      <a:rPr lang="ko-KR" altLang="en-US" sz="800" dirty="0" smtClean="0">
+                                        <a:latin typeface="Cambria Math" panose="02040503050406030204" pitchFamily="18" charset="0"/>
+                                      </a:rPr>
+                                      <m:t>𝜃</m:t>
+                                    </m:r>
+                                  </m:sub>
+                                </m:sSub>
+                              </m:oMath>
+                            </m:oMathPara>
+                          </a14:m>
+                          <a:endParaRPr lang="ko-KR" altLang="en-US" sz="800" dirty="0"/>
+                        </a:p>
+                      </a:txBody>
+                      <a:tcPr/>
+                    </a:tc>
+                    <a:tc>
+                      <a:txBody>
+                        <a:bodyPr/>
+                        <a:lstStyle/>
+                        <a:p>
+                          <a:pPr algn="ctr" latinLnBrk="1"/>
+                          <a14:m>
+                            <m:oMathPara xmlns:m="http://schemas.openxmlformats.org/officeDocument/2006/math">
+                              <m:oMathParaPr>
+                                <m:jc m:val="centerGroup"/>
+                              </m:oMathParaPr>
+                              <m:oMath xmlns:m="http://schemas.openxmlformats.org/officeDocument/2006/math">
+                                <m:r>
+                                  <m:rPr>
+                                    <m:sty m:val="p"/>
+                                  </m:rPr>
+                                  <a:rPr lang="en-US" altLang="ko-KR" sz="800" dirty="0" smtClean="0">
+                                    <a:latin typeface="Cambria Math" panose="02040503050406030204" pitchFamily="18" charset="0"/>
+                                  </a:rPr>
+                                  <m:t>Seg</m:t>
+                                </m:r>
+                                <m:r>
+                                  <a:rPr lang="en-US" altLang="ko-KR" sz="800" b="1" dirty="0" smtClean="0">
+                                    <a:latin typeface="Cambria Math" panose="02040503050406030204" pitchFamily="18" charset="0"/>
+                                  </a:rPr>
+                                  <m:t> </m:t>
+                                </m:r>
+                                <m:sSub>
+                                  <m:sSubPr>
+                                    <m:ctrlPr>
+                                      <a:rPr lang="en-US" altLang="ko-KR" sz="800" i="1" dirty="0" smtClean="0">
+                                        <a:latin typeface="Cambria Math" panose="02040503050406030204" pitchFamily="18" charset="0"/>
+                                      </a:rPr>
+                                    </m:ctrlPr>
+                                  </m:sSubPr>
+                                  <m:e>
+                                    <m:r>
+                                      <m:rPr>
+                                        <m:sty m:val="p"/>
+                                      </m:rPr>
+                                      <a:rPr lang="en-US" altLang="ko-KR" sz="800" i="1" dirty="0" smtClean="0">
+                                        <a:latin typeface="Cambria Math" panose="02040503050406030204" pitchFamily="18" charset="0"/>
+                                      </a:rPr>
+                                      <m:t>C</m:t>
+                                    </m:r>
+                                  </m:e>
+                                  <m:sub>
+                                    <m:r>
+                                      <a:rPr lang="en-US" altLang="ko-KR" sz="800" i="1" dirty="0" smtClean="0">
+                                        <a:latin typeface="Cambria Math" panose="02040503050406030204" pitchFamily="18" charset="0"/>
+                                      </a:rPr>
+                                      <m:t>4</m:t>
+                                    </m:r>
+                                    <m:r>
+                                      <a:rPr lang="en-US" altLang="ko-KR" sz="800" b="0" i="1" dirty="0" smtClean="0">
+                                        <a:latin typeface="Cambria Math" panose="02040503050406030204" pitchFamily="18" charset="0"/>
+                                      </a:rPr>
+                                      <m:t>,</m:t>
+                                    </m:r>
+                                    <m:r>
+                                      <a:rPr lang="en-US" altLang="ko-KR" sz="800" b="1" i="0" dirty="0" smtClean="0">
+                                        <a:latin typeface="Cambria Math" panose="02040503050406030204" pitchFamily="18" charset="0"/>
+                                      </a:rPr>
+                                      <m:t> </m:t>
+                                    </m:r>
+                                    <m:r>
+                                      <a:rPr lang="ko-KR" altLang="en-US" sz="800" dirty="0" smtClean="0">
+                                        <a:latin typeface="Cambria Math" panose="02040503050406030204" pitchFamily="18" charset="0"/>
+                                      </a:rPr>
+                                      <m:t>𝜃</m:t>
+                                    </m:r>
+                                  </m:sub>
+                                </m:sSub>
+                              </m:oMath>
+                            </m:oMathPara>
+                          </a14:m>
+                          <a:endParaRPr lang="ko-KR" altLang="en-US" sz="800" dirty="0"/>
+                        </a:p>
+                      </a:txBody>
+                      <a:tcPr/>
+                    </a:tc>
+                    <a:extLst>
+                      <a:ext uri="{0D108BD9-81ED-4DB2-BD59-A6C34878D82A}">
+                        <a16:rowId xmlns:a16="http://schemas.microsoft.com/office/drawing/2014/main" val="3623147733"/>
+                      </a:ext>
+                    </a:extLst>
+                  </a:tr>
+                  <a:tr h="172566">
+                    <a:tc>
+                      <a:txBody>
+                        <a:bodyPr/>
+                        <a:lstStyle/>
+                        <a:p>
+                          <a:pPr algn="ctr" latinLnBrk="1"/>
+                          <a:r>
+                            <a:rPr lang="en-US" altLang="ko-KR" sz="800" dirty="0"/>
+                            <a:t>1</a:t>
+                          </a:r>
+                          <a14:m>
+                            <m:oMath xmlns:m="http://schemas.openxmlformats.org/officeDocument/2006/math">
+                              <m:r>
+                                <a:rPr lang="ko-KR" altLang="en-US" sz="800" dirty="0" smtClean="0">
+                                  <a:latin typeface="Cambria Math" panose="02040503050406030204" pitchFamily="18" charset="0"/>
+                                </a:rPr>
+                                <m:t>𝜃</m:t>
+                              </m:r>
+                            </m:oMath>
+                          </a14:m>
+                          <a:r>
+                            <a:rPr lang="ko-KR" altLang="en-US" sz="800" dirty="0"/>
+                            <a:t> </a:t>
+                          </a:r>
+                          <a:r>
+                            <a:rPr lang="en-US" altLang="ko-KR" sz="800" dirty="0"/>
+                            <a:t>(Seg1 Finish)</a:t>
+                          </a:r>
+                          <a:endParaRPr lang="ko-KR" altLang="en-US" sz="800" dirty="0"/>
+                        </a:p>
+                      </a:txBody>
+                      <a:tcPr/>
+                    </a:tc>
+                    <a:tc>
+                      <a:txBody>
+                        <a:bodyPr/>
+                        <a:lstStyle/>
+                        <a:p>
+                          <a:pPr algn="ctr" latinLnBrk="1"/>
+                          <a:r>
+                            <a:rPr lang="en-US" altLang="ko-KR" sz="800" dirty="0"/>
+                            <a:t>TRUE</a:t>
+                          </a:r>
+                          <a:endParaRPr lang="ko-KR" altLang="en-US" sz="800" dirty="0"/>
+                        </a:p>
+                      </a:txBody>
+                      <a:tcPr/>
+                    </a:tc>
+                    <a:tc>
+                      <a:txBody>
+                        <a:bodyPr/>
+                        <a:lstStyle/>
+                        <a:p>
+                          <a:pPr algn="ctr" latinLnBrk="1"/>
+                          <a:r>
+                            <a:rPr lang="en-US" altLang="ko-KR" sz="800" dirty="0"/>
+                            <a:t>TRUE</a:t>
+                          </a:r>
+                          <a:endParaRPr lang="ko-KR" altLang="en-US" sz="800" dirty="0"/>
+                        </a:p>
+                      </a:txBody>
+                      <a:tcPr/>
+                    </a:tc>
+                    <a:tc>
+                      <a:txBody>
+                        <a:bodyPr/>
+                        <a:lstStyle/>
+                        <a:p>
+                          <a:pPr algn="ctr" latinLnBrk="1"/>
+                          <a:r>
+                            <a:rPr kumimoji="0" lang="en-US" altLang="ko-KR" sz="800" b="0" i="0" u="none" strike="noStrike" kern="1200" cap="none" spc="0" normalizeH="0" baseline="0" noProof="0">
+                              <a:ln>
+                                <a:noFill/>
+                              </a:ln>
+                              <a:solidFill>
+                                <a:prstClr val="black"/>
+                              </a:solidFill>
+                              <a:effectLst/>
+                              <a:uLnTx/>
+                              <a:uFillTx/>
+                              <a:latin typeface="Calibri" panose="020F0502020204030204"/>
+                              <a:ea typeface="맑은 고딕" panose="020B0503020000020004" pitchFamily="50" charset="-127"/>
+                              <a:cs typeface="+mn-cs"/>
+                            </a:rPr>
+                            <a:t>TRUE</a:t>
+                          </a:r>
+                          <a:endParaRPr lang="ko-KR" altLang="en-US" sz="800" dirty="0"/>
+                        </a:p>
+                      </a:txBody>
+                      <a:tcPr/>
+                    </a:tc>
+                    <a:tc>
+                      <a:txBody>
+                        <a:bodyPr/>
+                        <a:lstStyle/>
+                        <a:p>
+                          <a:pPr algn="ctr" latinLnBrk="1"/>
+                          <a:r>
+                            <a:rPr kumimoji="0" lang="en-US" altLang="ko-KR" sz="800" b="0" i="0" u="none" strike="noStrike" kern="1200" cap="none" spc="0" normalizeH="0" baseline="0" noProof="0" dirty="0">
+                              <a:ln>
+                                <a:noFill/>
+                              </a:ln>
+                              <a:solidFill>
+                                <a:prstClr val="black"/>
+                              </a:solidFill>
+                              <a:effectLst/>
+                              <a:uLnTx/>
+                              <a:uFillTx/>
+                              <a:latin typeface="Calibri" panose="020F0502020204030204"/>
+                              <a:ea typeface="맑은 고딕" panose="020B0503020000020004" pitchFamily="50" charset="-127"/>
+                              <a:cs typeface="+mn-cs"/>
+                            </a:rPr>
+                            <a:t>TRUE</a:t>
+                          </a:r>
+                          <a:endParaRPr lang="ko-KR" altLang="en-US" sz="800" dirty="0"/>
+                        </a:p>
+                      </a:txBody>
+                      <a:tcPr/>
+                    </a:tc>
+                    <a:extLst>
+                      <a:ext uri="{0D108BD9-81ED-4DB2-BD59-A6C34878D82A}">
+                        <a16:rowId xmlns:a16="http://schemas.microsoft.com/office/drawing/2014/main" val="3559261267"/>
+                      </a:ext>
+                    </a:extLst>
+                  </a:tr>
+                  <a:tr h="172566">
+                    <a:tc>
+                      <a:txBody>
+                        <a:bodyPr/>
+                        <a:lstStyle/>
+                        <a:p>
+                          <a:pPr algn="ctr" latinLnBrk="1"/>
+                          <a:r>
+                            <a:rPr lang="en-US" altLang="ko-KR" sz="800" dirty="0"/>
+                            <a:t>2</a:t>
+                          </a:r>
+                          <a14:m>
+                            <m:oMath xmlns:m="http://schemas.openxmlformats.org/officeDocument/2006/math">
+                              <m:r>
+                                <a:rPr lang="ko-KR" altLang="en-US" sz="800" dirty="0" smtClean="0">
+                                  <a:latin typeface="Cambria Math" panose="02040503050406030204" pitchFamily="18" charset="0"/>
+                                </a:rPr>
+                                <m:t>𝜃</m:t>
+                              </m:r>
+                            </m:oMath>
+                          </a14:m>
+                          <a:r>
+                            <a:rPr lang="ko-KR" altLang="en-US" sz="800" dirty="0"/>
+                            <a:t>  </a:t>
+                          </a:r>
+                          <a:r>
+                            <a:rPr lang="en-US" altLang="ko-KR" sz="800" dirty="0"/>
+                            <a:t>(Seg2 Finish)</a:t>
+                          </a:r>
+                          <a:endParaRPr lang="ko-KR" altLang="en-US" sz="800" dirty="0"/>
+                        </a:p>
+                      </a:txBody>
+                      <a:tcPr/>
+                    </a:tc>
+                    <a:tc>
+                      <a:txBody>
+                        <a:bodyPr/>
+                        <a:lstStyle/>
+                        <a:p>
+                          <a:pPr algn="ctr" latinLnBrk="1"/>
+                          <a:r>
+                            <a:rPr kumimoji="0" lang="en-US" altLang="ko-KR" sz="800" b="0" i="0" u="none" strike="noStrike" kern="1200" cap="none" spc="0" normalizeH="0" baseline="0" noProof="0">
+                              <a:ln>
+                                <a:noFill/>
+                              </a:ln>
+                              <a:solidFill>
+                                <a:prstClr val="black"/>
+                              </a:solidFill>
+                              <a:effectLst/>
+                              <a:uLnTx/>
+                              <a:uFillTx/>
+                              <a:latin typeface="Calibri" panose="020F0502020204030204"/>
+                              <a:ea typeface="맑은 고딕" panose="020B0503020000020004" pitchFamily="50" charset="-127"/>
+                              <a:cs typeface="+mn-cs"/>
+                            </a:rPr>
+                            <a:t>TRUE</a:t>
+                          </a:r>
+                          <a:endParaRPr lang="ko-KR" altLang="en-US" sz="800" dirty="0"/>
+                        </a:p>
+                      </a:txBody>
+                      <a:tcPr/>
+                    </a:tc>
+                    <a:tc>
+                      <a:txBody>
+                        <a:bodyPr/>
+                        <a:lstStyle/>
+                        <a:p>
+                          <a:pPr algn="ctr" latinLnBrk="1"/>
+                          <a:r>
+                            <a:rPr lang="en-US" altLang="ko-KR" sz="800" dirty="0"/>
+                            <a:t>TRUE</a:t>
+                          </a:r>
+                          <a:endParaRPr lang="ko-KR" altLang="en-US" sz="800" dirty="0"/>
+                        </a:p>
+                      </a:txBody>
+                      <a:tcPr/>
+                    </a:tc>
+                    <a:tc>
+                      <a:txBody>
+                        <a:bodyPr/>
+                        <a:lstStyle/>
+                        <a:p>
+                          <a:pPr algn="ctr" latinLnBrk="1"/>
+                          <a:r>
+                            <a:rPr lang="en-US" altLang="ko-KR" sz="800" dirty="0"/>
+                            <a:t>FALSE</a:t>
+                          </a:r>
+                          <a:endParaRPr lang="ko-KR" altLang="en-US" sz="800" dirty="0"/>
+                        </a:p>
+                      </a:txBody>
+                      <a:tcPr/>
+                    </a:tc>
+                    <a:tc>
+                      <a:txBody>
+                        <a:bodyPr/>
+                        <a:lstStyle/>
+                        <a:p>
+                          <a:pPr algn="ctr" latinLnBrk="1"/>
+                          <a:r>
+                            <a:rPr lang="en-US" altLang="ko-KR" sz="800" dirty="0"/>
+                            <a:t>TRUE</a:t>
+                          </a:r>
+                          <a:endParaRPr lang="ko-KR" altLang="en-US" sz="800" dirty="0"/>
+                        </a:p>
+                      </a:txBody>
+                      <a:tcPr/>
+                    </a:tc>
+                    <a:extLst>
+                      <a:ext uri="{0D108BD9-81ED-4DB2-BD59-A6C34878D82A}">
+                        <a16:rowId xmlns:a16="http://schemas.microsoft.com/office/drawing/2014/main" val="692764268"/>
+                      </a:ext>
+                    </a:extLst>
+                  </a:tr>
+                  <a:tr h="172566">
+                    <a:tc>
+                      <a:txBody>
+                        <a:bodyPr/>
+                        <a:lstStyle/>
+                        <a:p>
+                          <a:pPr algn="ctr" latinLnBrk="1"/>
+                          <a:r>
+                            <a:rPr lang="en-US" altLang="ko-KR" sz="800" dirty="0"/>
+                            <a:t>3</a:t>
+                          </a:r>
+                          <a14:m>
+                            <m:oMath xmlns:m="http://schemas.openxmlformats.org/officeDocument/2006/math">
+                              <m:r>
+                                <a:rPr lang="ko-KR" altLang="en-US" sz="800" dirty="0" smtClean="0">
+                                  <a:latin typeface="Cambria Math" panose="02040503050406030204" pitchFamily="18" charset="0"/>
+                                </a:rPr>
+                                <m:t>𝜃</m:t>
+                              </m:r>
+                            </m:oMath>
+                          </a14:m>
+                          <a:r>
+                            <a:rPr lang="ko-KR" altLang="en-US" sz="800" dirty="0"/>
+                            <a:t>  </a:t>
+                          </a:r>
+                          <a:r>
+                            <a:rPr lang="en-US" altLang="ko-KR" sz="800" dirty="0"/>
+                            <a:t>(Seg3 Finish)</a:t>
+                          </a:r>
+                          <a:endParaRPr lang="ko-KR" altLang="en-US" sz="800" dirty="0"/>
+                        </a:p>
+                      </a:txBody>
+                      <a:tcPr/>
+                    </a:tc>
+                    <a:tc>
+                      <a:txBody>
+                        <a:bodyPr/>
+                        <a:lstStyle/>
+                        <a:p>
+                          <a:pPr algn="ctr" latinLnBrk="1"/>
+                          <a:r>
+                            <a:rPr kumimoji="0" lang="en-US" altLang="ko-KR" sz="800" b="0" i="0" u="none" strike="noStrike" kern="1200" cap="none" spc="0" normalizeH="0" baseline="0" noProof="0">
+                              <a:ln>
+                                <a:noFill/>
+                              </a:ln>
+                              <a:solidFill>
+                                <a:prstClr val="black"/>
+                              </a:solidFill>
+                              <a:effectLst/>
+                              <a:uLnTx/>
+                              <a:uFillTx/>
+                              <a:latin typeface="Calibri" panose="020F0502020204030204"/>
+                              <a:ea typeface="맑은 고딕" panose="020B0503020000020004" pitchFamily="50" charset="-127"/>
+                              <a:cs typeface="+mn-cs"/>
+                            </a:rPr>
+                            <a:t>TRUE</a:t>
+                          </a:r>
+                          <a:endParaRPr lang="ko-KR" altLang="en-US" sz="800" dirty="0"/>
+                        </a:p>
+                      </a:txBody>
+                      <a:tcPr/>
+                    </a:tc>
+                    <a:tc>
+                      <a:txBody>
+                        <a:bodyPr/>
+                        <a:lstStyle/>
+                        <a:p>
+                          <a:pPr algn="ctr" latinLnBrk="1"/>
+                          <a:r>
+                            <a:rPr lang="en-US" altLang="ko-KR" sz="800" dirty="0"/>
+                            <a:t>FALSE</a:t>
+                          </a:r>
+                          <a:endParaRPr lang="ko-KR" altLang="en-US" sz="800" dirty="0"/>
+                        </a:p>
+                      </a:txBody>
+                      <a:tcPr/>
+                    </a:tc>
+                    <a:tc>
+                      <a:txBody>
+                        <a:bodyPr/>
+                        <a:lstStyle/>
+                        <a:p>
+                          <a:pPr algn="ctr" latinLnBrk="1"/>
+                          <a:r>
+                            <a:rPr lang="en-US" altLang="ko-KR" sz="800" dirty="0"/>
+                            <a:t>TRUE</a:t>
+                          </a:r>
+                          <a:endParaRPr lang="ko-KR" altLang="en-US" sz="800" dirty="0"/>
+                        </a:p>
+                      </a:txBody>
+                      <a:tcPr/>
+                    </a:tc>
+                    <a:tc>
+                      <a:txBody>
+                        <a:bodyPr/>
+                        <a:lstStyle/>
+                        <a:p>
+                          <a:pPr algn="ctr" latinLnBrk="1"/>
+                          <a:r>
+                            <a:rPr lang="en-US" altLang="ko-KR" sz="800" dirty="0"/>
+                            <a:t>TRUE</a:t>
+                          </a:r>
+                          <a:endParaRPr lang="ko-KR" altLang="en-US" sz="800" dirty="0"/>
+                        </a:p>
+                      </a:txBody>
+                      <a:tcPr/>
+                    </a:tc>
+                    <a:extLst>
+                      <a:ext uri="{0D108BD9-81ED-4DB2-BD59-A6C34878D82A}">
+                        <a16:rowId xmlns:a16="http://schemas.microsoft.com/office/drawing/2014/main" val="555406816"/>
+                      </a:ext>
+                    </a:extLst>
+                  </a:tr>
+                  <a:tr h="172566">
+                    <a:tc>
+                      <a:txBody>
+                        <a:bodyPr/>
+                        <a:lstStyle/>
+                        <a:p>
+                          <a:pPr algn="ctr" latinLnBrk="1"/>
+                          <a:r>
+                            <a:rPr lang="en-US" altLang="ko-KR" sz="800" dirty="0"/>
+                            <a:t>4</a:t>
+                          </a:r>
+                          <a14:m>
+                            <m:oMath xmlns:m="http://schemas.openxmlformats.org/officeDocument/2006/math">
+                              <m:r>
+                                <a:rPr lang="ko-KR" altLang="en-US" sz="800" dirty="0" smtClean="0">
+                                  <a:latin typeface="Cambria Math" panose="02040503050406030204" pitchFamily="18" charset="0"/>
+                                </a:rPr>
+                                <m:t>𝜃</m:t>
+                              </m:r>
+                            </m:oMath>
+                          </a14:m>
+                          <a:r>
+                            <a:rPr lang="ko-KR" altLang="en-US" sz="800" dirty="0"/>
+                            <a:t> </a:t>
+                          </a:r>
+                          <a:r>
+                            <a:rPr lang="en-US" altLang="ko-KR" sz="800" dirty="0"/>
+                            <a:t>(Seg4 Finish)</a:t>
+                          </a:r>
+                          <a:endParaRPr lang="ko-KR" altLang="en-US" sz="800" dirty="0"/>
+                        </a:p>
+                      </a:txBody>
+                      <a:tcPr/>
+                    </a:tc>
+                    <a:tc>
+                      <a:txBody>
+                        <a:bodyPr/>
+                        <a:lstStyle/>
+                        <a:p>
+                          <a:pPr algn="ctr" latinLnBrk="1"/>
+                          <a:r>
+                            <a:rPr kumimoji="0" lang="en-US" altLang="ko-KR" sz="800" b="0" i="0" u="none" strike="noStrike" kern="1200" cap="none" spc="0" normalizeH="0" baseline="0" noProof="0" dirty="0">
+                              <a:ln>
+                                <a:noFill/>
+                              </a:ln>
+                              <a:solidFill>
+                                <a:prstClr val="black"/>
+                              </a:solidFill>
+                              <a:effectLst/>
+                              <a:uLnTx/>
+                              <a:uFillTx/>
+                              <a:latin typeface="Calibri" panose="020F0502020204030204"/>
+                              <a:ea typeface="맑은 고딕" panose="020B0503020000020004" pitchFamily="50" charset="-127"/>
+                              <a:cs typeface="+mn-cs"/>
+                            </a:rPr>
+                            <a:t>TRUE</a:t>
+                          </a:r>
+                          <a:endParaRPr lang="ko-KR" altLang="en-US" sz="800" dirty="0"/>
+                        </a:p>
+                      </a:txBody>
+                      <a:tcPr/>
+                    </a:tc>
+                    <a:tc>
+                      <a:txBody>
+                        <a:bodyPr/>
+                        <a:lstStyle/>
+                        <a:p>
+                          <a:pPr algn="ctr" latinLnBrk="1"/>
+                          <a:r>
+                            <a:rPr kumimoji="0" lang="en-US" altLang="ko-KR" sz="800" b="0" i="0" u="none" strike="noStrike" kern="1200" cap="none" spc="0" normalizeH="0" baseline="0" noProof="0">
+                              <a:ln>
+                                <a:noFill/>
+                              </a:ln>
+                              <a:solidFill>
+                                <a:prstClr val="black"/>
+                              </a:solidFill>
+                              <a:effectLst/>
+                              <a:uLnTx/>
+                              <a:uFillTx/>
+                              <a:latin typeface="Calibri" panose="020F0502020204030204"/>
+                              <a:ea typeface="맑은 고딕" panose="020B0503020000020004" pitchFamily="50" charset="-127"/>
+                              <a:cs typeface="+mn-cs"/>
+                            </a:rPr>
+                            <a:t>TRUE</a:t>
+                          </a:r>
+                          <a:endParaRPr lang="ko-KR" altLang="en-US" sz="800" dirty="0"/>
+                        </a:p>
+                      </a:txBody>
+                      <a:tcPr/>
+                    </a:tc>
+                    <a:tc>
+                      <a:txBody>
+                        <a:bodyPr/>
+                        <a:lstStyle/>
+                        <a:p>
+                          <a:pPr algn="ctr" latinLnBrk="1"/>
+                          <a:r>
+                            <a:rPr kumimoji="0" lang="en-US" altLang="ko-KR" sz="800" b="0" i="0" u="none" strike="noStrike" kern="1200" cap="none" spc="0" normalizeH="0" baseline="0" noProof="0">
+                              <a:ln>
+                                <a:noFill/>
+                              </a:ln>
+                              <a:solidFill>
+                                <a:prstClr val="black"/>
+                              </a:solidFill>
+                              <a:effectLst/>
+                              <a:uLnTx/>
+                              <a:uFillTx/>
+                              <a:latin typeface="Calibri" panose="020F0502020204030204"/>
+                              <a:ea typeface="맑은 고딕" panose="020B0503020000020004" pitchFamily="50" charset="-127"/>
+                              <a:cs typeface="+mn-cs"/>
+                            </a:rPr>
+                            <a:t>TRUE</a:t>
+                          </a:r>
+                          <a:endParaRPr lang="ko-KR" altLang="en-US" sz="800" dirty="0"/>
+                        </a:p>
+                      </a:txBody>
+                      <a:tcPr/>
+                    </a:tc>
+                    <a:tc>
+                      <a:txBody>
+                        <a:bodyPr/>
+                        <a:lstStyle/>
+                        <a:p>
+                          <a:pPr algn="ctr" latinLnBrk="1"/>
+                          <a:r>
+                            <a:rPr kumimoji="0" lang="en-US" altLang="ko-KR" sz="800" b="0" i="0" u="none" strike="noStrike" kern="1200" cap="none" spc="0" normalizeH="0" baseline="0" noProof="0" dirty="0">
+                              <a:ln>
+                                <a:noFill/>
+                              </a:ln>
+                              <a:solidFill>
+                                <a:prstClr val="black"/>
+                              </a:solidFill>
+                              <a:effectLst/>
+                              <a:uLnTx/>
+                              <a:uFillTx/>
+                              <a:latin typeface="Calibri" panose="020F0502020204030204"/>
+                              <a:ea typeface="맑은 고딕" panose="020B0503020000020004" pitchFamily="50" charset="-127"/>
+                              <a:cs typeface="+mn-cs"/>
+                            </a:rPr>
+                            <a:t>TRUE</a:t>
+                          </a:r>
+                          <a:endParaRPr lang="ko-KR" altLang="en-US" sz="800" dirty="0"/>
+                        </a:p>
+                      </a:txBody>
+                      <a:tcPr/>
+                    </a:tc>
+                    <a:extLst>
+                      <a:ext uri="{0D108BD9-81ED-4DB2-BD59-A6C34878D82A}">
+                        <a16:rowId xmlns:a16="http://schemas.microsoft.com/office/drawing/2014/main" val="2446665172"/>
+                      </a:ext>
+                    </a:extLst>
+                  </a:tr>
+                </a:tbl>
+              </a:graphicData>
+            </a:graphic>
+          </p:graphicFrame>
+        </mc:Choice>
+        <mc:Fallback xmlns="">
+          <p:graphicFrame>
+            <p:nvGraphicFramePr>
+              <p:cNvPr id="41" name="표 2">
+                <a:extLst>
+                  <a:ext uri="{FF2B5EF4-FFF2-40B4-BE49-F238E27FC236}">
+                    <a16:creationId xmlns:a16="http://schemas.microsoft.com/office/drawing/2014/main" id="{1FBA5F26-4C31-46B0-A57A-EA8F5D62E739}"/>
+                  </a:ext>
+                </a:extLst>
+              </p:cNvPr>
+              <p:cNvGraphicFramePr>
+                <a:graphicFrameLocks noGrp="1"/>
+              </p:cNvGraphicFramePr>
+              <p:nvPr>
+                <p:extLst>
+                  <p:ext uri="{D42A27DB-BD31-4B8C-83A1-F6EECF244321}">
+                    <p14:modId xmlns:p14="http://schemas.microsoft.com/office/powerpoint/2010/main" val="2024825363"/>
+                  </p:ext>
+                </p:extLst>
+              </p:nvPr>
+            </p:nvGraphicFramePr>
+            <p:xfrm>
+              <a:off x="6649860" y="5416036"/>
+              <a:ext cx="4368800" cy="1072261"/>
+            </p:xfrm>
+            <a:graphic>
+              <a:graphicData uri="http://schemas.openxmlformats.org/drawingml/2006/table">
+                <a:tbl>
+                  <a:tblPr firstRow="1" bandRow="1">
+                    <a:tableStyleId>{21E4AEA4-8DFA-4A89-87EB-49C32662AFE0}</a:tableStyleId>
+                  </a:tblPr>
+                  <a:tblGrid>
+                    <a:gridCol w="981870">
+                      <a:extLst>
+                        <a:ext uri="{9D8B030D-6E8A-4147-A177-3AD203B41FA5}">
+                          <a16:colId xmlns:a16="http://schemas.microsoft.com/office/drawing/2014/main" val="4240707279"/>
+                        </a:ext>
+                      </a:extLst>
+                    </a:gridCol>
+                    <a:gridCol w="765650">
+                      <a:extLst>
+                        <a:ext uri="{9D8B030D-6E8A-4147-A177-3AD203B41FA5}">
+                          <a16:colId xmlns:a16="http://schemas.microsoft.com/office/drawing/2014/main" val="2825683218"/>
+                        </a:ext>
+                      </a:extLst>
+                    </a:gridCol>
+                    <a:gridCol w="873760">
+                      <a:extLst>
+                        <a:ext uri="{9D8B030D-6E8A-4147-A177-3AD203B41FA5}">
+                          <a16:colId xmlns:a16="http://schemas.microsoft.com/office/drawing/2014/main" val="338525937"/>
+                        </a:ext>
+                      </a:extLst>
+                    </a:gridCol>
+                    <a:gridCol w="873760">
+                      <a:extLst>
+                        <a:ext uri="{9D8B030D-6E8A-4147-A177-3AD203B41FA5}">
+                          <a16:colId xmlns:a16="http://schemas.microsoft.com/office/drawing/2014/main" val="3323042440"/>
+                        </a:ext>
+                      </a:extLst>
+                    </a:gridCol>
+                    <a:gridCol w="873760">
+                      <a:extLst>
+                        <a:ext uri="{9D8B030D-6E8A-4147-A177-3AD203B41FA5}">
+                          <a16:colId xmlns:a16="http://schemas.microsoft.com/office/drawing/2014/main" val="3075476040"/>
+                        </a:ext>
+                      </a:extLst>
+                    </a:gridCol>
+                  </a:tblGrid>
+                  <a:tr h="218821">
+                    <a:tc>
+                      <a:txBody>
+                        <a:bodyPr/>
+                        <a:lstStyle/>
+                        <a:p>
+                          <a:pPr algn="ctr" latinLnBrk="1"/>
+                          <a:r>
+                            <a:rPr lang="en-US" altLang="ko-KR" sz="800" dirty="0"/>
+                            <a:t>Causal of Child</a:t>
+                          </a:r>
+                          <a:endParaRPr lang="ko-KR" altLang="en-US" sz="800" dirty="0"/>
+                        </a:p>
+                      </a:txBody>
+                      <a:tcPr/>
+                    </a:tc>
+                    <a:tc>
+                      <a:txBody>
+                        <a:bodyPr/>
+                        <a:lstStyle/>
+                        <a:p>
+                          <a:endParaRPr lang="ko-KR"/>
+                        </a:p>
+                      </a:txBody>
+                      <a:tcPr>
+                        <a:blipFill>
+                          <a:blip r:embed="rId11"/>
+                          <a:stretch>
+                            <a:fillRect l="-128571" t="-2778" r="-345238" b="-400000"/>
+                          </a:stretch>
+                        </a:blipFill>
+                      </a:tcPr>
+                    </a:tc>
+                    <a:tc>
+                      <a:txBody>
+                        <a:bodyPr/>
+                        <a:lstStyle/>
+                        <a:p>
+                          <a:endParaRPr lang="ko-KR"/>
+                        </a:p>
+                      </a:txBody>
+                      <a:tcPr>
+                        <a:blipFill>
+                          <a:blip r:embed="rId11"/>
+                          <a:stretch>
+                            <a:fillRect l="-200000" t="-2778" r="-202083" b="-400000"/>
+                          </a:stretch>
+                        </a:blipFill>
+                      </a:tcPr>
+                    </a:tc>
+                    <a:tc>
+                      <a:txBody>
+                        <a:bodyPr/>
+                        <a:lstStyle/>
+                        <a:p>
+                          <a:endParaRPr lang="ko-KR"/>
+                        </a:p>
+                      </a:txBody>
+                      <a:tcPr>
+                        <a:blipFill>
+                          <a:blip r:embed="rId11"/>
+                          <a:stretch>
+                            <a:fillRect l="-302098" t="-2778" r="-103497" b="-400000"/>
+                          </a:stretch>
+                        </a:blipFill>
+                      </a:tcPr>
+                    </a:tc>
+                    <a:tc>
+                      <a:txBody>
+                        <a:bodyPr/>
+                        <a:lstStyle/>
+                        <a:p>
+                          <a:endParaRPr lang="ko-KR"/>
+                        </a:p>
+                      </a:txBody>
+                      <a:tcPr>
+                        <a:blipFill>
+                          <a:blip r:embed="rId11"/>
+                          <a:stretch>
+                            <a:fillRect l="-399306" t="-2778" r="-2778" b="-400000"/>
+                          </a:stretch>
+                        </a:blipFill>
+                      </a:tcPr>
+                    </a:tc>
+                    <a:extLst>
+                      <a:ext uri="{0D108BD9-81ED-4DB2-BD59-A6C34878D82A}">
+                        <a16:rowId xmlns:a16="http://schemas.microsoft.com/office/drawing/2014/main" val="3623147733"/>
+                      </a:ext>
+                    </a:extLst>
+                  </a:tr>
+                  <a:tr h="213360">
+                    <a:tc>
+                      <a:txBody>
+                        <a:bodyPr/>
+                        <a:lstStyle/>
+                        <a:p>
+                          <a:endParaRPr lang="ko-KR"/>
+                        </a:p>
+                      </a:txBody>
+                      <a:tcPr>
+                        <a:blipFill>
+                          <a:blip r:embed="rId11"/>
+                          <a:stretch>
+                            <a:fillRect l="-621" t="-105714" r="-348447" b="-311429"/>
+                          </a:stretch>
+                        </a:blipFill>
+                      </a:tcPr>
+                    </a:tc>
+                    <a:tc>
+                      <a:txBody>
+                        <a:bodyPr/>
+                        <a:lstStyle/>
+                        <a:p>
+                          <a:pPr algn="ctr" latinLnBrk="1"/>
+                          <a:r>
+                            <a:rPr lang="en-US" altLang="ko-KR" sz="800" dirty="0"/>
+                            <a:t>TRUE</a:t>
+                          </a:r>
+                          <a:endParaRPr lang="ko-KR" altLang="en-US" sz="800" dirty="0"/>
+                        </a:p>
+                      </a:txBody>
+                      <a:tcPr/>
+                    </a:tc>
+                    <a:tc>
+                      <a:txBody>
+                        <a:bodyPr/>
+                        <a:lstStyle/>
+                        <a:p>
+                          <a:pPr algn="ctr" latinLnBrk="1"/>
+                          <a:r>
+                            <a:rPr lang="en-US" altLang="ko-KR" sz="800" dirty="0"/>
+                            <a:t>TRUE</a:t>
+                          </a:r>
+                          <a:endParaRPr lang="ko-KR" altLang="en-US" sz="800" dirty="0"/>
+                        </a:p>
+                      </a:txBody>
+                      <a:tcPr/>
+                    </a:tc>
+                    <a:tc>
+                      <a:txBody>
+                        <a:bodyPr/>
+                        <a:lstStyle/>
+                        <a:p>
+                          <a:pPr algn="ctr" latinLnBrk="1"/>
+                          <a:r>
+                            <a:rPr kumimoji="0" lang="en-US" altLang="ko-KR" sz="800" b="0" i="0" u="none" strike="noStrike" kern="1200" cap="none" spc="0" normalizeH="0" baseline="0" noProof="0">
+                              <a:ln>
+                                <a:noFill/>
+                              </a:ln>
+                              <a:solidFill>
+                                <a:prstClr val="black"/>
+                              </a:solidFill>
+                              <a:effectLst/>
+                              <a:uLnTx/>
+                              <a:uFillTx/>
+                              <a:latin typeface="Calibri" panose="020F0502020204030204"/>
+                              <a:ea typeface="맑은 고딕" panose="020B0503020000020004" pitchFamily="50" charset="-127"/>
+                              <a:cs typeface="+mn-cs"/>
+                            </a:rPr>
+                            <a:t>TRUE</a:t>
+                          </a:r>
+                          <a:endParaRPr lang="ko-KR" altLang="en-US" sz="800" dirty="0"/>
+                        </a:p>
+                      </a:txBody>
+                      <a:tcPr/>
+                    </a:tc>
+                    <a:tc>
+                      <a:txBody>
+                        <a:bodyPr/>
+                        <a:lstStyle/>
+                        <a:p>
+                          <a:pPr algn="ctr" latinLnBrk="1"/>
+                          <a:r>
+                            <a:rPr kumimoji="0" lang="en-US" altLang="ko-KR" sz="800" b="0" i="0" u="none" strike="noStrike" kern="1200" cap="none" spc="0" normalizeH="0" baseline="0" noProof="0" dirty="0">
+                              <a:ln>
+                                <a:noFill/>
+                              </a:ln>
+                              <a:solidFill>
+                                <a:prstClr val="black"/>
+                              </a:solidFill>
+                              <a:effectLst/>
+                              <a:uLnTx/>
+                              <a:uFillTx/>
+                              <a:latin typeface="Calibri" panose="020F0502020204030204"/>
+                              <a:ea typeface="맑은 고딕" panose="020B0503020000020004" pitchFamily="50" charset="-127"/>
+                              <a:cs typeface="+mn-cs"/>
+                            </a:rPr>
+                            <a:t>TRUE</a:t>
+                          </a:r>
+                          <a:endParaRPr lang="ko-KR" altLang="en-US" sz="800" dirty="0"/>
+                        </a:p>
+                      </a:txBody>
+                      <a:tcPr/>
+                    </a:tc>
+                    <a:extLst>
+                      <a:ext uri="{0D108BD9-81ED-4DB2-BD59-A6C34878D82A}">
+                        <a16:rowId xmlns:a16="http://schemas.microsoft.com/office/drawing/2014/main" val="3559261267"/>
+                      </a:ext>
+                    </a:extLst>
+                  </a:tr>
+                  <a:tr h="213360">
+                    <a:tc>
+                      <a:txBody>
+                        <a:bodyPr/>
+                        <a:lstStyle/>
+                        <a:p>
+                          <a:endParaRPr lang="ko-KR"/>
+                        </a:p>
+                      </a:txBody>
+                      <a:tcPr>
+                        <a:blipFill>
+                          <a:blip r:embed="rId11"/>
+                          <a:stretch>
+                            <a:fillRect l="-621" t="-200000" r="-348447" b="-202778"/>
+                          </a:stretch>
+                        </a:blipFill>
+                      </a:tcPr>
+                    </a:tc>
+                    <a:tc>
+                      <a:txBody>
+                        <a:bodyPr/>
+                        <a:lstStyle/>
+                        <a:p>
+                          <a:pPr algn="ctr" latinLnBrk="1"/>
+                          <a:r>
+                            <a:rPr kumimoji="0" lang="en-US" altLang="ko-KR" sz="800" b="0" i="0" u="none" strike="noStrike" kern="1200" cap="none" spc="0" normalizeH="0" baseline="0" noProof="0">
+                              <a:ln>
+                                <a:noFill/>
+                              </a:ln>
+                              <a:solidFill>
+                                <a:prstClr val="black"/>
+                              </a:solidFill>
+                              <a:effectLst/>
+                              <a:uLnTx/>
+                              <a:uFillTx/>
+                              <a:latin typeface="Calibri" panose="020F0502020204030204"/>
+                              <a:ea typeface="맑은 고딕" panose="020B0503020000020004" pitchFamily="50" charset="-127"/>
+                              <a:cs typeface="+mn-cs"/>
+                            </a:rPr>
+                            <a:t>TRUE</a:t>
+                          </a:r>
+                          <a:endParaRPr lang="ko-KR" altLang="en-US" sz="800" dirty="0"/>
+                        </a:p>
+                      </a:txBody>
+                      <a:tcPr/>
+                    </a:tc>
+                    <a:tc>
+                      <a:txBody>
+                        <a:bodyPr/>
+                        <a:lstStyle/>
+                        <a:p>
+                          <a:pPr algn="ctr" latinLnBrk="1"/>
+                          <a:r>
+                            <a:rPr lang="en-US" altLang="ko-KR" sz="800" dirty="0"/>
+                            <a:t>TRUE</a:t>
+                          </a:r>
+                          <a:endParaRPr lang="ko-KR" altLang="en-US" sz="800" dirty="0"/>
+                        </a:p>
+                      </a:txBody>
+                      <a:tcPr/>
+                    </a:tc>
+                    <a:tc>
+                      <a:txBody>
+                        <a:bodyPr/>
+                        <a:lstStyle/>
+                        <a:p>
+                          <a:pPr algn="ctr" latinLnBrk="1"/>
+                          <a:r>
+                            <a:rPr lang="en-US" altLang="ko-KR" sz="800" dirty="0"/>
+                            <a:t>FALSE</a:t>
+                          </a:r>
+                          <a:endParaRPr lang="ko-KR" altLang="en-US" sz="800" dirty="0"/>
+                        </a:p>
+                      </a:txBody>
+                      <a:tcPr/>
+                    </a:tc>
+                    <a:tc>
+                      <a:txBody>
+                        <a:bodyPr/>
+                        <a:lstStyle/>
+                        <a:p>
+                          <a:pPr algn="ctr" latinLnBrk="1"/>
+                          <a:r>
+                            <a:rPr lang="en-US" altLang="ko-KR" sz="800" dirty="0"/>
+                            <a:t>TRUE</a:t>
+                          </a:r>
+                          <a:endParaRPr lang="ko-KR" altLang="en-US" sz="800" dirty="0"/>
+                        </a:p>
+                      </a:txBody>
+                      <a:tcPr/>
+                    </a:tc>
+                    <a:extLst>
+                      <a:ext uri="{0D108BD9-81ED-4DB2-BD59-A6C34878D82A}">
+                        <a16:rowId xmlns:a16="http://schemas.microsoft.com/office/drawing/2014/main" val="692764268"/>
+                      </a:ext>
+                    </a:extLst>
+                  </a:tr>
+                  <a:tr h="213360">
+                    <a:tc>
+                      <a:txBody>
+                        <a:bodyPr/>
+                        <a:lstStyle/>
+                        <a:p>
+                          <a:endParaRPr lang="ko-KR"/>
+                        </a:p>
+                      </a:txBody>
+                      <a:tcPr>
+                        <a:blipFill>
+                          <a:blip r:embed="rId11"/>
+                          <a:stretch>
+                            <a:fillRect l="-621" t="-308571" r="-348447" b="-108571"/>
+                          </a:stretch>
+                        </a:blipFill>
+                      </a:tcPr>
+                    </a:tc>
+                    <a:tc>
+                      <a:txBody>
+                        <a:bodyPr/>
+                        <a:lstStyle/>
+                        <a:p>
+                          <a:pPr algn="ctr" latinLnBrk="1"/>
+                          <a:r>
+                            <a:rPr kumimoji="0" lang="en-US" altLang="ko-KR" sz="800" b="0" i="0" u="none" strike="noStrike" kern="1200" cap="none" spc="0" normalizeH="0" baseline="0" noProof="0">
+                              <a:ln>
+                                <a:noFill/>
+                              </a:ln>
+                              <a:solidFill>
+                                <a:prstClr val="black"/>
+                              </a:solidFill>
+                              <a:effectLst/>
+                              <a:uLnTx/>
+                              <a:uFillTx/>
+                              <a:latin typeface="Calibri" panose="020F0502020204030204"/>
+                              <a:ea typeface="맑은 고딕" panose="020B0503020000020004" pitchFamily="50" charset="-127"/>
+                              <a:cs typeface="+mn-cs"/>
+                            </a:rPr>
+                            <a:t>TRUE</a:t>
+                          </a:r>
+                          <a:endParaRPr lang="ko-KR" altLang="en-US" sz="800" dirty="0"/>
+                        </a:p>
+                      </a:txBody>
+                      <a:tcPr/>
+                    </a:tc>
+                    <a:tc>
+                      <a:txBody>
+                        <a:bodyPr/>
+                        <a:lstStyle/>
+                        <a:p>
+                          <a:pPr algn="ctr" latinLnBrk="1"/>
+                          <a:r>
+                            <a:rPr lang="en-US" altLang="ko-KR" sz="800" dirty="0"/>
+                            <a:t>FALSE</a:t>
+                          </a:r>
+                          <a:endParaRPr lang="ko-KR" altLang="en-US" sz="800" dirty="0"/>
+                        </a:p>
+                      </a:txBody>
+                      <a:tcPr/>
+                    </a:tc>
+                    <a:tc>
+                      <a:txBody>
+                        <a:bodyPr/>
+                        <a:lstStyle/>
+                        <a:p>
+                          <a:pPr algn="ctr" latinLnBrk="1"/>
+                          <a:r>
+                            <a:rPr lang="en-US" altLang="ko-KR" sz="800" dirty="0"/>
+                            <a:t>TRUE</a:t>
+                          </a:r>
+                          <a:endParaRPr lang="ko-KR" altLang="en-US" sz="800" dirty="0"/>
+                        </a:p>
+                      </a:txBody>
+                      <a:tcPr/>
+                    </a:tc>
+                    <a:tc>
+                      <a:txBody>
+                        <a:bodyPr/>
+                        <a:lstStyle/>
+                        <a:p>
+                          <a:pPr algn="ctr" latinLnBrk="1"/>
+                          <a:r>
+                            <a:rPr lang="en-US" altLang="ko-KR" sz="800" dirty="0"/>
+                            <a:t>TRUE</a:t>
+                          </a:r>
+                          <a:endParaRPr lang="ko-KR" altLang="en-US" sz="800" dirty="0"/>
+                        </a:p>
+                      </a:txBody>
+                      <a:tcPr/>
+                    </a:tc>
+                    <a:extLst>
+                      <a:ext uri="{0D108BD9-81ED-4DB2-BD59-A6C34878D82A}">
+                        <a16:rowId xmlns:a16="http://schemas.microsoft.com/office/drawing/2014/main" val="555406816"/>
+                      </a:ext>
+                    </a:extLst>
+                  </a:tr>
+                  <a:tr h="213360">
+                    <a:tc>
+                      <a:txBody>
+                        <a:bodyPr/>
+                        <a:lstStyle/>
+                        <a:p>
+                          <a:endParaRPr lang="ko-KR"/>
+                        </a:p>
+                      </a:txBody>
+                      <a:tcPr>
+                        <a:blipFill>
+                          <a:blip r:embed="rId11"/>
+                          <a:stretch>
+                            <a:fillRect l="-621" t="-408571" r="-348447" b="-8571"/>
+                          </a:stretch>
+                        </a:blipFill>
+                      </a:tcPr>
+                    </a:tc>
+                    <a:tc>
+                      <a:txBody>
+                        <a:bodyPr/>
+                        <a:lstStyle/>
+                        <a:p>
+                          <a:pPr algn="ctr" latinLnBrk="1"/>
+                          <a:r>
+                            <a:rPr kumimoji="0" lang="en-US" altLang="ko-KR" sz="800" b="0" i="0" u="none" strike="noStrike" kern="1200" cap="none" spc="0" normalizeH="0" baseline="0" noProof="0" dirty="0">
+                              <a:ln>
+                                <a:noFill/>
+                              </a:ln>
+                              <a:solidFill>
+                                <a:prstClr val="black"/>
+                              </a:solidFill>
+                              <a:effectLst/>
+                              <a:uLnTx/>
+                              <a:uFillTx/>
+                              <a:latin typeface="Calibri" panose="020F0502020204030204"/>
+                              <a:ea typeface="맑은 고딕" panose="020B0503020000020004" pitchFamily="50" charset="-127"/>
+                              <a:cs typeface="+mn-cs"/>
+                            </a:rPr>
+                            <a:t>TRUE</a:t>
+                          </a:r>
+                          <a:endParaRPr lang="ko-KR" altLang="en-US" sz="800" dirty="0"/>
+                        </a:p>
+                      </a:txBody>
+                      <a:tcPr/>
+                    </a:tc>
+                    <a:tc>
+                      <a:txBody>
+                        <a:bodyPr/>
+                        <a:lstStyle/>
+                        <a:p>
+                          <a:pPr algn="ctr" latinLnBrk="1"/>
+                          <a:r>
+                            <a:rPr kumimoji="0" lang="en-US" altLang="ko-KR" sz="800" b="0" i="0" u="none" strike="noStrike" kern="1200" cap="none" spc="0" normalizeH="0" baseline="0" noProof="0">
+                              <a:ln>
+                                <a:noFill/>
+                              </a:ln>
+                              <a:solidFill>
+                                <a:prstClr val="black"/>
+                              </a:solidFill>
+                              <a:effectLst/>
+                              <a:uLnTx/>
+                              <a:uFillTx/>
+                              <a:latin typeface="Calibri" panose="020F0502020204030204"/>
+                              <a:ea typeface="맑은 고딕" panose="020B0503020000020004" pitchFamily="50" charset="-127"/>
+                              <a:cs typeface="+mn-cs"/>
+                            </a:rPr>
+                            <a:t>TRUE</a:t>
+                          </a:r>
+                          <a:endParaRPr lang="ko-KR" altLang="en-US" sz="800" dirty="0"/>
+                        </a:p>
+                      </a:txBody>
+                      <a:tcPr/>
+                    </a:tc>
+                    <a:tc>
+                      <a:txBody>
+                        <a:bodyPr/>
+                        <a:lstStyle/>
+                        <a:p>
+                          <a:pPr algn="ctr" latinLnBrk="1"/>
+                          <a:r>
+                            <a:rPr kumimoji="0" lang="en-US" altLang="ko-KR" sz="800" b="0" i="0" u="none" strike="noStrike" kern="1200" cap="none" spc="0" normalizeH="0" baseline="0" noProof="0">
+                              <a:ln>
+                                <a:noFill/>
+                              </a:ln>
+                              <a:solidFill>
+                                <a:prstClr val="black"/>
+                              </a:solidFill>
+                              <a:effectLst/>
+                              <a:uLnTx/>
+                              <a:uFillTx/>
+                              <a:latin typeface="Calibri" panose="020F0502020204030204"/>
+                              <a:ea typeface="맑은 고딕" panose="020B0503020000020004" pitchFamily="50" charset="-127"/>
+                              <a:cs typeface="+mn-cs"/>
+                            </a:rPr>
+                            <a:t>TRUE</a:t>
+                          </a:r>
+                          <a:endParaRPr lang="ko-KR" altLang="en-US" sz="800" dirty="0"/>
+                        </a:p>
+                      </a:txBody>
+                      <a:tcPr/>
+                    </a:tc>
+                    <a:tc>
+                      <a:txBody>
+                        <a:bodyPr/>
+                        <a:lstStyle/>
+                        <a:p>
+                          <a:pPr algn="ctr" latinLnBrk="1"/>
+                          <a:r>
+                            <a:rPr kumimoji="0" lang="en-US" altLang="ko-KR" sz="800" b="0" i="0" u="none" strike="noStrike" kern="1200" cap="none" spc="0" normalizeH="0" baseline="0" noProof="0" dirty="0">
+                              <a:ln>
+                                <a:noFill/>
+                              </a:ln>
+                              <a:solidFill>
+                                <a:prstClr val="black"/>
+                              </a:solidFill>
+                              <a:effectLst/>
+                              <a:uLnTx/>
+                              <a:uFillTx/>
+                              <a:latin typeface="Calibri" panose="020F0502020204030204"/>
+                              <a:ea typeface="맑은 고딕" panose="020B0503020000020004" pitchFamily="50" charset="-127"/>
+                              <a:cs typeface="+mn-cs"/>
+                            </a:rPr>
+                            <a:t>TRUE</a:t>
+                          </a:r>
+                          <a:endParaRPr lang="ko-KR" altLang="en-US" sz="800" dirty="0"/>
+                        </a:p>
+                      </a:txBody>
+                      <a:tcPr/>
+                    </a:tc>
+                    <a:extLst>
+                      <a:ext uri="{0D108BD9-81ED-4DB2-BD59-A6C34878D82A}">
+                        <a16:rowId xmlns:a16="http://schemas.microsoft.com/office/drawing/2014/main" val="2446665172"/>
+                      </a:ext>
+                    </a:extLst>
+                  </a:tr>
+                </a:tbl>
+              </a:graphicData>
+            </a:graphic>
+          </p:graphicFrame>
+        </mc:Fallback>
+      </mc:AlternateContent>
+      <mc:AlternateContent xmlns:mc="http://schemas.openxmlformats.org/markup-compatibility/2006" xmlns:a14="http://schemas.microsoft.com/office/drawing/2010/main">
+        <mc:Choice Requires="a14">
+          <p:sp>
+            <p:nvSpPr>
+              <p:cNvPr id="43" name="TextBox 42">
+                <a:extLst>
+                  <a:ext uri="{FF2B5EF4-FFF2-40B4-BE49-F238E27FC236}">
+                    <a16:creationId xmlns:a16="http://schemas.microsoft.com/office/drawing/2014/main" id="{F5A58DEF-60DA-438D-9BE3-6B1D781F8EAD}"/>
+                  </a:ext>
+                </a:extLst>
+              </p:cNvPr>
+              <p:cNvSpPr txBox="1"/>
+              <p:nvPr/>
+            </p:nvSpPr>
+            <p:spPr>
+              <a:xfrm>
+                <a:off x="6519732" y="6557950"/>
+                <a:ext cx="5283200" cy="244106"/>
+              </a:xfrm>
+              <a:prstGeom prst="rect">
+                <a:avLst/>
+              </a:prstGeom>
+              <a:noFill/>
+            </p:spPr>
+            <p:txBody>
+              <a:bodyPr wrap="square">
+                <a:spAutoFit/>
+              </a:bodyPr>
+              <a:lstStyle/>
+              <a:p>
+                <a14:m>
+                  <m:oMath xmlns:m="http://schemas.openxmlformats.org/officeDocument/2006/math">
+                    <m:sSub>
+                      <m:sSubPr>
+                        <m:ctrlPr>
+                          <a:rPr lang="en-US" altLang="ko-KR" sz="900" i="1" dirty="0" smtClean="0">
+                            <a:latin typeface="Cambria Math" panose="02040503050406030204" pitchFamily="18" charset="0"/>
+                          </a:rPr>
+                        </m:ctrlPr>
+                      </m:sSubPr>
+                      <m:e>
+                        <m:r>
+                          <a:rPr lang="en-US" altLang="ko-KR" sz="900" i="1" dirty="0">
+                            <a:latin typeface="Cambria Math" panose="02040503050406030204" pitchFamily="18" charset="0"/>
+                          </a:rPr>
+                          <m:t>𝐶</m:t>
+                        </m:r>
+                      </m:e>
+                      <m:sub>
+                        <m:r>
+                          <a:rPr lang="en-US" altLang="ko-KR" sz="900" i="1" dirty="0">
+                            <a:latin typeface="Cambria Math" panose="02040503050406030204" pitchFamily="18" charset="0"/>
+                          </a:rPr>
+                          <m:t>(</m:t>
+                        </m:r>
+                        <m:r>
+                          <a:rPr lang="en-US" altLang="ko-KR" sz="900" i="1" dirty="0">
+                            <a:latin typeface="Cambria Math" panose="02040503050406030204" pitchFamily="18" charset="0"/>
+                          </a:rPr>
+                          <m:t>𝑖</m:t>
+                        </m:r>
+                        <m:r>
+                          <a:rPr lang="en-US" altLang="ko-KR" sz="900" i="1" dirty="0">
+                            <a:latin typeface="Cambria Math" panose="02040503050406030204" pitchFamily="18" charset="0"/>
+                          </a:rPr>
+                          <m:t>,</m:t>
+                        </m:r>
+                        <m:r>
+                          <a:rPr lang="ko-KR" altLang="en-US" sz="900" i="1" dirty="0">
+                            <a:latin typeface="Cambria Math" panose="02040503050406030204" pitchFamily="18" charset="0"/>
+                          </a:rPr>
+                          <m:t>𝜃</m:t>
+                        </m:r>
+                        <m:r>
+                          <a:rPr lang="en-US" altLang="ko-KR" sz="900" i="1" dirty="0">
+                            <a:latin typeface="Cambria Math" panose="02040503050406030204" pitchFamily="18" charset="0"/>
+                          </a:rPr>
+                          <m:t>)</m:t>
+                        </m:r>
+                      </m:sub>
+                    </m:sSub>
+                  </m:oMath>
+                </a14:m>
+                <a:r>
+                  <a:rPr lang="en-US" altLang="ko-KR" sz="900" i="1" dirty="0">
+                    <a:latin typeface="Cambria Math" panose="02040503050406030204" pitchFamily="18" charset="0"/>
+                  </a:rPr>
+                  <a:t> : </a:t>
+                </a:r>
+                <a14:m>
+                  <m:oMath xmlns:m="http://schemas.openxmlformats.org/officeDocument/2006/math">
+                    <m:r>
+                      <a:rPr lang="ko-KR" altLang="en-US" sz="900" i="1" dirty="0">
+                        <a:latin typeface="Cambria Math" panose="02040503050406030204" pitchFamily="18" charset="0"/>
+                      </a:rPr>
+                      <m:t>𝜃</m:t>
+                    </m:r>
+                  </m:oMath>
+                </a14:m>
+                <a:r>
+                  <a:rPr lang="en-US" altLang="ko-KR" sz="900" i="1" dirty="0">
+                    <a:latin typeface="Cambria Math" panose="02040503050406030204" pitchFamily="18" charset="0"/>
+                  </a:rPr>
+                  <a:t> </a:t>
+                </a:r>
+                <a:r>
+                  <a:rPr lang="ko-KR" altLang="en-US" sz="900" i="1" dirty="0">
+                    <a:latin typeface="Cambria Math" panose="02040503050406030204" pitchFamily="18" charset="0"/>
+                  </a:rPr>
+                  <a:t>시점에 모든 </a:t>
+                </a:r>
+                <a:r>
+                  <a:rPr lang="en-US" altLang="ko-KR" sz="900" i="1" dirty="0">
+                    <a:latin typeface="Cambria Math" panose="02040503050406030204" pitchFamily="18" charset="0"/>
+                  </a:rPr>
+                  <a:t>Node</a:t>
+                </a:r>
+                <a:r>
+                  <a:rPr lang="ko-KR" altLang="en-US" sz="900" i="1" dirty="0">
+                    <a:latin typeface="Cambria Math" panose="02040503050406030204" pitchFamily="18" charset="0"/>
+                  </a:rPr>
+                  <a:t>별로 </a:t>
+                </a:r>
+                <a:r>
+                  <a:rPr lang="en-US" altLang="ko-KR" sz="900" i="1" dirty="0">
+                    <a:latin typeface="Cambria Math" panose="02040503050406030204" pitchFamily="18" charset="0"/>
+                  </a:rPr>
+                  <a:t>Causal </a:t>
+                </a:r>
+                <a:r>
+                  <a:rPr lang="ko-KR" altLang="en-US" sz="900" i="1" dirty="0">
+                    <a:latin typeface="Cambria Math" panose="02040503050406030204" pitchFamily="18" charset="0"/>
+                  </a:rPr>
+                  <a:t>계산 </a:t>
+                </a:r>
+                <a:r>
+                  <a:rPr lang="en-US" altLang="ko-KR" sz="900" i="1" dirty="0">
+                    <a:latin typeface="Cambria Math" panose="02040503050406030204" pitchFamily="18" charset="0"/>
+                  </a:rPr>
+                  <a:t>(</a:t>
+                </a:r>
+                <a:r>
+                  <a:rPr lang="ko-KR" altLang="en-US" sz="900" i="1" dirty="0">
+                    <a:latin typeface="Cambria Math" panose="02040503050406030204" pitchFamily="18" charset="0"/>
+                  </a:rPr>
+                  <a:t>병렬 </a:t>
+                </a:r>
+                <a:r>
+                  <a:rPr lang="en-US" altLang="ko-KR" sz="900" i="1" dirty="0">
+                    <a:latin typeface="Cambria Math" panose="02040503050406030204" pitchFamily="18" charset="0"/>
+                  </a:rPr>
+                  <a:t>Start/Reset Edge </a:t>
+                </a:r>
+                <a:r>
+                  <a:rPr lang="ko-KR" altLang="en-US" sz="900" i="1" dirty="0">
+                    <a:latin typeface="Cambria Math" panose="02040503050406030204" pitchFamily="18" charset="0"/>
+                  </a:rPr>
+                  <a:t>존재시에 </a:t>
+                </a:r>
+                <a:r>
+                  <a:rPr lang="en-US" altLang="ko-KR" sz="900" i="1" dirty="0">
+                    <a:latin typeface="Cambria Math" panose="02040503050406030204" pitchFamily="18" charset="0"/>
+                  </a:rPr>
+                  <a:t>noncausal </a:t>
+                </a:r>
+                <a:r>
+                  <a:rPr lang="ko-KR" altLang="en-US" sz="900" i="1" dirty="0">
+                    <a:latin typeface="Cambria Math" panose="02040503050406030204" pitchFamily="18" charset="0"/>
+                  </a:rPr>
+                  <a:t>판정</a:t>
+                </a:r>
+                <a:r>
+                  <a:rPr lang="en-US" altLang="ko-KR" sz="900" i="1" dirty="0">
+                    <a:latin typeface="Cambria Math" panose="02040503050406030204" pitchFamily="18" charset="0"/>
+                  </a:rPr>
+                  <a:t>)</a:t>
+                </a:r>
+                <a:endParaRPr lang="ko-KR" altLang="en-US" sz="900" dirty="0"/>
+              </a:p>
+            </p:txBody>
+          </p:sp>
+        </mc:Choice>
+        <mc:Fallback xmlns="">
+          <p:sp>
+            <p:nvSpPr>
+              <p:cNvPr id="43" name="TextBox 42">
+                <a:extLst>
+                  <a:ext uri="{FF2B5EF4-FFF2-40B4-BE49-F238E27FC236}">
+                    <a16:creationId xmlns:a16="http://schemas.microsoft.com/office/drawing/2014/main" id="{F5A58DEF-60DA-438D-9BE3-6B1D781F8EAD}"/>
+                  </a:ext>
+                </a:extLst>
+              </p:cNvPr>
+              <p:cNvSpPr txBox="1">
+                <a:spLocks noRot="1" noChangeAspect="1" noMove="1" noResize="1" noEditPoints="1" noAdjustHandles="1" noChangeArrowheads="1" noChangeShapeType="1" noTextEdit="1"/>
+              </p:cNvSpPr>
+              <p:nvPr/>
+            </p:nvSpPr>
+            <p:spPr>
+              <a:xfrm>
+                <a:off x="6519732" y="6557950"/>
+                <a:ext cx="5283200" cy="244106"/>
+              </a:xfrm>
+              <a:prstGeom prst="rect">
+                <a:avLst/>
+              </a:prstGeom>
+              <a:blipFill>
+                <a:blip r:embed="rId12"/>
+                <a:stretch>
+                  <a:fillRect b="-2500"/>
+                </a:stretch>
+              </a:blipFill>
+            </p:spPr>
+            <p:txBody>
+              <a:bodyPr/>
+              <a:lstStyle/>
+              <a:p>
+                <a:r>
+                  <a:rPr lang="ko-KR" altLang="en-US">
+                    <a:noFill/>
+                  </a:rPr>
+                  <a:t> </a:t>
+                </a:r>
+              </a:p>
+            </p:txBody>
+          </p:sp>
+        </mc:Fallback>
+      </mc:AlternateContent>
+      <mc:AlternateContent xmlns:mc="http://schemas.openxmlformats.org/markup-compatibility/2006" xmlns:a14="http://schemas.microsoft.com/office/drawing/2010/main">
+        <mc:Choice Requires="a14">
+          <p:sp>
+            <p:nvSpPr>
+              <p:cNvPr id="44" name="TextBox 43">
+                <a:extLst>
+                  <a:ext uri="{FF2B5EF4-FFF2-40B4-BE49-F238E27FC236}">
+                    <a16:creationId xmlns:a16="http://schemas.microsoft.com/office/drawing/2014/main" id="{787AECA5-A5AB-46C8-9075-5E865CCC5D6E}"/>
+                  </a:ext>
+                </a:extLst>
+              </p:cNvPr>
+              <p:cNvSpPr txBox="1"/>
+              <p:nvPr/>
+            </p:nvSpPr>
+            <p:spPr>
+              <a:xfrm>
+                <a:off x="6519732" y="5092721"/>
+                <a:ext cx="2946997" cy="230832"/>
+              </a:xfrm>
+              <a:prstGeom prst="rect">
+                <a:avLst/>
+              </a:prstGeom>
+              <a:noFill/>
+            </p:spPr>
+            <p:txBody>
+              <a:bodyPr wrap="square">
+                <a:spAutoFit/>
+              </a:bodyPr>
+              <a:lstStyle/>
+              <a:p>
+                <a14:m>
+                  <m:oMath xmlns:m="http://schemas.openxmlformats.org/officeDocument/2006/math">
+                    <m:sSub>
+                      <m:sSubPr>
+                        <m:ctrlPr>
+                          <a:rPr lang="en-US" altLang="ko-KR" sz="900" i="1" dirty="0">
+                            <a:latin typeface="Cambria Math" panose="02040503050406030204" pitchFamily="18" charset="0"/>
+                          </a:rPr>
+                        </m:ctrlPr>
+                      </m:sSubPr>
+                      <m:e>
+                        <m:r>
+                          <a:rPr lang="en-US" altLang="ko-KR" sz="900" i="1" dirty="0">
+                            <a:latin typeface="Cambria Math" panose="02040503050406030204" pitchFamily="18" charset="0"/>
+                          </a:rPr>
+                          <m:t>𝑉</m:t>
+                        </m:r>
+                      </m:e>
+                      <m:sub>
+                        <m:r>
+                          <a:rPr lang="en-US" altLang="ko-KR" sz="900" i="1" dirty="0">
+                            <a:latin typeface="Cambria Math" panose="02040503050406030204" pitchFamily="18" charset="0"/>
+                          </a:rPr>
+                          <m:t>𝑖</m:t>
+                        </m:r>
+                      </m:sub>
+                    </m:sSub>
+                  </m:oMath>
+                </a14:m>
+                <a:r>
+                  <a:rPr lang="en-US" altLang="ko-KR" sz="900" i="1" dirty="0">
+                    <a:latin typeface="Cambria Math" panose="02040503050406030204" pitchFamily="18" charset="0"/>
+                  </a:rPr>
+                  <a:t>  : </a:t>
+                </a:r>
+                <a14:m>
+                  <m:oMath xmlns:m="http://schemas.openxmlformats.org/officeDocument/2006/math">
+                    <m:r>
+                      <a:rPr lang="ko-KR" altLang="en-US" sz="900" i="1" dirty="0">
+                        <a:latin typeface="Cambria Math" panose="02040503050406030204" pitchFamily="18" charset="0"/>
+                      </a:rPr>
+                      <m:t>𝜃</m:t>
+                    </m:r>
+                  </m:oMath>
+                </a14:m>
+                <a:r>
+                  <a:rPr lang="en-US" altLang="ko-KR" sz="900" i="1" dirty="0">
+                    <a:latin typeface="Cambria Math" panose="02040503050406030204" pitchFamily="18" charset="0"/>
+                  </a:rPr>
+                  <a:t> </a:t>
+                </a:r>
+                <a:r>
+                  <a:rPr lang="ko-KR" altLang="en-US" sz="900" i="1" dirty="0">
+                    <a:latin typeface="Cambria Math" panose="02040503050406030204" pitchFamily="18" charset="0"/>
+                  </a:rPr>
+                  <a:t>시점에 모든 </a:t>
+                </a:r>
+                <a:r>
+                  <a:rPr lang="en-US" altLang="ko-KR" sz="900" i="1" dirty="0">
+                    <a:latin typeface="Cambria Math" panose="02040503050406030204" pitchFamily="18" charset="0"/>
+                  </a:rPr>
+                  <a:t>Node</a:t>
+                </a:r>
+                <a:r>
+                  <a:rPr lang="ko-KR" altLang="en-US" sz="900" i="1" dirty="0">
+                    <a:latin typeface="Cambria Math" panose="02040503050406030204" pitchFamily="18" charset="0"/>
+                  </a:rPr>
+                  <a:t>별로 </a:t>
+                </a:r>
+                <a:r>
+                  <a:rPr lang="en-US" altLang="ko-KR" sz="900" i="1" dirty="0">
+                    <a:latin typeface="Cambria Math" panose="02040503050406030204" pitchFamily="18" charset="0"/>
+                  </a:rPr>
+                  <a:t> Value </a:t>
+                </a:r>
+                <a:r>
+                  <a:rPr lang="ko-KR" altLang="en-US" sz="900" i="1" dirty="0">
+                    <a:latin typeface="Cambria Math" panose="02040503050406030204" pitchFamily="18" charset="0"/>
+                  </a:rPr>
+                  <a:t>관찰 </a:t>
+                </a:r>
+                <a:r>
+                  <a:rPr lang="en-US" altLang="ko-KR" sz="900" i="1" dirty="0">
+                    <a:latin typeface="Cambria Math" panose="02040503050406030204" pitchFamily="18" charset="0"/>
+                  </a:rPr>
+                  <a:t>(On :1 , Off: 0)</a:t>
+                </a:r>
+                <a:endParaRPr lang="ko-KR" altLang="en-US" sz="900" dirty="0"/>
+              </a:p>
+            </p:txBody>
+          </p:sp>
+        </mc:Choice>
+        <mc:Fallback xmlns="">
+          <p:sp>
+            <p:nvSpPr>
+              <p:cNvPr id="44" name="TextBox 43">
+                <a:extLst>
+                  <a:ext uri="{FF2B5EF4-FFF2-40B4-BE49-F238E27FC236}">
+                    <a16:creationId xmlns:a16="http://schemas.microsoft.com/office/drawing/2014/main" id="{787AECA5-A5AB-46C8-9075-5E865CCC5D6E}"/>
+                  </a:ext>
+                </a:extLst>
+              </p:cNvPr>
+              <p:cNvSpPr txBox="1">
+                <a:spLocks noRot="1" noChangeAspect="1" noMove="1" noResize="1" noEditPoints="1" noAdjustHandles="1" noChangeArrowheads="1" noChangeShapeType="1" noTextEdit="1"/>
+              </p:cNvSpPr>
+              <p:nvPr/>
+            </p:nvSpPr>
+            <p:spPr>
+              <a:xfrm>
+                <a:off x="6519732" y="5092721"/>
+                <a:ext cx="2946997" cy="230832"/>
+              </a:xfrm>
+              <a:prstGeom prst="rect">
+                <a:avLst/>
+              </a:prstGeom>
+              <a:blipFill>
+                <a:blip r:embed="rId13"/>
+                <a:stretch>
+                  <a:fillRect b="-10526"/>
+                </a:stretch>
+              </a:blipFill>
+            </p:spPr>
+            <p:txBody>
+              <a:bodyPr/>
+              <a:lstStyle/>
+              <a:p>
+                <a:r>
+                  <a:rPr lang="ko-KR" altLang="en-US">
+                    <a:noFill/>
+                  </a:rPr>
+                  <a:t> </a:t>
+                </a:r>
+              </a:p>
+            </p:txBody>
+          </p:sp>
+        </mc:Fallback>
+      </mc:AlternateContent>
     </p:spTree>
     <p:extLst>
       <p:ext uri="{BB962C8B-B14F-4D97-AF65-F5344CB8AC3E}">
-        <p14:creationId xmlns:p14="http://schemas.microsoft.com/office/powerpoint/2010/main" val="3949506622"/>
+        <p14:creationId xmlns:p14="http://schemas.microsoft.com/office/powerpoint/2010/main" val="1256597473"/>
       </p:ext>
     </p:extLst>
   </p:cSld>
@@ -6112,6 +10030,21 @@
 </file>
 
 <file path=customXml/item1.xml><?xml version="1.0" encoding="utf-8"?>
+<p:properties xmlns:p="http://schemas.microsoft.com/office/2006/metadata/properties" xmlns:xsi="http://www.w3.org/2001/XMLSchema-instance" xmlns:pc="http://schemas.microsoft.com/office/infopath/2007/PartnerControls">
+  <documentManagement/>
+</p:properties>
+</file>
+
+<file path=customXml/item2.xml><?xml version="1.0" encoding="utf-8"?>
+<?mso-contentType ?>
+<FormTemplates xmlns="http://schemas.microsoft.com/sharepoint/v3/contenttype/forms">
+  <Display>DocumentLibraryForm</Display>
+  <Edit>DocumentLibraryForm</Edit>
+  <New>DocumentLibraryForm</New>
+</FormTemplates>
+</file>
+
+<file path=customXml/item3.xml><?xml version="1.0" encoding="utf-8"?>
 <ct:contentTypeSchema xmlns:ct="http://schemas.microsoft.com/office/2006/metadata/contentType" xmlns:ma="http://schemas.microsoft.com/office/2006/metadata/properties/metaAttributes" ct:_="" ma:_="" ma:contentTypeName="문서" ma:contentTypeID="0x010100B6E389A37581AA41A17D496BA5357702" ma:contentTypeVersion="12" ma:contentTypeDescription="새 문서를 만듭니다." ma:contentTypeScope="" ma:versionID="9bc36addf1cb6923d834f4028219f64a">
   <xsd:schema xmlns:xsd="http://www.w3.org/2001/XMLSchema" xmlns:xs="http://www.w3.org/2001/XMLSchema" xmlns:p="http://schemas.microsoft.com/office/2006/metadata/properties" xmlns:ns3="66042521-1bb4-473b-a104-7f2e93a9d1eb" xmlns:ns4="8c038fad-d990-44ff-a885-63a60266fd1c" targetNamespace="http://schemas.microsoft.com/office/2006/metadata/properties" ma:root="true" ma:fieldsID="5f114cd9ca0e9999864cc7c28b14f1ce" ns3:_="" ns4:_="">
     <xsd:import namespace="66042521-1bb4-473b-a104-7f2e93a9d1eb"/>
@@ -6326,22 +10259,32 @@
 </ct:contentTypeSchema>
 </file>
 
-<file path=customXml/item2.xml><?xml version="1.0" encoding="utf-8"?>
-<?mso-contentType ?>
-<FormTemplates xmlns="http://schemas.microsoft.com/sharepoint/v3/contenttype/forms">
-  <Display>DocumentLibraryForm</Display>
-  <Edit>DocumentLibraryForm</Edit>
-  <New>DocumentLibraryForm</New>
-</FormTemplates>
+<file path=customXml/itemProps1.xml><?xml version="1.0" encoding="utf-8"?>
+<ds:datastoreItem xmlns:ds="http://schemas.openxmlformats.org/officeDocument/2006/customXml" ds:itemID="{F166AF32-4D9D-4942-AC59-B9A1F1D36545}">
+  <ds:schemaRefs>
+    <ds:schemaRef ds:uri="66042521-1bb4-473b-a104-7f2e93a9d1eb"/>
+    <ds:schemaRef ds:uri="http://purl.org/dc/dcmitype/"/>
+    <ds:schemaRef ds:uri="http://schemas.microsoft.com/office/2006/documentManagement/types"/>
+    <ds:schemaRef ds:uri="http://purl.org/dc/terms/"/>
+    <ds:schemaRef ds:uri="http://purl.org/dc/elements/1.1/"/>
+    <ds:schemaRef ds:uri="http://schemas.microsoft.com/office/infopath/2007/PartnerControls"/>
+    <ds:schemaRef ds:uri="http://www.w3.org/XML/1998/namespace"/>
+    <ds:schemaRef ds:uri="http://schemas.openxmlformats.org/package/2006/metadata/core-properties"/>
+    <ds:schemaRef ds:uri="8c038fad-d990-44ff-a885-63a60266fd1c"/>
+    <ds:schemaRef ds:uri="http://schemas.microsoft.com/office/2006/metadata/properties"/>
+  </ds:schemaRefs>
+</ds:datastoreItem>
 </file>
 
-<file path=customXml/item3.xml><?xml version="1.0" encoding="utf-8"?>
-<p:properties xmlns:p="http://schemas.microsoft.com/office/2006/metadata/properties" xmlns:xsi="http://www.w3.org/2001/XMLSchema-instance" xmlns:pc="http://schemas.microsoft.com/office/infopath/2007/PartnerControls">
-  <documentManagement/>
-</p:properties>
+<file path=customXml/itemProps2.xml><?xml version="1.0" encoding="utf-8"?>
+<ds:datastoreItem xmlns:ds="http://schemas.openxmlformats.org/officeDocument/2006/customXml" ds:itemID="{7DF33A23-97A6-411D-A70A-40932BC21831}">
+  <ds:schemaRefs>
+    <ds:schemaRef ds:uri="http://schemas.microsoft.com/sharepoint/v3/contenttype/forms"/>
+  </ds:schemaRefs>
+</ds:datastoreItem>
 </file>
 
-<file path=customXml/itemProps1.xml><?xml version="1.0" encoding="utf-8"?>
+<file path=customXml/itemProps3.xml><?xml version="1.0" encoding="utf-8"?>
 <ds:datastoreItem xmlns:ds="http://schemas.openxmlformats.org/officeDocument/2006/customXml" ds:itemID="{63FCF4C2-4D43-44D4-96B3-638FB95AED0D}">
   <ds:schemaRefs>
     <ds:schemaRef ds:uri="http://schemas.microsoft.com/office/2006/metadata/contentType"/>
@@ -6358,29 +10301,4 @@
     <ds:schemaRef ds:uri="http://schemas.microsoft.com/internal/obd"/>
   </ds:schemaRefs>
 </ds:datastoreItem>
-</file>
-
-<file path=customXml/itemProps2.xml><?xml version="1.0" encoding="utf-8"?>
-<ds:datastoreItem xmlns:ds="http://schemas.openxmlformats.org/officeDocument/2006/customXml" ds:itemID="{7DF33A23-97A6-411D-A70A-40932BC21831}">
-  <ds:schemaRefs>
-    <ds:schemaRef ds:uri="http://schemas.microsoft.com/sharepoint/v3/contenttype/forms"/>
-  </ds:schemaRefs>
-</ds:datastoreItem>
-</file>
-
-<file path=customXml/itemProps3.xml><?xml version="1.0" encoding="utf-8"?>
-<ds:datastoreItem xmlns:ds="http://schemas.openxmlformats.org/officeDocument/2006/customXml" ds:itemID="{F166AF32-4D9D-4942-AC59-B9A1F1D36545}">
-  <ds:schemaRefs>
-    <ds:schemaRef ds:uri="66042521-1bb4-473b-a104-7f2e93a9d1eb"/>
-    <ds:schemaRef ds:uri="http://purl.org/dc/dcmitype/"/>
-    <ds:schemaRef ds:uri="http://schemas.microsoft.com/office/2006/documentManagement/types"/>
-    <ds:schemaRef ds:uri="http://purl.org/dc/terms/"/>
-    <ds:schemaRef ds:uri="http://purl.org/dc/elements/1.1/"/>
-    <ds:schemaRef ds:uri="http://schemas.microsoft.com/office/infopath/2007/PartnerControls"/>
-    <ds:schemaRef ds:uri="http://www.w3.org/XML/1998/namespace"/>
-    <ds:schemaRef ds:uri="http://schemas.openxmlformats.org/package/2006/metadata/core-properties"/>
-    <ds:schemaRef ds:uri="8c038fad-d990-44ff-a885-63a60266fd1c"/>
-    <ds:schemaRef ds:uri="http://schemas.microsoft.com/office/2006/metadata/properties"/>
-  </ds:schemaRefs>
-</ds:datastoreItem>
 </file>